--- a/newwork/Model2_Spring.pptx
+++ b/newwork/Model2_Spring.pptx
@@ -15,6 +15,10 @@
     <p:sldId id="264" r:id="rId9"/>
     <p:sldId id="267" r:id="rId10"/>
     <p:sldId id="268" r:id="rId11"/>
+    <p:sldId id="269" r:id="rId12"/>
+    <p:sldId id="270" r:id="rId13"/>
+    <p:sldId id="271" r:id="rId14"/>
+    <p:sldId id="272" r:id="rId15"/>
   </p:sldIdLst>
   <p:sldSz cx="12192000" cy="6858000"/>
   <p:notesSz cx="6858000" cy="9144000"/>
@@ -252,7 +256,7 @@
           <a:p>
             <a:fld id="{3DCF8E7F-ECA4-4F79-8BD4-9D90B257F24F}" type="datetimeFigureOut">
               <a:rPr lang="ko-KR" altLang="en-US" smtClean="0"/>
-              <a:t>2021-08-10</a:t>
+              <a:t>2021-08-14</a:t>
             </a:fld>
             <a:endParaRPr lang="ko-KR" altLang="en-US"/>
           </a:p>
@@ -422,7 +426,7 @@
           <a:p>
             <a:fld id="{3DCF8E7F-ECA4-4F79-8BD4-9D90B257F24F}" type="datetimeFigureOut">
               <a:rPr lang="ko-KR" altLang="en-US" smtClean="0"/>
-              <a:t>2021-08-10</a:t>
+              <a:t>2021-08-14</a:t>
             </a:fld>
             <a:endParaRPr lang="ko-KR" altLang="en-US"/>
           </a:p>
@@ -602,7 +606,7 @@
           <a:p>
             <a:fld id="{3DCF8E7F-ECA4-4F79-8BD4-9D90B257F24F}" type="datetimeFigureOut">
               <a:rPr lang="ko-KR" altLang="en-US" smtClean="0"/>
-              <a:t>2021-08-10</a:t>
+              <a:t>2021-08-14</a:t>
             </a:fld>
             <a:endParaRPr lang="ko-KR" altLang="en-US"/>
           </a:p>
@@ -772,7 +776,7 @@
           <a:p>
             <a:fld id="{3DCF8E7F-ECA4-4F79-8BD4-9D90B257F24F}" type="datetimeFigureOut">
               <a:rPr lang="ko-KR" altLang="en-US" smtClean="0"/>
-              <a:t>2021-08-10</a:t>
+              <a:t>2021-08-14</a:t>
             </a:fld>
             <a:endParaRPr lang="ko-KR" altLang="en-US"/>
           </a:p>
@@ -1018,7 +1022,7 @@
           <a:p>
             <a:fld id="{3DCF8E7F-ECA4-4F79-8BD4-9D90B257F24F}" type="datetimeFigureOut">
               <a:rPr lang="ko-KR" altLang="en-US" smtClean="0"/>
-              <a:t>2021-08-10</a:t>
+              <a:t>2021-08-14</a:t>
             </a:fld>
             <a:endParaRPr lang="ko-KR" altLang="en-US"/>
           </a:p>
@@ -1250,7 +1254,7 @@
           <a:p>
             <a:fld id="{3DCF8E7F-ECA4-4F79-8BD4-9D90B257F24F}" type="datetimeFigureOut">
               <a:rPr lang="ko-KR" altLang="en-US" smtClean="0"/>
-              <a:t>2021-08-10</a:t>
+              <a:t>2021-08-14</a:t>
             </a:fld>
             <a:endParaRPr lang="ko-KR" altLang="en-US"/>
           </a:p>
@@ -1617,7 +1621,7 @@
           <a:p>
             <a:fld id="{3DCF8E7F-ECA4-4F79-8BD4-9D90B257F24F}" type="datetimeFigureOut">
               <a:rPr lang="ko-KR" altLang="en-US" smtClean="0"/>
-              <a:t>2021-08-10</a:t>
+              <a:t>2021-08-14</a:t>
             </a:fld>
             <a:endParaRPr lang="ko-KR" altLang="en-US"/>
           </a:p>
@@ -1735,7 +1739,7 @@
           <a:p>
             <a:fld id="{3DCF8E7F-ECA4-4F79-8BD4-9D90B257F24F}" type="datetimeFigureOut">
               <a:rPr lang="ko-KR" altLang="en-US" smtClean="0"/>
-              <a:t>2021-08-10</a:t>
+              <a:t>2021-08-14</a:t>
             </a:fld>
             <a:endParaRPr lang="ko-KR" altLang="en-US"/>
           </a:p>
@@ -1830,7 +1834,7 @@
           <a:p>
             <a:fld id="{3DCF8E7F-ECA4-4F79-8BD4-9D90B257F24F}" type="datetimeFigureOut">
               <a:rPr lang="ko-KR" altLang="en-US" smtClean="0"/>
-              <a:t>2021-08-10</a:t>
+              <a:t>2021-08-14</a:t>
             </a:fld>
             <a:endParaRPr lang="ko-KR" altLang="en-US"/>
           </a:p>
@@ -2107,7 +2111,7 @@
           <a:p>
             <a:fld id="{3DCF8E7F-ECA4-4F79-8BD4-9D90B257F24F}" type="datetimeFigureOut">
               <a:rPr lang="ko-KR" altLang="en-US" smtClean="0"/>
-              <a:t>2021-08-10</a:t>
+              <a:t>2021-08-14</a:t>
             </a:fld>
             <a:endParaRPr lang="ko-KR" altLang="en-US"/>
           </a:p>
@@ -2360,7 +2364,7 @@
           <a:p>
             <a:fld id="{3DCF8E7F-ECA4-4F79-8BD4-9D90B257F24F}" type="datetimeFigureOut">
               <a:rPr lang="ko-KR" altLang="en-US" smtClean="0"/>
-              <a:t>2021-08-10</a:t>
+              <a:t>2021-08-14</a:t>
             </a:fld>
             <a:endParaRPr lang="ko-KR" altLang="en-US"/>
           </a:p>
@@ -2573,7 +2577,7 @@
           <a:p>
             <a:fld id="{3DCF8E7F-ECA4-4F79-8BD4-9D90B257F24F}" type="datetimeFigureOut">
               <a:rPr lang="ko-KR" altLang="en-US" smtClean="0"/>
-              <a:t>2021-08-10</a:t>
+              <a:t>2021-08-14</a:t>
             </a:fld>
             <a:endParaRPr lang="ko-KR" altLang="en-US"/>
           </a:p>
@@ -5114,6 +5118,3040 @@
 </p:sld>
 </file>
 
+<file path=ppt/slides/slide11.xml><?xml version="1.0" encoding="utf-8"?>
+<p:sld xmlns:a="http://schemas.openxmlformats.org/drawingml/2006/main" xmlns:r="http://schemas.openxmlformats.org/officeDocument/2006/relationships" xmlns:p="http://schemas.openxmlformats.org/presentationml/2006/main">
+  <p:cSld>
+    <p:spTree>
+      <p:nvGrpSpPr>
+        <p:cNvPr id="1" name=""/>
+        <p:cNvGrpSpPr/>
+        <p:nvPr/>
+      </p:nvGrpSpPr>
+      <p:grpSpPr>
+        <a:xfrm>
+          <a:off x="0" y="0"/>
+          <a:ext cx="0" cy="0"/>
+          <a:chOff x="0" y="0"/>
+          <a:chExt cx="0" cy="0"/>
+        </a:xfrm>
+      </p:grpSpPr>
+      <p:cxnSp>
+        <p:nvCxnSpPr>
+          <p:cNvPr id="4" name="직선 연결선 3"/>
+          <p:cNvCxnSpPr/>
+          <p:nvPr/>
+        </p:nvCxnSpPr>
+        <p:spPr>
+          <a:xfrm>
+            <a:off x="0" y="538264"/>
+            <a:ext cx="12192000" cy="0"/>
+          </a:xfrm>
+          <a:prstGeom prst="line">
+            <a:avLst/>
+          </a:prstGeom>
+          <a:ln>
+            <a:solidFill>
+              <a:schemeClr val="tx1"/>
+            </a:solidFill>
+          </a:ln>
+        </p:spPr>
+        <p:style>
+          <a:lnRef idx="1">
+            <a:schemeClr val="accent1"/>
+          </a:lnRef>
+          <a:fillRef idx="0">
+            <a:schemeClr val="accent1"/>
+          </a:fillRef>
+          <a:effectRef idx="0">
+            <a:schemeClr val="accent1"/>
+          </a:effectRef>
+          <a:fontRef idx="minor">
+            <a:schemeClr val="tx1"/>
+          </a:fontRef>
+        </p:style>
+      </p:cxnSp>
+      <p:sp>
+        <p:nvSpPr>
+          <p:cNvPr id="5" name="TextBox 4"/>
+          <p:cNvSpPr txBox="1"/>
+          <p:nvPr/>
+        </p:nvSpPr>
+        <p:spPr>
+          <a:xfrm>
+            <a:off x="343711" y="90791"/>
+            <a:ext cx="4537589" cy="369332"/>
+          </a:xfrm>
+          <a:prstGeom prst="rect">
+            <a:avLst/>
+          </a:prstGeom>
+          <a:noFill/>
+        </p:spPr>
+        <p:txBody>
+          <a:bodyPr wrap="none" rtlCol="0">
+            <a:spAutoFit/>
+          </a:bodyPr>
+          <a:lstStyle/>
+          <a:p>
+            <a:r>
+              <a:rPr lang="en-US" altLang="ko-KR" b="1" dirty="0" smtClean="0"/>
+              <a:t>Spring  D </a:t>
+            </a:r>
+            <a:r>
+              <a:rPr lang="ko-KR" altLang="en-US" b="1" dirty="0" smtClean="0"/>
+              <a:t>에서 </a:t>
+            </a:r>
+            <a:r>
+              <a:rPr lang="en-US" altLang="ko-KR" b="1" dirty="0" smtClean="0"/>
+              <a:t>I </a:t>
+            </a:r>
+            <a:r>
+              <a:rPr lang="ko-KR" altLang="en-US" b="1" dirty="0" smtClean="0"/>
+              <a:t>로 </a:t>
+            </a:r>
+            <a:r>
+              <a:rPr lang="en-US" altLang="ko-KR" b="1" dirty="0" smtClean="0"/>
+              <a:t> ,   IoC </a:t>
+            </a:r>
+            <a:r>
+              <a:rPr lang="ko-KR" altLang="en-US" b="1" dirty="0" smtClean="0"/>
+              <a:t>개념을 적용</a:t>
+            </a:r>
+            <a:r>
+              <a:rPr lang="en-US" altLang="ko-KR" b="1" dirty="0" smtClean="0"/>
+              <a:t> </a:t>
+            </a:r>
+            <a:endParaRPr lang="ko-KR" altLang="en-US" b="1" dirty="0"/>
+          </a:p>
+        </p:txBody>
+      </p:sp>
+      <p:sp>
+        <p:nvSpPr>
+          <p:cNvPr id="6" name="TextBox 5"/>
+          <p:cNvSpPr txBox="1"/>
+          <p:nvPr/>
+        </p:nvSpPr>
+        <p:spPr>
+          <a:xfrm>
+            <a:off x="11516040" y="275457"/>
+            <a:ext cx="641522" cy="261610"/>
+          </a:xfrm>
+          <a:prstGeom prst="rect">
+            <a:avLst/>
+          </a:prstGeom>
+          <a:noFill/>
+        </p:spPr>
+        <p:txBody>
+          <a:bodyPr wrap="none" rtlCol="0">
+            <a:spAutoFit/>
+          </a:bodyPr>
+          <a:lstStyle/>
+          <a:p>
+            <a:r>
+              <a:rPr lang="en-US" altLang="ko-KR" sz="1100" b="1" i="1" dirty="0" smtClean="0"/>
+              <a:t>IT </a:t>
+            </a:r>
+            <a:r>
+              <a:rPr lang="ko-KR" altLang="en-US" sz="1100" b="1" i="1" dirty="0" smtClean="0"/>
+              <a:t>늦공</a:t>
+            </a:r>
+            <a:endParaRPr lang="ko-KR" altLang="en-US" sz="1100" b="1" i="1" dirty="0"/>
+          </a:p>
+        </p:txBody>
+      </p:sp>
+      <p:sp>
+        <p:nvSpPr>
+          <p:cNvPr id="13" name="타원 12"/>
+          <p:cNvSpPr/>
+          <p:nvPr/>
+        </p:nvSpPr>
+        <p:spPr>
+          <a:xfrm>
+            <a:off x="343711" y="2151456"/>
+            <a:ext cx="1663854" cy="2023018"/>
+          </a:xfrm>
+          <a:prstGeom prst="ellipse">
+            <a:avLst/>
+          </a:prstGeom>
+          <a:noFill/>
+        </p:spPr>
+        <p:style>
+          <a:lnRef idx="2">
+            <a:schemeClr val="accent1">
+              <a:shade val="50000"/>
+            </a:schemeClr>
+          </a:lnRef>
+          <a:fillRef idx="1">
+            <a:schemeClr val="accent1"/>
+          </a:fillRef>
+          <a:effectRef idx="0">
+            <a:schemeClr val="accent1"/>
+          </a:effectRef>
+          <a:fontRef idx="minor">
+            <a:schemeClr val="lt1"/>
+          </a:fontRef>
+        </p:style>
+        <p:txBody>
+          <a:bodyPr rtlCol="0" anchor="ctr"/>
+          <a:lstStyle/>
+          <a:p>
+            <a:pPr algn="ctr"/>
+            <a:r>
+              <a:rPr lang="en-US" altLang="ko-KR" sz="2800" dirty="0" smtClean="0">
+                <a:solidFill>
+                  <a:schemeClr val="tx1"/>
+                </a:solidFill>
+              </a:rPr>
+              <a:t>Client</a:t>
+            </a:r>
+            <a:endParaRPr lang="ko-KR" altLang="en-US" sz="2800" dirty="0">
+              <a:solidFill>
+                <a:schemeClr val="tx1"/>
+              </a:solidFill>
+            </a:endParaRPr>
+          </a:p>
+        </p:txBody>
+      </p:sp>
+      <p:sp>
+        <p:nvSpPr>
+          <p:cNvPr id="22" name="오른쪽 화살표 21"/>
+          <p:cNvSpPr/>
+          <p:nvPr/>
+        </p:nvSpPr>
+        <p:spPr>
+          <a:xfrm>
+            <a:off x="2253739" y="2863445"/>
+            <a:ext cx="1336250" cy="741297"/>
+          </a:xfrm>
+          <a:prstGeom prst="rightArrow">
+            <a:avLst/>
+          </a:prstGeom>
+        </p:spPr>
+        <p:style>
+          <a:lnRef idx="2">
+            <a:schemeClr val="accent1">
+              <a:shade val="50000"/>
+            </a:schemeClr>
+          </a:lnRef>
+          <a:fillRef idx="1">
+            <a:schemeClr val="accent1"/>
+          </a:fillRef>
+          <a:effectRef idx="0">
+            <a:schemeClr val="accent1"/>
+          </a:effectRef>
+          <a:fontRef idx="minor">
+            <a:schemeClr val="lt1"/>
+          </a:fontRef>
+        </p:style>
+        <p:txBody>
+          <a:bodyPr rtlCol="0" anchor="ctr"/>
+          <a:lstStyle/>
+          <a:p>
+            <a:pPr algn="ctr"/>
+            <a:r>
+              <a:rPr lang="en-US" altLang="ko-KR" sz="2000" dirty="0"/>
+              <a:t> </a:t>
+            </a:r>
+            <a:r>
+              <a:rPr lang="en-US" altLang="ko-KR" sz="2000" dirty="0" smtClean="0"/>
+              <a:t>request</a:t>
+            </a:r>
+            <a:endParaRPr lang="ko-KR" altLang="en-US" sz="2000" dirty="0"/>
+          </a:p>
+        </p:txBody>
+      </p:sp>
+      <p:sp>
+        <p:nvSpPr>
+          <p:cNvPr id="2" name="TextBox 1"/>
+          <p:cNvSpPr txBox="1"/>
+          <p:nvPr/>
+        </p:nvSpPr>
+        <p:spPr>
+          <a:xfrm>
+            <a:off x="6732167" y="2189902"/>
+            <a:ext cx="1636987" cy="400109"/>
+          </a:xfrm>
+          <a:prstGeom prst="rect">
+            <a:avLst/>
+          </a:prstGeom>
+          <a:noFill/>
+          <a:ln>
+            <a:solidFill>
+              <a:srgbClr val="FF0000"/>
+            </a:solidFill>
+          </a:ln>
+        </p:spPr>
+        <p:txBody>
+          <a:bodyPr wrap="none" rtlCol="0">
+            <a:spAutoFit/>
+          </a:bodyPr>
+          <a:lstStyle/>
+          <a:p>
+            <a:r>
+              <a:rPr lang="en-US" altLang="ko-KR" sz="2000" dirty="0" smtClean="0">
+                <a:solidFill>
+                  <a:srgbClr val="FF0000"/>
+                </a:solidFill>
+              </a:rPr>
+              <a:t>Dependency</a:t>
+            </a:r>
+          </a:p>
+        </p:txBody>
+      </p:sp>
+      <p:cxnSp>
+        <p:nvCxnSpPr>
+          <p:cNvPr id="9" name="직선 연결선 8"/>
+          <p:cNvCxnSpPr/>
+          <p:nvPr/>
+        </p:nvCxnSpPr>
+        <p:spPr>
+          <a:xfrm>
+            <a:off x="4316994" y="2397419"/>
+            <a:ext cx="1495049" cy="0"/>
+          </a:xfrm>
+          <a:prstGeom prst="line">
+            <a:avLst/>
+          </a:prstGeom>
+          <a:ln>
+            <a:solidFill>
+              <a:schemeClr val="tx1"/>
+            </a:solidFill>
+          </a:ln>
+        </p:spPr>
+        <p:style>
+          <a:lnRef idx="1">
+            <a:schemeClr val="accent1"/>
+          </a:lnRef>
+          <a:fillRef idx="0">
+            <a:schemeClr val="accent1"/>
+          </a:fillRef>
+          <a:effectRef idx="0">
+            <a:schemeClr val="accent1"/>
+          </a:effectRef>
+          <a:fontRef idx="minor">
+            <a:schemeClr val="tx1"/>
+          </a:fontRef>
+        </p:style>
+      </p:cxnSp>
+      <p:sp>
+        <p:nvSpPr>
+          <p:cNvPr id="31" name="TextBox 30"/>
+          <p:cNvSpPr txBox="1"/>
+          <p:nvPr/>
+        </p:nvSpPr>
+        <p:spPr>
+          <a:xfrm>
+            <a:off x="9078496" y="1888219"/>
+            <a:ext cx="1011752" cy="400110"/>
+          </a:xfrm>
+          <a:prstGeom prst="rect">
+            <a:avLst/>
+          </a:prstGeom>
+          <a:noFill/>
+        </p:spPr>
+        <p:txBody>
+          <a:bodyPr wrap="none" rtlCol="0">
+            <a:spAutoFit/>
+          </a:bodyPr>
+          <a:lstStyle/>
+          <a:p>
+            <a:r>
+              <a:rPr lang="en-US" altLang="ko-KR" sz="2000" dirty="0" smtClean="0"/>
+              <a:t>Service</a:t>
+            </a:r>
+            <a:endParaRPr lang="ko-KR" altLang="en-US" sz="2000" dirty="0"/>
+          </a:p>
+        </p:txBody>
+      </p:sp>
+      <p:cxnSp>
+        <p:nvCxnSpPr>
+          <p:cNvPr id="32" name="직선 연결선 31"/>
+          <p:cNvCxnSpPr/>
+          <p:nvPr/>
+        </p:nvCxnSpPr>
+        <p:spPr>
+          <a:xfrm>
+            <a:off x="8905968" y="2397419"/>
+            <a:ext cx="1495049" cy="0"/>
+          </a:xfrm>
+          <a:prstGeom prst="line">
+            <a:avLst/>
+          </a:prstGeom>
+          <a:ln>
+            <a:solidFill>
+              <a:schemeClr val="tx1"/>
+            </a:solidFill>
+          </a:ln>
+        </p:spPr>
+        <p:style>
+          <a:lnRef idx="1">
+            <a:schemeClr val="accent1"/>
+          </a:lnRef>
+          <a:fillRef idx="0">
+            <a:schemeClr val="accent1"/>
+          </a:fillRef>
+          <a:effectRef idx="0">
+            <a:schemeClr val="accent1"/>
+          </a:effectRef>
+          <a:fontRef idx="minor">
+            <a:schemeClr val="tx1"/>
+          </a:fontRef>
+        </p:style>
+      </p:cxnSp>
+      <p:sp>
+        <p:nvSpPr>
+          <p:cNvPr id="11" name="TextBox 10"/>
+          <p:cNvSpPr txBox="1"/>
+          <p:nvPr/>
+        </p:nvSpPr>
+        <p:spPr>
+          <a:xfrm>
+            <a:off x="4081814" y="2590011"/>
+            <a:ext cx="2625975" cy="1754326"/>
+          </a:xfrm>
+          <a:prstGeom prst="rect">
+            <a:avLst/>
+          </a:prstGeom>
+          <a:noFill/>
+        </p:spPr>
+        <p:txBody>
+          <a:bodyPr wrap="none" rtlCol="0">
+            <a:spAutoFit/>
+          </a:bodyPr>
+          <a:lstStyle/>
+          <a:p>
+            <a:pPr>
+              <a:lnSpc>
+                <a:spcPct val="150000"/>
+              </a:lnSpc>
+            </a:pPr>
+            <a:r>
+              <a:rPr lang="en-US" altLang="ko-KR" sz="2400" dirty="0" smtClean="0"/>
+              <a:t>DeletePeople.java</a:t>
+            </a:r>
+          </a:p>
+          <a:p>
+            <a:pPr>
+              <a:lnSpc>
+                <a:spcPct val="150000"/>
+              </a:lnSpc>
+            </a:pPr>
+            <a:r>
+              <a:rPr lang="en-US" altLang="ko-KR" sz="2400" dirty="0" smtClean="0"/>
+              <a:t>PeopleList.java</a:t>
+            </a:r>
+          </a:p>
+          <a:p>
+            <a:pPr>
+              <a:lnSpc>
+                <a:spcPct val="150000"/>
+              </a:lnSpc>
+            </a:pPr>
+            <a:r>
+              <a:rPr lang="en-US" altLang="ko-KR" sz="2400" dirty="0" smtClean="0"/>
+              <a:t>RegistPeople.java</a:t>
+            </a:r>
+            <a:endParaRPr lang="ko-KR" altLang="en-US" sz="2400" dirty="0"/>
+          </a:p>
+        </p:txBody>
+      </p:sp>
+      <p:sp>
+        <p:nvSpPr>
+          <p:cNvPr id="34" name="TextBox 33"/>
+          <p:cNvSpPr txBox="1"/>
+          <p:nvPr/>
+        </p:nvSpPr>
+        <p:spPr>
+          <a:xfrm>
+            <a:off x="8655689" y="2590011"/>
+            <a:ext cx="2722092" cy="1754326"/>
+          </a:xfrm>
+          <a:prstGeom prst="rect">
+            <a:avLst/>
+          </a:prstGeom>
+          <a:noFill/>
+        </p:spPr>
+        <p:txBody>
+          <a:bodyPr wrap="none" rtlCol="0">
+            <a:spAutoFit/>
+          </a:bodyPr>
+          <a:lstStyle/>
+          <a:p>
+            <a:pPr>
+              <a:lnSpc>
+                <a:spcPct val="150000"/>
+              </a:lnSpc>
+            </a:pPr>
+            <a:r>
+              <a:rPr lang="en-US" altLang="ko-KR" sz="2400" dirty="0"/>
+              <a:t>DeleteService</a:t>
+            </a:r>
+            <a:r>
+              <a:rPr lang="en-US" altLang="ko-KR" sz="2400" dirty="0" smtClean="0"/>
+              <a:t>.java</a:t>
+            </a:r>
+          </a:p>
+          <a:p>
+            <a:pPr>
+              <a:lnSpc>
+                <a:spcPct val="150000"/>
+              </a:lnSpc>
+            </a:pPr>
+            <a:r>
+              <a:rPr lang="en-US" altLang="ko-KR" sz="2400" dirty="0"/>
+              <a:t>PeopleService</a:t>
+            </a:r>
+            <a:r>
+              <a:rPr lang="en-US" altLang="ko-KR" sz="2400" dirty="0" smtClean="0"/>
+              <a:t>.java</a:t>
+            </a:r>
+          </a:p>
+          <a:p>
+            <a:pPr>
+              <a:lnSpc>
+                <a:spcPct val="150000"/>
+              </a:lnSpc>
+            </a:pPr>
+            <a:r>
+              <a:rPr lang="en-US" altLang="ko-KR" sz="2400" dirty="0"/>
+              <a:t>RegistService</a:t>
+            </a:r>
+            <a:r>
+              <a:rPr lang="en-US" altLang="ko-KR" sz="2400" dirty="0" smtClean="0"/>
+              <a:t>.java</a:t>
+            </a:r>
+            <a:endParaRPr lang="ko-KR" altLang="en-US" sz="2400" dirty="0"/>
+          </a:p>
+        </p:txBody>
+      </p:sp>
+      <p:sp>
+        <p:nvSpPr>
+          <p:cNvPr id="12" name="오른쪽 화살표 11"/>
+          <p:cNvSpPr/>
+          <p:nvPr/>
+        </p:nvSpPr>
+        <p:spPr>
+          <a:xfrm>
+            <a:off x="6862041" y="2863445"/>
+            <a:ext cx="1582119" cy="220385"/>
+          </a:xfrm>
+          <a:prstGeom prst="rightArrow">
+            <a:avLst/>
+          </a:prstGeom>
+          <a:solidFill>
+            <a:srgbClr val="FF0000"/>
+          </a:solidFill>
+          <a:ln>
+            <a:noFill/>
+          </a:ln>
+        </p:spPr>
+        <p:style>
+          <a:lnRef idx="2">
+            <a:schemeClr val="accent1">
+              <a:shade val="50000"/>
+            </a:schemeClr>
+          </a:lnRef>
+          <a:fillRef idx="1">
+            <a:schemeClr val="accent1"/>
+          </a:fillRef>
+          <a:effectRef idx="0">
+            <a:schemeClr val="accent1"/>
+          </a:effectRef>
+          <a:fontRef idx="minor">
+            <a:schemeClr val="lt1"/>
+          </a:fontRef>
+        </p:style>
+        <p:txBody>
+          <a:bodyPr rtlCol="0" anchor="ctr"/>
+          <a:lstStyle/>
+          <a:p>
+            <a:pPr algn="ctr"/>
+            <a:endParaRPr lang="ko-KR" altLang="en-US" sz="3200"/>
+          </a:p>
+        </p:txBody>
+      </p:sp>
+      <p:sp>
+        <p:nvSpPr>
+          <p:cNvPr id="35" name="오른쪽 화살표 34"/>
+          <p:cNvSpPr/>
+          <p:nvPr/>
+        </p:nvSpPr>
+        <p:spPr>
+          <a:xfrm>
+            <a:off x="6862040" y="3414740"/>
+            <a:ext cx="1582119" cy="220385"/>
+          </a:xfrm>
+          <a:prstGeom prst="rightArrow">
+            <a:avLst/>
+          </a:prstGeom>
+          <a:solidFill>
+            <a:srgbClr val="FF0000"/>
+          </a:solidFill>
+          <a:ln>
+            <a:noFill/>
+          </a:ln>
+        </p:spPr>
+        <p:style>
+          <a:lnRef idx="2">
+            <a:schemeClr val="accent1">
+              <a:shade val="50000"/>
+            </a:schemeClr>
+          </a:lnRef>
+          <a:fillRef idx="1">
+            <a:schemeClr val="accent1"/>
+          </a:fillRef>
+          <a:effectRef idx="0">
+            <a:schemeClr val="accent1"/>
+          </a:effectRef>
+          <a:fontRef idx="minor">
+            <a:schemeClr val="lt1"/>
+          </a:fontRef>
+        </p:style>
+        <p:txBody>
+          <a:bodyPr rtlCol="0" anchor="ctr"/>
+          <a:lstStyle/>
+          <a:p>
+            <a:pPr algn="ctr"/>
+            <a:endParaRPr lang="ko-KR" altLang="en-US" sz="3200"/>
+          </a:p>
+        </p:txBody>
+      </p:sp>
+      <p:sp>
+        <p:nvSpPr>
+          <p:cNvPr id="36" name="오른쪽 화살표 35"/>
+          <p:cNvSpPr/>
+          <p:nvPr/>
+        </p:nvSpPr>
+        <p:spPr>
+          <a:xfrm>
+            <a:off x="6862040" y="3915783"/>
+            <a:ext cx="1582119" cy="220385"/>
+          </a:xfrm>
+          <a:prstGeom prst="rightArrow">
+            <a:avLst/>
+          </a:prstGeom>
+          <a:solidFill>
+            <a:srgbClr val="FF0000"/>
+          </a:solidFill>
+          <a:ln>
+            <a:noFill/>
+          </a:ln>
+        </p:spPr>
+        <p:style>
+          <a:lnRef idx="2">
+            <a:schemeClr val="accent1">
+              <a:shade val="50000"/>
+            </a:schemeClr>
+          </a:lnRef>
+          <a:fillRef idx="1">
+            <a:schemeClr val="accent1"/>
+          </a:fillRef>
+          <a:effectRef idx="0">
+            <a:schemeClr val="accent1"/>
+          </a:effectRef>
+          <a:fontRef idx="minor">
+            <a:schemeClr val="lt1"/>
+          </a:fontRef>
+        </p:style>
+        <p:txBody>
+          <a:bodyPr rtlCol="0" anchor="ctr"/>
+          <a:lstStyle/>
+          <a:p>
+            <a:pPr algn="ctr"/>
+            <a:endParaRPr lang="ko-KR" altLang="en-US" sz="3200"/>
+          </a:p>
+        </p:txBody>
+      </p:sp>
+      <p:sp>
+        <p:nvSpPr>
+          <p:cNvPr id="37" name="TextBox 36"/>
+          <p:cNvSpPr txBox="1"/>
+          <p:nvPr/>
+        </p:nvSpPr>
+        <p:spPr>
+          <a:xfrm>
+            <a:off x="4476869" y="1888219"/>
+            <a:ext cx="1335174" cy="400110"/>
+          </a:xfrm>
+          <a:prstGeom prst="rect">
+            <a:avLst/>
+          </a:prstGeom>
+          <a:noFill/>
+        </p:spPr>
+        <p:txBody>
+          <a:bodyPr wrap="none" rtlCol="0">
+            <a:spAutoFit/>
+          </a:bodyPr>
+          <a:lstStyle/>
+          <a:p>
+            <a:r>
+              <a:rPr lang="en-US" altLang="ko-KR" sz="2000" dirty="0" smtClean="0"/>
+              <a:t>Controller</a:t>
+            </a:r>
+            <a:endParaRPr lang="ko-KR" altLang="en-US" sz="2000" dirty="0"/>
+          </a:p>
+        </p:txBody>
+      </p:sp>
+      <p:sp>
+        <p:nvSpPr>
+          <p:cNvPr id="39" name="직사각형 38"/>
+          <p:cNvSpPr/>
+          <p:nvPr/>
+        </p:nvSpPr>
+        <p:spPr>
+          <a:xfrm>
+            <a:off x="3746183" y="1317781"/>
+            <a:ext cx="7769857" cy="3690368"/>
+          </a:xfrm>
+          <a:prstGeom prst="rect">
+            <a:avLst/>
+          </a:prstGeom>
+          <a:noFill/>
+        </p:spPr>
+        <p:style>
+          <a:lnRef idx="2">
+            <a:schemeClr val="accent1">
+              <a:shade val="50000"/>
+            </a:schemeClr>
+          </a:lnRef>
+          <a:fillRef idx="1">
+            <a:schemeClr val="accent1"/>
+          </a:fillRef>
+          <a:effectRef idx="0">
+            <a:schemeClr val="accent1"/>
+          </a:effectRef>
+          <a:fontRef idx="minor">
+            <a:schemeClr val="lt1"/>
+          </a:fontRef>
+        </p:style>
+        <p:txBody>
+          <a:bodyPr rtlCol="0" anchor="ctr"/>
+          <a:lstStyle/>
+          <a:p>
+            <a:pPr algn="ctr"/>
+            <a:endParaRPr lang="ko-KR" altLang="en-US"/>
+          </a:p>
+        </p:txBody>
+      </p:sp>
+    </p:spTree>
+    <p:extLst>
+      <p:ext uri="{BB962C8B-B14F-4D97-AF65-F5344CB8AC3E}">
+        <p14:creationId xmlns:p14="http://schemas.microsoft.com/office/powerpoint/2010/main" val="2627129553"/>
+      </p:ext>
+    </p:extLst>
+  </p:cSld>
+  <p:clrMapOvr>
+    <a:masterClrMapping/>
+  </p:clrMapOvr>
+</p:sld>
+</file>
+
+<file path=ppt/slides/slide12.xml><?xml version="1.0" encoding="utf-8"?>
+<p:sld xmlns:a="http://schemas.openxmlformats.org/drawingml/2006/main" xmlns:r="http://schemas.openxmlformats.org/officeDocument/2006/relationships" xmlns:p="http://schemas.openxmlformats.org/presentationml/2006/main">
+  <p:cSld>
+    <p:spTree>
+      <p:nvGrpSpPr>
+        <p:cNvPr id="1" name=""/>
+        <p:cNvGrpSpPr/>
+        <p:nvPr/>
+      </p:nvGrpSpPr>
+      <p:grpSpPr>
+        <a:xfrm>
+          <a:off x="0" y="0"/>
+          <a:ext cx="0" cy="0"/>
+          <a:chOff x="0" y="0"/>
+          <a:chExt cx="0" cy="0"/>
+        </a:xfrm>
+      </p:grpSpPr>
+      <p:sp>
+        <p:nvSpPr>
+          <p:cNvPr id="15" name="타원 14"/>
+          <p:cNvSpPr/>
+          <p:nvPr/>
+        </p:nvSpPr>
+        <p:spPr>
+          <a:xfrm>
+            <a:off x="1780027" y="679310"/>
+            <a:ext cx="10253821" cy="6118135"/>
+          </a:xfrm>
+          <a:prstGeom prst="ellipse">
+            <a:avLst/>
+          </a:prstGeom>
+          <a:solidFill>
+            <a:schemeClr val="bg2"/>
+          </a:solidFill>
+        </p:spPr>
+        <p:style>
+          <a:lnRef idx="2">
+            <a:schemeClr val="accent1">
+              <a:shade val="50000"/>
+            </a:schemeClr>
+          </a:lnRef>
+          <a:fillRef idx="1">
+            <a:schemeClr val="accent1"/>
+          </a:fillRef>
+          <a:effectRef idx="0">
+            <a:schemeClr val="accent1"/>
+          </a:effectRef>
+          <a:fontRef idx="minor">
+            <a:schemeClr val="lt1"/>
+          </a:fontRef>
+        </p:style>
+        <p:txBody>
+          <a:bodyPr rtlCol="0" anchor="ctr"/>
+          <a:lstStyle/>
+          <a:p>
+            <a:pPr algn="ctr"/>
+            <a:endParaRPr lang="ko-KR" altLang="en-US"/>
+          </a:p>
+        </p:txBody>
+      </p:sp>
+      <p:pic>
+        <p:nvPicPr>
+          <p:cNvPr id="33" name="그림 32"/>
+          <p:cNvPicPr>
+            <a:picLocks noChangeAspect="1"/>
+          </p:cNvPicPr>
+          <p:nvPr/>
+        </p:nvPicPr>
+        <p:blipFill>
+          <a:blip r:embed="rId2"/>
+          <a:stretch>
+            <a:fillRect/>
+          </a:stretch>
+        </p:blipFill>
+        <p:spPr>
+          <a:xfrm rot="19306108">
+            <a:off x="4335010" y="3737972"/>
+            <a:ext cx="2074516" cy="1120357"/>
+          </a:xfrm>
+          <a:prstGeom prst="rect">
+            <a:avLst/>
+          </a:prstGeom>
+        </p:spPr>
+      </p:pic>
+      <p:cxnSp>
+        <p:nvCxnSpPr>
+          <p:cNvPr id="4" name="직선 연결선 3"/>
+          <p:cNvCxnSpPr/>
+          <p:nvPr/>
+        </p:nvCxnSpPr>
+        <p:spPr>
+          <a:xfrm>
+            <a:off x="0" y="538264"/>
+            <a:ext cx="12192000" cy="0"/>
+          </a:xfrm>
+          <a:prstGeom prst="line">
+            <a:avLst/>
+          </a:prstGeom>
+          <a:ln>
+            <a:solidFill>
+              <a:schemeClr val="tx1"/>
+            </a:solidFill>
+          </a:ln>
+        </p:spPr>
+        <p:style>
+          <a:lnRef idx="1">
+            <a:schemeClr val="accent1"/>
+          </a:lnRef>
+          <a:fillRef idx="0">
+            <a:schemeClr val="accent1"/>
+          </a:fillRef>
+          <a:effectRef idx="0">
+            <a:schemeClr val="accent1"/>
+          </a:effectRef>
+          <a:fontRef idx="minor">
+            <a:schemeClr val="tx1"/>
+          </a:fontRef>
+        </p:style>
+      </p:cxnSp>
+      <p:sp>
+        <p:nvSpPr>
+          <p:cNvPr id="5" name="TextBox 4"/>
+          <p:cNvSpPr txBox="1"/>
+          <p:nvPr/>
+        </p:nvSpPr>
+        <p:spPr>
+          <a:xfrm>
+            <a:off x="343711" y="90791"/>
+            <a:ext cx="4537589" cy="369332"/>
+          </a:xfrm>
+          <a:prstGeom prst="rect">
+            <a:avLst/>
+          </a:prstGeom>
+          <a:noFill/>
+        </p:spPr>
+        <p:txBody>
+          <a:bodyPr wrap="none" rtlCol="0">
+            <a:spAutoFit/>
+          </a:bodyPr>
+          <a:lstStyle/>
+          <a:p>
+            <a:r>
+              <a:rPr lang="en-US" altLang="ko-KR" b="1" dirty="0" smtClean="0"/>
+              <a:t>Spring  D </a:t>
+            </a:r>
+            <a:r>
+              <a:rPr lang="ko-KR" altLang="en-US" b="1" dirty="0" smtClean="0"/>
+              <a:t>에서 </a:t>
+            </a:r>
+            <a:r>
+              <a:rPr lang="en-US" altLang="ko-KR" b="1" dirty="0" smtClean="0"/>
+              <a:t>I </a:t>
+            </a:r>
+            <a:r>
+              <a:rPr lang="ko-KR" altLang="en-US" b="1" dirty="0" smtClean="0"/>
+              <a:t>로 </a:t>
+            </a:r>
+            <a:r>
+              <a:rPr lang="en-US" altLang="ko-KR" b="1" dirty="0" smtClean="0"/>
+              <a:t> ,   IoC </a:t>
+            </a:r>
+            <a:r>
+              <a:rPr lang="ko-KR" altLang="en-US" b="1" dirty="0" smtClean="0"/>
+              <a:t>개념을 적용</a:t>
+            </a:r>
+            <a:r>
+              <a:rPr lang="en-US" altLang="ko-KR" b="1" dirty="0" smtClean="0"/>
+              <a:t> </a:t>
+            </a:r>
+            <a:endParaRPr lang="ko-KR" altLang="en-US" b="1" dirty="0"/>
+          </a:p>
+        </p:txBody>
+      </p:sp>
+      <p:sp>
+        <p:nvSpPr>
+          <p:cNvPr id="6" name="TextBox 5"/>
+          <p:cNvSpPr txBox="1"/>
+          <p:nvPr/>
+        </p:nvSpPr>
+        <p:spPr>
+          <a:xfrm>
+            <a:off x="11516040" y="275457"/>
+            <a:ext cx="641522" cy="261610"/>
+          </a:xfrm>
+          <a:prstGeom prst="rect">
+            <a:avLst/>
+          </a:prstGeom>
+          <a:noFill/>
+        </p:spPr>
+        <p:txBody>
+          <a:bodyPr wrap="none" rtlCol="0">
+            <a:spAutoFit/>
+          </a:bodyPr>
+          <a:lstStyle/>
+          <a:p>
+            <a:r>
+              <a:rPr lang="en-US" altLang="ko-KR" sz="1100" b="1" i="1" dirty="0" smtClean="0"/>
+              <a:t>IT </a:t>
+            </a:r>
+            <a:r>
+              <a:rPr lang="ko-KR" altLang="en-US" sz="1100" b="1" i="1" dirty="0" smtClean="0"/>
+              <a:t>늦공</a:t>
+            </a:r>
+            <a:endParaRPr lang="ko-KR" altLang="en-US" sz="1100" b="1" i="1" dirty="0"/>
+          </a:p>
+        </p:txBody>
+      </p:sp>
+      <p:sp>
+        <p:nvSpPr>
+          <p:cNvPr id="40" name="타원 39"/>
+          <p:cNvSpPr/>
+          <p:nvPr/>
+        </p:nvSpPr>
+        <p:spPr>
+          <a:xfrm>
+            <a:off x="838041" y="5052554"/>
+            <a:ext cx="1342666" cy="1148811"/>
+          </a:xfrm>
+          <a:prstGeom prst="ellipse">
+            <a:avLst/>
+          </a:prstGeom>
+          <a:noFill/>
+        </p:spPr>
+        <p:style>
+          <a:lnRef idx="2">
+            <a:schemeClr val="accent1">
+              <a:shade val="50000"/>
+            </a:schemeClr>
+          </a:lnRef>
+          <a:fillRef idx="1">
+            <a:schemeClr val="accent1"/>
+          </a:fillRef>
+          <a:effectRef idx="0">
+            <a:schemeClr val="accent1"/>
+          </a:effectRef>
+          <a:fontRef idx="minor">
+            <a:schemeClr val="lt1"/>
+          </a:fontRef>
+        </p:style>
+        <p:txBody>
+          <a:bodyPr rtlCol="0" anchor="ctr"/>
+          <a:lstStyle/>
+          <a:p>
+            <a:pPr algn="ctr"/>
+            <a:r>
+              <a:rPr lang="en-US" altLang="ko-KR" dirty="0" smtClean="0">
+                <a:solidFill>
+                  <a:schemeClr val="tx1"/>
+                </a:solidFill>
+              </a:rPr>
+              <a:t>Client</a:t>
+            </a:r>
+            <a:endParaRPr lang="ko-KR" altLang="en-US" dirty="0">
+              <a:solidFill>
+                <a:schemeClr val="tx1"/>
+              </a:solidFill>
+            </a:endParaRPr>
+          </a:p>
+        </p:txBody>
+      </p:sp>
+      <p:sp>
+        <p:nvSpPr>
+          <p:cNvPr id="41" name="오른쪽 화살표 40"/>
+          <p:cNvSpPr/>
+          <p:nvPr/>
+        </p:nvSpPr>
+        <p:spPr>
+          <a:xfrm>
+            <a:off x="2568674" y="5430640"/>
+            <a:ext cx="1078302" cy="420960"/>
+          </a:xfrm>
+          <a:prstGeom prst="rightArrow">
+            <a:avLst/>
+          </a:prstGeom>
+        </p:spPr>
+        <p:style>
+          <a:lnRef idx="2">
+            <a:schemeClr val="accent1">
+              <a:shade val="50000"/>
+            </a:schemeClr>
+          </a:lnRef>
+          <a:fillRef idx="1">
+            <a:schemeClr val="accent1"/>
+          </a:fillRef>
+          <a:effectRef idx="0">
+            <a:schemeClr val="accent1"/>
+          </a:effectRef>
+          <a:fontRef idx="minor">
+            <a:schemeClr val="lt1"/>
+          </a:fontRef>
+        </p:style>
+        <p:txBody>
+          <a:bodyPr rtlCol="0" anchor="ctr"/>
+          <a:lstStyle/>
+          <a:p>
+            <a:pPr algn="ctr"/>
+            <a:r>
+              <a:rPr lang="en-US" altLang="ko-KR" sz="1200" dirty="0"/>
+              <a:t> </a:t>
+            </a:r>
+            <a:r>
+              <a:rPr lang="en-US" altLang="ko-KR" sz="1200" dirty="0" smtClean="0"/>
+              <a:t>request</a:t>
+            </a:r>
+            <a:endParaRPr lang="ko-KR" altLang="en-US" sz="1200" dirty="0"/>
+          </a:p>
+        </p:txBody>
+      </p:sp>
+      <p:sp>
+        <p:nvSpPr>
+          <p:cNvPr id="42" name="TextBox 41"/>
+          <p:cNvSpPr txBox="1"/>
+          <p:nvPr/>
+        </p:nvSpPr>
+        <p:spPr>
+          <a:xfrm>
+            <a:off x="6337800" y="5048870"/>
+            <a:ext cx="1090363" cy="276999"/>
+          </a:xfrm>
+          <a:prstGeom prst="rect">
+            <a:avLst/>
+          </a:prstGeom>
+          <a:noFill/>
+          <a:ln>
+            <a:solidFill>
+              <a:srgbClr val="FF0000"/>
+            </a:solidFill>
+          </a:ln>
+        </p:spPr>
+        <p:txBody>
+          <a:bodyPr wrap="none" rtlCol="0">
+            <a:spAutoFit/>
+          </a:bodyPr>
+          <a:lstStyle/>
+          <a:p>
+            <a:r>
+              <a:rPr lang="en-US" altLang="ko-KR" sz="1200" b="1" dirty="0" smtClean="0">
+                <a:solidFill>
+                  <a:srgbClr val="FF0000"/>
+                </a:solidFill>
+              </a:rPr>
+              <a:t>D</a:t>
+            </a:r>
+            <a:r>
+              <a:rPr lang="en-US" altLang="ko-KR" sz="1200" dirty="0" smtClean="0">
+                <a:solidFill>
+                  <a:srgbClr val="FF0000"/>
+                </a:solidFill>
+              </a:rPr>
+              <a:t>ependency</a:t>
+            </a:r>
+          </a:p>
+        </p:txBody>
+      </p:sp>
+      <p:cxnSp>
+        <p:nvCxnSpPr>
+          <p:cNvPr id="43" name="직선 연결선 42"/>
+          <p:cNvCxnSpPr/>
+          <p:nvPr/>
+        </p:nvCxnSpPr>
+        <p:spPr>
+          <a:xfrm>
+            <a:off x="4186025" y="5187370"/>
+            <a:ext cx="1206447" cy="0"/>
+          </a:xfrm>
+          <a:prstGeom prst="line">
+            <a:avLst/>
+          </a:prstGeom>
+          <a:ln>
+            <a:solidFill>
+              <a:schemeClr val="tx1"/>
+            </a:solidFill>
+          </a:ln>
+        </p:spPr>
+        <p:style>
+          <a:lnRef idx="1">
+            <a:schemeClr val="accent1"/>
+          </a:lnRef>
+          <a:fillRef idx="0">
+            <a:schemeClr val="accent1"/>
+          </a:fillRef>
+          <a:effectRef idx="0">
+            <a:schemeClr val="accent1"/>
+          </a:effectRef>
+          <a:fontRef idx="minor">
+            <a:schemeClr val="tx1"/>
+          </a:fontRef>
+        </p:style>
+      </p:cxnSp>
+      <p:sp>
+        <p:nvSpPr>
+          <p:cNvPr id="44" name="TextBox 43"/>
+          <p:cNvSpPr txBox="1"/>
+          <p:nvPr/>
+        </p:nvSpPr>
+        <p:spPr>
+          <a:xfrm>
+            <a:off x="8353248" y="4786190"/>
+            <a:ext cx="925638" cy="369332"/>
+          </a:xfrm>
+          <a:prstGeom prst="rect">
+            <a:avLst/>
+          </a:prstGeom>
+          <a:noFill/>
+        </p:spPr>
+        <p:txBody>
+          <a:bodyPr wrap="none" rtlCol="0">
+            <a:spAutoFit/>
+          </a:bodyPr>
+          <a:lstStyle/>
+          <a:p>
+            <a:r>
+              <a:rPr lang="en-US" altLang="ko-KR" dirty="0" smtClean="0"/>
+              <a:t>Service</a:t>
+            </a:r>
+            <a:endParaRPr lang="ko-KR" altLang="en-US" dirty="0"/>
+          </a:p>
+        </p:txBody>
+      </p:sp>
+      <p:cxnSp>
+        <p:nvCxnSpPr>
+          <p:cNvPr id="45" name="직선 연결선 44"/>
+          <p:cNvCxnSpPr/>
+          <p:nvPr/>
+        </p:nvCxnSpPr>
+        <p:spPr>
+          <a:xfrm>
+            <a:off x="8353248" y="5172775"/>
+            <a:ext cx="1206447" cy="0"/>
+          </a:xfrm>
+          <a:prstGeom prst="line">
+            <a:avLst/>
+          </a:prstGeom>
+          <a:ln>
+            <a:solidFill>
+              <a:schemeClr val="tx1"/>
+            </a:solidFill>
+          </a:ln>
+        </p:spPr>
+        <p:style>
+          <a:lnRef idx="1">
+            <a:schemeClr val="accent1"/>
+          </a:lnRef>
+          <a:fillRef idx="0">
+            <a:schemeClr val="accent1"/>
+          </a:fillRef>
+          <a:effectRef idx="0">
+            <a:schemeClr val="accent1"/>
+          </a:effectRef>
+          <a:fontRef idx="minor">
+            <a:schemeClr val="tx1"/>
+          </a:fontRef>
+        </p:style>
+      </p:cxnSp>
+      <p:sp>
+        <p:nvSpPr>
+          <p:cNvPr id="46" name="TextBox 45"/>
+          <p:cNvSpPr txBox="1"/>
+          <p:nvPr/>
+        </p:nvSpPr>
+        <p:spPr>
+          <a:xfrm>
+            <a:off x="3996244" y="5296737"/>
+            <a:ext cx="1610377" cy="1020216"/>
+          </a:xfrm>
+          <a:prstGeom prst="rect">
+            <a:avLst/>
+          </a:prstGeom>
+          <a:noFill/>
+        </p:spPr>
+        <p:txBody>
+          <a:bodyPr wrap="none" rtlCol="0">
+            <a:spAutoFit/>
+          </a:bodyPr>
+          <a:lstStyle/>
+          <a:p>
+            <a:pPr>
+              <a:lnSpc>
+                <a:spcPct val="150000"/>
+              </a:lnSpc>
+            </a:pPr>
+            <a:r>
+              <a:rPr lang="en-US" altLang="ko-KR" sz="1400" dirty="0" smtClean="0"/>
+              <a:t>DeletePeople.java</a:t>
+            </a:r>
+          </a:p>
+          <a:p>
+            <a:pPr>
+              <a:lnSpc>
+                <a:spcPct val="150000"/>
+              </a:lnSpc>
+            </a:pPr>
+            <a:r>
+              <a:rPr lang="en-US" altLang="ko-KR" sz="1400" dirty="0" smtClean="0"/>
+              <a:t>PeopleList.java</a:t>
+            </a:r>
+          </a:p>
+          <a:p>
+            <a:pPr>
+              <a:lnSpc>
+                <a:spcPct val="150000"/>
+              </a:lnSpc>
+            </a:pPr>
+            <a:r>
+              <a:rPr lang="en-US" altLang="ko-KR" sz="1400" dirty="0" smtClean="0"/>
+              <a:t>RegistPeople.java</a:t>
+            </a:r>
+            <a:endParaRPr lang="ko-KR" altLang="en-US" sz="1400" dirty="0"/>
+          </a:p>
+        </p:txBody>
+      </p:sp>
+      <p:sp>
+        <p:nvSpPr>
+          <p:cNvPr id="47" name="TextBox 46"/>
+          <p:cNvSpPr txBox="1"/>
+          <p:nvPr/>
+        </p:nvSpPr>
+        <p:spPr>
+          <a:xfrm>
+            <a:off x="8151282" y="5282142"/>
+            <a:ext cx="1667764" cy="1061829"/>
+          </a:xfrm>
+          <a:prstGeom prst="rect">
+            <a:avLst/>
+          </a:prstGeom>
+          <a:noFill/>
+        </p:spPr>
+        <p:txBody>
+          <a:bodyPr wrap="none" rtlCol="0">
+            <a:spAutoFit/>
+          </a:bodyPr>
+          <a:lstStyle/>
+          <a:p>
+            <a:pPr>
+              <a:lnSpc>
+                <a:spcPct val="150000"/>
+              </a:lnSpc>
+            </a:pPr>
+            <a:r>
+              <a:rPr lang="en-US" altLang="ko-KR" sz="1400" dirty="0"/>
+              <a:t>DeleteService</a:t>
+            </a:r>
+            <a:r>
+              <a:rPr lang="en-US" altLang="ko-KR" sz="1400" dirty="0" smtClean="0"/>
+              <a:t>.java</a:t>
+            </a:r>
+          </a:p>
+          <a:p>
+            <a:pPr>
+              <a:lnSpc>
+                <a:spcPct val="150000"/>
+              </a:lnSpc>
+            </a:pPr>
+            <a:r>
+              <a:rPr lang="en-US" altLang="ko-KR" sz="1400" dirty="0"/>
+              <a:t>PeopleService</a:t>
+            </a:r>
+            <a:r>
+              <a:rPr lang="en-US" altLang="ko-KR" sz="1400" dirty="0" smtClean="0"/>
+              <a:t>.java</a:t>
+            </a:r>
+          </a:p>
+          <a:p>
+            <a:pPr>
+              <a:lnSpc>
+                <a:spcPct val="150000"/>
+              </a:lnSpc>
+            </a:pPr>
+            <a:r>
+              <a:rPr lang="en-US" altLang="ko-KR" sz="1400" dirty="0"/>
+              <a:t>RegistService</a:t>
+            </a:r>
+            <a:r>
+              <a:rPr lang="en-US" altLang="ko-KR" sz="1400" dirty="0" smtClean="0"/>
+              <a:t>.java</a:t>
+            </a:r>
+            <a:endParaRPr lang="ko-KR" altLang="en-US" sz="1400" dirty="0"/>
+          </a:p>
+        </p:txBody>
+      </p:sp>
+      <p:sp>
+        <p:nvSpPr>
+          <p:cNvPr id="48" name="오른쪽 화살표 47"/>
+          <p:cNvSpPr/>
+          <p:nvPr/>
+        </p:nvSpPr>
+        <p:spPr>
+          <a:xfrm>
+            <a:off x="6246678" y="5434759"/>
+            <a:ext cx="1276709" cy="125150"/>
+          </a:xfrm>
+          <a:prstGeom prst="rightArrow">
+            <a:avLst/>
+          </a:prstGeom>
+          <a:solidFill>
+            <a:srgbClr val="FF0000"/>
+          </a:solidFill>
+          <a:ln>
+            <a:noFill/>
+          </a:ln>
+        </p:spPr>
+        <p:style>
+          <a:lnRef idx="2">
+            <a:schemeClr val="accent1">
+              <a:shade val="50000"/>
+            </a:schemeClr>
+          </a:lnRef>
+          <a:fillRef idx="1">
+            <a:schemeClr val="accent1"/>
+          </a:fillRef>
+          <a:effectRef idx="0">
+            <a:schemeClr val="accent1"/>
+          </a:effectRef>
+          <a:fontRef idx="minor">
+            <a:schemeClr val="lt1"/>
+          </a:fontRef>
+        </p:style>
+        <p:txBody>
+          <a:bodyPr rtlCol="0" anchor="ctr"/>
+          <a:lstStyle/>
+          <a:p>
+            <a:pPr algn="ctr"/>
+            <a:endParaRPr lang="ko-KR" altLang="en-US"/>
+          </a:p>
+        </p:txBody>
+      </p:sp>
+      <p:sp>
+        <p:nvSpPr>
+          <p:cNvPr id="49" name="오른쪽 화살표 48"/>
+          <p:cNvSpPr/>
+          <p:nvPr/>
+        </p:nvSpPr>
+        <p:spPr>
+          <a:xfrm>
+            <a:off x="6246677" y="5747823"/>
+            <a:ext cx="1276709" cy="125150"/>
+          </a:xfrm>
+          <a:prstGeom prst="rightArrow">
+            <a:avLst/>
+          </a:prstGeom>
+          <a:solidFill>
+            <a:srgbClr val="FF0000"/>
+          </a:solidFill>
+          <a:ln>
+            <a:noFill/>
+          </a:ln>
+        </p:spPr>
+        <p:style>
+          <a:lnRef idx="2">
+            <a:schemeClr val="accent1">
+              <a:shade val="50000"/>
+            </a:schemeClr>
+          </a:lnRef>
+          <a:fillRef idx="1">
+            <a:schemeClr val="accent1"/>
+          </a:fillRef>
+          <a:effectRef idx="0">
+            <a:schemeClr val="accent1"/>
+          </a:effectRef>
+          <a:fontRef idx="minor">
+            <a:schemeClr val="lt1"/>
+          </a:fontRef>
+        </p:style>
+        <p:txBody>
+          <a:bodyPr rtlCol="0" anchor="ctr"/>
+          <a:lstStyle/>
+          <a:p>
+            <a:pPr algn="ctr"/>
+            <a:endParaRPr lang="ko-KR" altLang="en-US"/>
+          </a:p>
+        </p:txBody>
+      </p:sp>
+      <p:sp>
+        <p:nvSpPr>
+          <p:cNvPr id="50" name="오른쪽 화살표 49"/>
+          <p:cNvSpPr/>
+          <p:nvPr/>
+        </p:nvSpPr>
+        <p:spPr>
+          <a:xfrm>
+            <a:off x="6246677" y="6116678"/>
+            <a:ext cx="1276709" cy="125150"/>
+          </a:xfrm>
+          <a:prstGeom prst="rightArrow">
+            <a:avLst/>
+          </a:prstGeom>
+          <a:solidFill>
+            <a:srgbClr val="FF0000"/>
+          </a:solidFill>
+          <a:ln>
+            <a:noFill/>
+          </a:ln>
+        </p:spPr>
+        <p:style>
+          <a:lnRef idx="2">
+            <a:schemeClr val="accent1">
+              <a:shade val="50000"/>
+            </a:schemeClr>
+          </a:lnRef>
+          <a:fillRef idx="1">
+            <a:schemeClr val="accent1"/>
+          </a:fillRef>
+          <a:effectRef idx="0">
+            <a:schemeClr val="accent1"/>
+          </a:effectRef>
+          <a:fontRef idx="minor">
+            <a:schemeClr val="lt1"/>
+          </a:fontRef>
+        </p:style>
+        <p:txBody>
+          <a:bodyPr rtlCol="0" anchor="ctr"/>
+          <a:lstStyle/>
+          <a:p>
+            <a:pPr algn="ctr"/>
+            <a:endParaRPr lang="ko-KR" altLang="en-US"/>
+          </a:p>
+        </p:txBody>
+      </p:sp>
+      <p:sp>
+        <p:nvSpPr>
+          <p:cNvPr id="51" name="TextBox 50"/>
+          <p:cNvSpPr txBox="1"/>
+          <p:nvPr/>
+        </p:nvSpPr>
+        <p:spPr>
+          <a:xfrm>
+            <a:off x="4193765" y="4803443"/>
+            <a:ext cx="1215333" cy="369332"/>
+          </a:xfrm>
+          <a:prstGeom prst="rect">
+            <a:avLst/>
+          </a:prstGeom>
+          <a:noFill/>
+        </p:spPr>
+        <p:txBody>
+          <a:bodyPr wrap="none" rtlCol="0">
+            <a:spAutoFit/>
+          </a:bodyPr>
+          <a:lstStyle/>
+          <a:p>
+            <a:r>
+              <a:rPr lang="en-US" altLang="ko-KR" dirty="0" smtClean="0"/>
+              <a:t>Controller</a:t>
+            </a:r>
+            <a:endParaRPr lang="ko-KR" altLang="en-US" dirty="0"/>
+          </a:p>
+        </p:txBody>
+      </p:sp>
+      <p:pic>
+        <p:nvPicPr>
+          <p:cNvPr id="52" name="그림 51"/>
+          <p:cNvPicPr>
+            <a:picLocks noChangeAspect="1"/>
+          </p:cNvPicPr>
+          <p:nvPr/>
+        </p:nvPicPr>
+        <p:blipFill>
+          <a:blip r:embed="rId3"/>
+          <a:stretch>
+            <a:fillRect/>
+          </a:stretch>
+        </p:blipFill>
+        <p:spPr>
+          <a:xfrm>
+            <a:off x="4789248" y="1093850"/>
+            <a:ext cx="3819288" cy="2298591"/>
+          </a:xfrm>
+          <a:prstGeom prst="rect">
+            <a:avLst/>
+          </a:prstGeom>
+        </p:spPr>
+      </p:pic>
+      <p:sp>
+        <p:nvSpPr>
+          <p:cNvPr id="3" name="TextBox 2"/>
+          <p:cNvSpPr txBox="1"/>
+          <p:nvPr/>
+        </p:nvSpPr>
+        <p:spPr>
+          <a:xfrm>
+            <a:off x="2862163" y="1651721"/>
+            <a:ext cx="1984839" cy="923330"/>
+          </a:xfrm>
+          <a:prstGeom prst="rect">
+            <a:avLst/>
+          </a:prstGeom>
+          <a:noFill/>
+        </p:spPr>
+        <p:txBody>
+          <a:bodyPr wrap="none" rtlCol="0">
+            <a:spAutoFit/>
+          </a:bodyPr>
+          <a:lstStyle/>
+          <a:p>
+            <a:pPr marL="285750" indent="-285750">
+              <a:lnSpc>
+                <a:spcPct val="150000"/>
+              </a:lnSpc>
+              <a:buFont typeface="Arial" panose="020B0604020202020204" pitchFamily="34" charset="0"/>
+              <a:buChar char="•"/>
+            </a:pPr>
+            <a:r>
+              <a:rPr lang="en-US" altLang="ko-KR" b="1" dirty="0" smtClean="0"/>
+              <a:t>IoC Container</a:t>
+            </a:r>
+            <a:endParaRPr lang="en-US" altLang="ko-KR" b="1" dirty="0"/>
+          </a:p>
+          <a:p>
+            <a:pPr marL="285750" indent="-285750">
+              <a:lnSpc>
+                <a:spcPct val="150000"/>
+              </a:lnSpc>
+              <a:buFont typeface="Arial" panose="020B0604020202020204" pitchFamily="34" charset="0"/>
+              <a:buChar char="•"/>
+            </a:pPr>
+            <a:r>
+              <a:rPr lang="en-US" altLang="ko-KR" b="1" dirty="0" smtClean="0"/>
+              <a:t>Bean Factory</a:t>
+            </a:r>
+          </a:p>
+        </p:txBody>
+      </p:sp>
+      <p:sp>
+        <p:nvSpPr>
+          <p:cNvPr id="38" name="TextBox 37"/>
+          <p:cNvSpPr txBox="1"/>
+          <p:nvPr/>
+        </p:nvSpPr>
+        <p:spPr>
+          <a:xfrm rot="18210784">
+            <a:off x="4565847" y="4005246"/>
+            <a:ext cx="1095300" cy="276999"/>
+          </a:xfrm>
+          <a:prstGeom prst="rect">
+            <a:avLst/>
+          </a:prstGeom>
+          <a:noFill/>
+        </p:spPr>
+        <p:txBody>
+          <a:bodyPr wrap="none" rtlCol="0">
+            <a:spAutoFit/>
+          </a:bodyPr>
+          <a:lstStyle/>
+          <a:p>
+            <a:r>
+              <a:rPr lang="en-US" altLang="ko-KR" sz="1200" u="sng" dirty="0" smtClean="0">
+                <a:solidFill>
+                  <a:srgbClr val="0000FF"/>
+                </a:solidFill>
+              </a:rPr>
+              <a:t>@</a:t>
+            </a:r>
+            <a:r>
+              <a:rPr lang="en-US" altLang="ko-KR" sz="1200" b="1" u="sng" dirty="0">
+                <a:solidFill>
+                  <a:srgbClr val="0000FF"/>
+                </a:solidFill>
+              </a:rPr>
+              <a:t>Autowired</a:t>
+            </a:r>
+            <a:endParaRPr lang="ko-KR" altLang="en-US" sz="1200" u="sng" dirty="0">
+              <a:solidFill>
+                <a:srgbClr val="0000FF"/>
+              </a:solidFill>
+            </a:endParaRPr>
+          </a:p>
+        </p:txBody>
+      </p:sp>
+      <p:sp>
+        <p:nvSpPr>
+          <p:cNvPr id="7" name="위쪽 화살표 6"/>
+          <p:cNvSpPr/>
+          <p:nvPr/>
+        </p:nvSpPr>
+        <p:spPr>
+          <a:xfrm rot="19571080">
+            <a:off x="8110932" y="3337174"/>
+            <a:ext cx="484632" cy="1316116"/>
+          </a:xfrm>
+          <a:prstGeom prst="upArrow">
+            <a:avLst/>
+          </a:prstGeom>
+          <a:solidFill>
+            <a:schemeClr val="bg1"/>
+          </a:solidFill>
+          <a:ln>
+            <a:solidFill>
+              <a:schemeClr val="tx1"/>
+            </a:solidFill>
+          </a:ln>
+        </p:spPr>
+        <p:style>
+          <a:lnRef idx="2">
+            <a:schemeClr val="accent1">
+              <a:shade val="50000"/>
+            </a:schemeClr>
+          </a:lnRef>
+          <a:fillRef idx="1">
+            <a:schemeClr val="accent1"/>
+          </a:fillRef>
+          <a:effectRef idx="0">
+            <a:schemeClr val="accent1"/>
+          </a:effectRef>
+          <a:fontRef idx="minor">
+            <a:schemeClr val="lt1"/>
+          </a:fontRef>
+        </p:style>
+        <p:txBody>
+          <a:bodyPr rtlCol="0" anchor="ctr"/>
+          <a:lstStyle/>
+          <a:p>
+            <a:pPr algn="ctr"/>
+            <a:endParaRPr lang="ko-KR" altLang="en-US" dirty="0">
+              <a:solidFill>
+                <a:schemeClr val="tx1"/>
+              </a:solidFill>
+            </a:endParaRPr>
+          </a:p>
+        </p:txBody>
+      </p:sp>
+      <p:sp>
+        <p:nvSpPr>
+          <p:cNvPr id="8" name="TextBox 7"/>
+          <p:cNvSpPr txBox="1"/>
+          <p:nvPr/>
+        </p:nvSpPr>
+        <p:spPr>
+          <a:xfrm>
+            <a:off x="6436229" y="1414011"/>
+            <a:ext cx="1043876" cy="261610"/>
+          </a:xfrm>
+          <a:prstGeom prst="rect">
+            <a:avLst/>
+          </a:prstGeom>
+          <a:solidFill>
+            <a:schemeClr val="bg1"/>
+          </a:solidFill>
+        </p:spPr>
+        <p:txBody>
+          <a:bodyPr wrap="none" rtlCol="0">
+            <a:spAutoFit/>
+          </a:bodyPr>
+          <a:lstStyle/>
+          <a:p>
+            <a:r>
+              <a:rPr lang="en-US" altLang="ko-KR" sz="1100" dirty="0"/>
+              <a:t>DeleteService</a:t>
+            </a:r>
+            <a:endParaRPr lang="ko-KR" altLang="en-US" sz="1100" dirty="0"/>
+          </a:p>
+        </p:txBody>
+      </p:sp>
+      <p:sp>
+        <p:nvSpPr>
+          <p:cNvPr id="39" name="TextBox 38"/>
+          <p:cNvSpPr txBox="1"/>
+          <p:nvPr/>
+        </p:nvSpPr>
+        <p:spPr>
+          <a:xfrm>
+            <a:off x="6436229" y="1894293"/>
+            <a:ext cx="1069524" cy="261610"/>
+          </a:xfrm>
+          <a:prstGeom prst="rect">
+            <a:avLst/>
+          </a:prstGeom>
+          <a:solidFill>
+            <a:schemeClr val="bg1"/>
+          </a:solidFill>
+        </p:spPr>
+        <p:txBody>
+          <a:bodyPr wrap="none" rtlCol="0">
+            <a:spAutoFit/>
+          </a:bodyPr>
+          <a:lstStyle/>
+          <a:p>
+            <a:r>
+              <a:rPr lang="en-US" altLang="ko-KR" sz="1100" dirty="0"/>
+              <a:t>PeopleService</a:t>
+            </a:r>
+            <a:endParaRPr lang="ko-KR" altLang="en-US" sz="1100" b="1" dirty="0"/>
+          </a:p>
+        </p:txBody>
+      </p:sp>
+      <p:sp>
+        <p:nvSpPr>
+          <p:cNvPr id="53" name="TextBox 52"/>
+          <p:cNvSpPr txBox="1"/>
+          <p:nvPr/>
+        </p:nvSpPr>
+        <p:spPr>
+          <a:xfrm>
+            <a:off x="6436229" y="2374992"/>
+            <a:ext cx="1024639" cy="261610"/>
+          </a:xfrm>
+          <a:prstGeom prst="rect">
+            <a:avLst/>
+          </a:prstGeom>
+          <a:solidFill>
+            <a:schemeClr val="bg1"/>
+          </a:solidFill>
+        </p:spPr>
+        <p:txBody>
+          <a:bodyPr wrap="none" rtlCol="0">
+            <a:spAutoFit/>
+          </a:bodyPr>
+          <a:lstStyle/>
+          <a:p>
+            <a:r>
+              <a:rPr lang="en-US" altLang="ko-KR" sz="1100" dirty="0"/>
+              <a:t>RegistService</a:t>
+            </a:r>
+            <a:endParaRPr lang="ko-KR" altLang="en-US" sz="1100" b="1" dirty="0"/>
+          </a:p>
+        </p:txBody>
+      </p:sp>
+      <p:pic>
+        <p:nvPicPr>
+          <p:cNvPr id="54" name="그림 53"/>
+          <p:cNvPicPr>
+            <a:picLocks noChangeAspect="1"/>
+          </p:cNvPicPr>
+          <p:nvPr/>
+        </p:nvPicPr>
+        <p:blipFill>
+          <a:blip r:embed="rId4"/>
+          <a:stretch>
+            <a:fillRect/>
+          </a:stretch>
+        </p:blipFill>
+        <p:spPr>
+          <a:xfrm>
+            <a:off x="4904756" y="1362545"/>
+            <a:ext cx="1253178" cy="1546959"/>
+          </a:xfrm>
+          <a:prstGeom prst="rect">
+            <a:avLst/>
+          </a:prstGeom>
+        </p:spPr>
+      </p:pic>
+      <p:sp>
+        <p:nvSpPr>
+          <p:cNvPr id="10" name="TextBox 9"/>
+          <p:cNvSpPr txBox="1"/>
+          <p:nvPr/>
+        </p:nvSpPr>
+        <p:spPr>
+          <a:xfrm>
+            <a:off x="8816067" y="3131343"/>
+            <a:ext cx="1293283" cy="1477328"/>
+          </a:xfrm>
+          <a:prstGeom prst="rect">
+            <a:avLst/>
+          </a:prstGeom>
+          <a:noFill/>
+        </p:spPr>
+        <p:txBody>
+          <a:bodyPr wrap="square" rtlCol="0">
+            <a:spAutoFit/>
+          </a:bodyPr>
+          <a:lstStyle/>
+          <a:p>
+            <a:pPr>
+              <a:lnSpc>
+                <a:spcPct val="150000"/>
+              </a:lnSpc>
+            </a:pPr>
+            <a:r>
+              <a:rPr lang="en-US" altLang="ko-KR" sz="1200" dirty="0" smtClean="0">
+                <a:hlinkClick r:id="rId5" tooltip="annotation in org.springframework.stereotype"/>
+              </a:rPr>
+              <a:t>@Component</a:t>
+            </a:r>
+            <a:endParaRPr lang="en-US" altLang="ko-KR" sz="1200" dirty="0"/>
+          </a:p>
+          <a:p>
+            <a:pPr>
+              <a:lnSpc>
+                <a:spcPct val="150000"/>
+              </a:lnSpc>
+            </a:pPr>
+            <a:r>
+              <a:rPr lang="en-US" altLang="ko-KR" sz="1200" dirty="0" smtClean="0">
+                <a:hlinkClick r:id="rId5" tooltip="annotation in org.springframework.stereotype"/>
+              </a:rPr>
+              <a:t>@</a:t>
+            </a:r>
+            <a:r>
+              <a:rPr lang="en-US" altLang="ko-KR" sz="1200" dirty="0" smtClean="0">
+                <a:hlinkClick r:id="rId6" tooltip="annotation in org.springframework.stereotype"/>
+              </a:rPr>
+              <a:t>Controller</a:t>
+            </a:r>
+            <a:endParaRPr lang="en-US" altLang="ko-KR" sz="1200" dirty="0"/>
+          </a:p>
+          <a:p>
+            <a:pPr>
+              <a:lnSpc>
+                <a:spcPct val="150000"/>
+              </a:lnSpc>
+            </a:pPr>
+            <a:r>
+              <a:rPr lang="en-US" altLang="ko-KR" sz="1200" dirty="0" smtClean="0">
+                <a:hlinkClick r:id="rId5" tooltip="annotation in org.springframework.stereotype"/>
+              </a:rPr>
+              <a:t>@</a:t>
+            </a:r>
+            <a:r>
+              <a:rPr lang="en-US" altLang="ko-KR" sz="1200" dirty="0" smtClean="0">
+                <a:hlinkClick r:id="rId7" tooltip="annotation in org.springframework.stereotype"/>
+              </a:rPr>
+              <a:t>Indexed</a:t>
+            </a:r>
+            <a:endParaRPr lang="en-US" altLang="ko-KR" sz="1200" dirty="0"/>
+          </a:p>
+          <a:p>
+            <a:pPr>
+              <a:lnSpc>
+                <a:spcPct val="150000"/>
+              </a:lnSpc>
+            </a:pPr>
+            <a:r>
+              <a:rPr lang="en-US" altLang="ko-KR" sz="1200" dirty="0" smtClean="0">
+                <a:hlinkClick r:id="rId5" tooltip="annotation in org.springframework.stereotype"/>
+              </a:rPr>
+              <a:t>@</a:t>
+            </a:r>
+            <a:r>
+              <a:rPr lang="en-US" altLang="ko-KR" sz="1200" dirty="0" smtClean="0">
+                <a:hlinkClick r:id="rId8" tooltip="annotation in org.springframework.stereotype"/>
+              </a:rPr>
+              <a:t>Repository</a:t>
+            </a:r>
+            <a:endParaRPr lang="en-US" altLang="ko-KR" sz="1200" dirty="0"/>
+          </a:p>
+          <a:p>
+            <a:pPr>
+              <a:lnSpc>
+                <a:spcPct val="150000"/>
+              </a:lnSpc>
+            </a:pPr>
+            <a:r>
+              <a:rPr lang="en-US" altLang="ko-KR" sz="1200" dirty="0" smtClean="0">
+                <a:hlinkClick r:id="rId5" tooltip="annotation in org.springframework.stereotype"/>
+              </a:rPr>
+              <a:t>@</a:t>
+            </a:r>
+            <a:r>
+              <a:rPr lang="en-US" altLang="ko-KR" sz="1200" dirty="0" smtClean="0">
+                <a:hlinkClick r:id="rId9" tooltip="annotation in org.springframework.stereotype"/>
+              </a:rPr>
+              <a:t>Service</a:t>
+            </a:r>
+            <a:endParaRPr lang="ko-KR" altLang="en-US" sz="1200" dirty="0"/>
+          </a:p>
+        </p:txBody>
+      </p:sp>
+      <p:sp>
+        <p:nvSpPr>
+          <p:cNvPr id="14" name="TextBox 13"/>
+          <p:cNvSpPr txBox="1"/>
+          <p:nvPr/>
+        </p:nvSpPr>
+        <p:spPr>
+          <a:xfrm rot="3280106">
+            <a:off x="8040962" y="3988712"/>
+            <a:ext cx="748923" cy="261610"/>
+          </a:xfrm>
+          <a:prstGeom prst="rect">
+            <a:avLst/>
+          </a:prstGeom>
+          <a:noFill/>
+        </p:spPr>
+        <p:txBody>
+          <a:bodyPr wrap="none" rtlCol="0">
+            <a:spAutoFit/>
+          </a:bodyPr>
+          <a:lstStyle/>
+          <a:p>
+            <a:r>
+              <a:rPr lang="ko-KR" altLang="en-US" sz="1100" dirty="0" smtClean="0">
+                <a:solidFill>
+                  <a:srgbClr val="FF0000"/>
+                </a:solidFill>
+              </a:rPr>
+              <a:t>생산방법</a:t>
+            </a:r>
+            <a:endParaRPr lang="ko-KR" altLang="en-US" sz="1100" dirty="0">
+              <a:solidFill>
+                <a:srgbClr val="FF0000"/>
+              </a:solidFill>
+            </a:endParaRPr>
+          </a:p>
+        </p:txBody>
+      </p:sp>
+      <p:sp>
+        <p:nvSpPr>
+          <p:cNvPr id="55" name="TextBox 54"/>
+          <p:cNvSpPr txBox="1"/>
+          <p:nvPr/>
+        </p:nvSpPr>
+        <p:spPr>
+          <a:xfrm>
+            <a:off x="4122169" y="3857785"/>
+            <a:ext cx="782587" cy="276999"/>
+          </a:xfrm>
+          <a:prstGeom prst="rect">
+            <a:avLst/>
+          </a:prstGeom>
+          <a:noFill/>
+          <a:ln>
+            <a:solidFill>
+              <a:srgbClr val="FF0000"/>
+            </a:solidFill>
+          </a:ln>
+        </p:spPr>
+        <p:txBody>
+          <a:bodyPr wrap="none" rtlCol="0">
+            <a:spAutoFit/>
+          </a:bodyPr>
+          <a:lstStyle/>
+          <a:p>
+            <a:r>
+              <a:rPr lang="en-US" altLang="ko-KR" sz="1200" b="1" dirty="0" smtClean="0">
+                <a:solidFill>
+                  <a:srgbClr val="FF0000"/>
+                </a:solidFill>
+              </a:rPr>
+              <a:t>I</a:t>
+            </a:r>
+            <a:r>
+              <a:rPr lang="en-US" altLang="ko-KR" sz="1200" dirty="0" smtClean="0">
+                <a:solidFill>
+                  <a:srgbClr val="FF0000"/>
+                </a:solidFill>
+              </a:rPr>
+              <a:t>njection</a:t>
+            </a:r>
+          </a:p>
+        </p:txBody>
+      </p:sp>
+      <p:sp>
+        <p:nvSpPr>
+          <p:cNvPr id="16" name="TextBox 15"/>
+          <p:cNvSpPr txBox="1"/>
+          <p:nvPr/>
+        </p:nvSpPr>
+        <p:spPr>
+          <a:xfrm>
+            <a:off x="9278886" y="652528"/>
+            <a:ext cx="1701107" cy="461665"/>
+          </a:xfrm>
+          <a:prstGeom prst="rect">
+            <a:avLst/>
+          </a:prstGeom>
+          <a:noFill/>
+        </p:spPr>
+        <p:txBody>
+          <a:bodyPr wrap="none" rtlCol="0">
+            <a:spAutoFit/>
+          </a:bodyPr>
+          <a:lstStyle/>
+          <a:p>
+            <a:r>
+              <a:rPr lang="en-US" altLang="ko-KR" sz="2400" b="1" dirty="0" smtClean="0"/>
+              <a:t>IoC </a:t>
+            </a:r>
+            <a:r>
+              <a:rPr lang="ko-KR" altLang="en-US" sz="2400" b="1" dirty="0" smtClean="0"/>
+              <a:t>세계관</a:t>
+            </a:r>
+            <a:endParaRPr lang="ko-KR" altLang="en-US" sz="2400" b="1" dirty="0"/>
+          </a:p>
+        </p:txBody>
+      </p:sp>
+    </p:spTree>
+    <p:extLst>
+      <p:ext uri="{BB962C8B-B14F-4D97-AF65-F5344CB8AC3E}">
+        <p14:creationId xmlns:p14="http://schemas.microsoft.com/office/powerpoint/2010/main" val="941418809"/>
+      </p:ext>
+    </p:extLst>
+  </p:cSld>
+  <p:clrMapOvr>
+    <a:masterClrMapping/>
+  </p:clrMapOvr>
+</p:sld>
+</file>
+
+<file path=ppt/slides/slide13.xml><?xml version="1.0" encoding="utf-8"?>
+<p:sld xmlns:a="http://schemas.openxmlformats.org/drawingml/2006/main" xmlns:r="http://schemas.openxmlformats.org/officeDocument/2006/relationships" xmlns:p="http://schemas.openxmlformats.org/presentationml/2006/main">
+  <p:cSld>
+    <p:spTree>
+      <p:nvGrpSpPr>
+        <p:cNvPr id="1" name=""/>
+        <p:cNvGrpSpPr/>
+        <p:nvPr/>
+      </p:nvGrpSpPr>
+      <p:grpSpPr>
+        <a:xfrm>
+          <a:off x="0" y="0"/>
+          <a:ext cx="0" cy="0"/>
+          <a:chOff x="0" y="0"/>
+          <a:chExt cx="0" cy="0"/>
+        </a:xfrm>
+      </p:grpSpPr>
+      <p:cxnSp>
+        <p:nvCxnSpPr>
+          <p:cNvPr id="4" name="직선 연결선 3"/>
+          <p:cNvCxnSpPr/>
+          <p:nvPr/>
+        </p:nvCxnSpPr>
+        <p:spPr>
+          <a:xfrm>
+            <a:off x="0" y="538264"/>
+            <a:ext cx="12192000" cy="0"/>
+          </a:xfrm>
+          <a:prstGeom prst="line">
+            <a:avLst/>
+          </a:prstGeom>
+          <a:ln>
+            <a:solidFill>
+              <a:schemeClr val="tx1"/>
+            </a:solidFill>
+          </a:ln>
+        </p:spPr>
+        <p:style>
+          <a:lnRef idx="1">
+            <a:schemeClr val="accent1"/>
+          </a:lnRef>
+          <a:fillRef idx="0">
+            <a:schemeClr val="accent1"/>
+          </a:fillRef>
+          <a:effectRef idx="0">
+            <a:schemeClr val="accent1"/>
+          </a:effectRef>
+          <a:fontRef idx="minor">
+            <a:schemeClr val="tx1"/>
+          </a:fontRef>
+        </p:style>
+      </p:cxnSp>
+      <p:sp>
+        <p:nvSpPr>
+          <p:cNvPr id="5" name="TextBox 4"/>
+          <p:cNvSpPr txBox="1"/>
+          <p:nvPr/>
+        </p:nvSpPr>
+        <p:spPr>
+          <a:xfrm>
+            <a:off x="343711" y="90791"/>
+            <a:ext cx="2264787" cy="369332"/>
+          </a:xfrm>
+          <a:prstGeom prst="rect">
+            <a:avLst/>
+          </a:prstGeom>
+          <a:noFill/>
+        </p:spPr>
+        <p:txBody>
+          <a:bodyPr wrap="none" rtlCol="0">
+            <a:spAutoFit/>
+          </a:bodyPr>
+          <a:lstStyle/>
+          <a:p>
+            <a:r>
+              <a:rPr lang="en-US" altLang="ko-KR" b="1" dirty="0" smtClean="0"/>
+              <a:t>VO </a:t>
+            </a:r>
+            <a:r>
+              <a:rPr lang="ko-KR" altLang="en-US" b="1" dirty="0" smtClean="0"/>
+              <a:t>그리고 </a:t>
+            </a:r>
+            <a:r>
+              <a:rPr lang="en-US" altLang="ko-KR" b="1" dirty="0" smtClean="0"/>
+              <a:t>Lombok</a:t>
+            </a:r>
+            <a:endParaRPr lang="ko-KR" altLang="en-US" b="1" dirty="0"/>
+          </a:p>
+        </p:txBody>
+      </p:sp>
+      <p:sp>
+        <p:nvSpPr>
+          <p:cNvPr id="6" name="TextBox 5"/>
+          <p:cNvSpPr txBox="1"/>
+          <p:nvPr/>
+        </p:nvSpPr>
+        <p:spPr>
+          <a:xfrm>
+            <a:off x="11516040" y="275457"/>
+            <a:ext cx="641522" cy="261610"/>
+          </a:xfrm>
+          <a:prstGeom prst="rect">
+            <a:avLst/>
+          </a:prstGeom>
+          <a:noFill/>
+        </p:spPr>
+        <p:txBody>
+          <a:bodyPr wrap="none" rtlCol="0">
+            <a:spAutoFit/>
+          </a:bodyPr>
+          <a:lstStyle/>
+          <a:p>
+            <a:r>
+              <a:rPr lang="en-US" altLang="ko-KR" sz="1100" b="1" i="1" dirty="0" smtClean="0"/>
+              <a:t>IT </a:t>
+            </a:r>
+            <a:r>
+              <a:rPr lang="ko-KR" altLang="en-US" sz="1100" b="1" i="1" dirty="0" smtClean="0"/>
+              <a:t>늦공</a:t>
+            </a:r>
+            <a:endParaRPr lang="ko-KR" altLang="en-US" sz="1100" b="1" i="1" dirty="0"/>
+          </a:p>
+        </p:txBody>
+      </p:sp>
+      <p:grpSp>
+        <p:nvGrpSpPr>
+          <p:cNvPr id="36" name="그룹 35"/>
+          <p:cNvGrpSpPr/>
+          <p:nvPr/>
+        </p:nvGrpSpPr>
+        <p:grpSpPr>
+          <a:xfrm>
+            <a:off x="343711" y="839988"/>
+            <a:ext cx="11474477" cy="3913166"/>
+            <a:chOff x="757528" y="1400707"/>
+            <a:chExt cx="10491318" cy="3499096"/>
+          </a:xfrm>
+        </p:grpSpPr>
+        <p:sp>
+          <p:nvSpPr>
+            <p:cNvPr id="40" name="타원 39"/>
+            <p:cNvSpPr/>
+            <p:nvPr/>
+          </p:nvSpPr>
+          <p:spPr>
+            <a:xfrm>
+              <a:off x="7868570" y="1400707"/>
+              <a:ext cx="1342666" cy="1148811"/>
+            </a:xfrm>
+            <a:prstGeom prst="ellipse">
+              <a:avLst/>
+            </a:prstGeom>
+            <a:noFill/>
+          </p:spPr>
+          <p:style>
+            <a:lnRef idx="2">
+              <a:schemeClr val="accent1">
+                <a:shade val="50000"/>
+              </a:schemeClr>
+            </a:lnRef>
+            <a:fillRef idx="1">
+              <a:schemeClr val="accent1"/>
+            </a:fillRef>
+            <a:effectRef idx="0">
+              <a:schemeClr val="accent1"/>
+            </a:effectRef>
+            <a:fontRef idx="minor">
+              <a:schemeClr val="lt1"/>
+            </a:fontRef>
+          </p:style>
+          <p:txBody>
+            <a:bodyPr rtlCol="0" anchor="ctr"/>
+            <a:lstStyle/>
+            <a:p>
+              <a:pPr algn="ctr"/>
+              <a:r>
+                <a:rPr lang="en-US" altLang="ko-KR" dirty="0" smtClean="0">
+                  <a:solidFill>
+                    <a:schemeClr val="tx1"/>
+                  </a:solidFill>
+                </a:rPr>
+                <a:t>Dao</a:t>
+              </a:r>
+              <a:endParaRPr lang="ko-KR" altLang="en-US" dirty="0">
+                <a:solidFill>
+                  <a:schemeClr val="tx1"/>
+                </a:solidFill>
+              </a:endParaRPr>
+            </a:p>
+          </p:txBody>
+        </p:sp>
+        <p:sp>
+          <p:nvSpPr>
+            <p:cNvPr id="31" name="타원 30"/>
+            <p:cNvSpPr/>
+            <p:nvPr/>
+          </p:nvSpPr>
+          <p:spPr>
+            <a:xfrm>
+              <a:off x="757528" y="1400707"/>
+              <a:ext cx="1342666" cy="1148811"/>
+            </a:xfrm>
+            <a:prstGeom prst="ellipse">
+              <a:avLst/>
+            </a:prstGeom>
+            <a:noFill/>
+          </p:spPr>
+          <p:style>
+            <a:lnRef idx="2">
+              <a:schemeClr val="accent1">
+                <a:shade val="50000"/>
+              </a:schemeClr>
+            </a:lnRef>
+            <a:fillRef idx="1">
+              <a:schemeClr val="accent1"/>
+            </a:fillRef>
+            <a:effectRef idx="0">
+              <a:schemeClr val="accent1"/>
+            </a:effectRef>
+            <a:fontRef idx="minor">
+              <a:schemeClr val="lt1"/>
+            </a:fontRef>
+          </p:style>
+          <p:txBody>
+            <a:bodyPr rtlCol="0" anchor="ctr"/>
+            <a:lstStyle/>
+            <a:p>
+              <a:pPr algn="ctr"/>
+              <a:r>
+                <a:rPr lang="en-US" altLang="ko-KR" dirty="0" smtClean="0">
+                  <a:solidFill>
+                    <a:schemeClr val="tx1"/>
+                  </a:solidFill>
+                </a:rPr>
+                <a:t>Client</a:t>
+              </a:r>
+              <a:endParaRPr lang="ko-KR" altLang="en-US" dirty="0">
+                <a:solidFill>
+                  <a:schemeClr val="tx1"/>
+                </a:solidFill>
+              </a:endParaRPr>
+            </a:p>
+          </p:txBody>
+        </p:sp>
+        <p:sp>
+          <p:nvSpPr>
+            <p:cNvPr id="32" name="타원 31"/>
+            <p:cNvSpPr/>
+            <p:nvPr/>
+          </p:nvSpPr>
+          <p:spPr>
+            <a:xfrm>
+              <a:off x="4225347" y="1400707"/>
+              <a:ext cx="1342666" cy="1148811"/>
+            </a:xfrm>
+            <a:prstGeom prst="ellipse">
+              <a:avLst/>
+            </a:prstGeom>
+            <a:noFill/>
+          </p:spPr>
+          <p:style>
+            <a:lnRef idx="2">
+              <a:schemeClr val="accent1">
+                <a:shade val="50000"/>
+              </a:schemeClr>
+            </a:lnRef>
+            <a:fillRef idx="1">
+              <a:schemeClr val="accent1"/>
+            </a:fillRef>
+            <a:effectRef idx="0">
+              <a:schemeClr val="accent1"/>
+            </a:effectRef>
+            <a:fontRef idx="minor">
+              <a:schemeClr val="lt1"/>
+            </a:fontRef>
+          </p:style>
+          <p:txBody>
+            <a:bodyPr rtlCol="0" anchor="ctr"/>
+            <a:lstStyle/>
+            <a:p>
+              <a:pPr algn="ctr"/>
+              <a:r>
+                <a:rPr lang="en-US" altLang="ko-KR" dirty="0" smtClean="0">
+                  <a:solidFill>
+                    <a:schemeClr val="tx1"/>
+                  </a:solidFill>
+                </a:rPr>
+                <a:t>Controller</a:t>
+              </a:r>
+              <a:endParaRPr lang="ko-KR" altLang="en-US" dirty="0">
+                <a:solidFill>
+                  <a:schemeClr val="tx1"/>
+                </a:solidFill>
+              </a:endParaRPr>
+            </a:p>
+          </p:txBody>
+        </p:sp>
+        <p:sp>
+          <p:nvSpPr>
+            <p:cNvPr id="34" name="타원 33"/>
+            <p:cNvSpPr/>
+            <p:nvPr/>
+          </p:nvSpPr>
+          <p:spPr>
+            <a:xfrm>
+              <a:off x="6046958" y="1400707"/>
+              <a:ext cx="1342666" cy="1148811"/>
+            </a:xfrm>
+            <a:prstGeom prst="ellipse">
+              <a:avLst/>
+            </a:prstGeom>
+            <a:noFill/>
+          </p:spPr>
+          <p:style>
+            <a:lnRef idx="2">
+              <a:schemeClr val="accent1">
+                <a:shade val="50000"/>
+              </a:schemeClr>
+            </a:lnRef>
+            <a:fillRef idx="1">
+              <a:schemeClr val="accent1"/>
+            </a:fillRef>
+            <a:effectRef idx="0">
+              <a:schemeClr val="accent1"/>
+            </a:effectRef>
+            <a:fontRef idx="minor">
+              <a:schemeClr val="lt1"/>
+            </a:fontRef>
+          </p:style>
+          <p:txBody>
+            <a:bodyPr rtlCol="0" anchor="ctr"/>
+            <a:lstStyle/>
+            <a:p>
+              <a:pPr algn="ctr"/>
+              <a:r>
+                <a:rPr lang="en-US" altLang="ko-KR" dirty="0" smtClean="0">
+                  <a:solidFill>
+                    <a:schemeClr val="tx1"/>
+                  </a:solidFill>
+                </a:rPr>
+                <a:t>Service</a:t>
+              </a:r>
+              <a:endParaRPr lang="ko-KR" altLang="en-US" dirty="0">
+                <a:solidFill>
+                  <a:schemeClr val="tx1"/>
+                </a:solidFill>
+              </a:endParaRPr>
+            </a:p>
+          </p:txBody>
+        </p:sp>
+        <p:sp>
+          <p:nvSpPr>
+            <p:cNvPr id="2" name="순서도: 자기 디스크 1"/>
+            <p:cNvSpPr/>
+            <p:nvPr/>
+          </p:nvSpPr>
+          <p:spPr>
+            <a:xfrm>
+              <a:off x="9773729" y="1400707"/>
+              <a:ext cx="1475117" cy="1014015"/>
+            </a:xfrm>
+            <a:prstGeom prst="flowChartMagneticDisk">
+              <a:avLst/>
+            </a:prstGeom>
+            <a:noFill/>
+          </p:spPr>
+          <p:style>
+            <a:lnRef idx="2">
+              <a:schemeClr val="accent1">
+                <a:shade val="50000"/>
+              </a:schemeClr>
+            </a:lnRef>
+            <a:fillRef idx="1">
+              <a:schemeClr val="accent1"/>
+            </a:fillRef>
+            <a:effectRef idx="0">
+              <a:schemeClr val="accent1"/>
+            </a:effectRef>
+            <a:fontRef idx="minor">
+              <a:schemeClr val="lt1"/>
+            </a:fontRef>
+          </p:style>
+          <p:txBody>
+            <a:bodyPr rtlCol="0" anchor="ctr"/>
+            <a:lstStyle/>
+            <a:p>
+              <a:pPr algn="ctr"/>
+              <a:r>
+                <a:rPr lang="en-US" altLang="ko-KR" dirty="0" smtClean="0">
+                  <a:solidFill>
+                    <a:schemeClr val="tx1"/>
+                  </a:solidFill>
+                </a:rPr>
+                <a:t>DB</a:t>
+              </a:r>
+              <a:endParaRPr lang="ko-KR" altLang="en-US" dirty="0">
+                <a:solidFill>
+                  <a:schemeClr val="tx1"/>
+                </a:solidFill>
+              </a:endParaRPr>
+            </a:p>
+          </p:txBody>
+        </p:sp>
+        <p:sp>
+          <p:nvSpPr>
+            <p:cNvPr id="19" name="TextBox 18"/>
+            <p:cNvSpPr txBox="1"/>
+            <p:nvPr/>
+          </p:nvSpPr>
+          <p:spPr>
+            <a:xfrm>
+              <a:off x="5653758" y="2366777"/>
+              <a:ext cx="365806" cy="246221"/>
+            </a:xfrm>
+            <a:prstGeom prst="rect">
+              <a:avLst/>
+            </a:prstGeom>
+            <a:noFill/>
+            <a:ln>
+              <a:solidFill>
+                <a:schemeClr val="tx1"/>
+              </a:solidFill>
+            </a:ln>
+          </p:spPr>
+          <p:txBody>
+            <a:bodyPr wrap="none" rtlCol="0">
+              <a:spAutoFit/>
+            </a:bodyPr>
+            <a:lstStyle/>
+            <a:p>
+              <a:r>
+                <a:rPr lang="en-US" altLang="ko-KR" sz="1000" dirty="0" smtClean="0"/>
+                <a:t>VO</a:t>
+              </a:r>
+              <a:endParaRPr lang="ko-KR" altLang="en-US" sz="1000" dirty="0"/>
+            </a:p>
+          </p:txBody>
+        </p:sp>
+        <p:sp>
+          <p:nvSpPr>
+            <p:cNvPr id="57" name="TextBox 56"/>
+            <p:cNvSpPr txBox="1"/>
+            <p:nvPr/>
+          </p:nvSpPr>
+          <p:spPr>
+            <a:xfrm>
+              <a:off x="7487967" y="2333097"/>
+              <a:ext cx="365806" cy="246221"/>
+            </a:xfrm>
+            <a:prstGeom prst="rect">
+              <a:avLst/>
+            </a:prstGeom>
+            <a:noFill/>
+            <a:ln>
+              <a:solidFill>
+                <a:schemeClr val="tx1"/>
+              </a:solidFill>
+            </a:ln>
+          </p:spPr>
+          <p:txBody>
+            <a:bodyPr wrap="none" rtlCol="0">
+              <a:spAutoFit/>
+            </a:bodyPr>
+            <a:lstStyle/>
+            <a:p>
+              <a:r>
+                <a:rPr lang="en-US" altLang="ko-KR" sz="1000" dirty="0" smtClean="0"/>
+                <a:t>VO</a:t>
+              </a:r>
+              <a:endParaRPr lang="ko-KR" altLang="en-US" sz="1000" dirty="0"/>
+            </a:p>
+          </p:txBody>
+        </p:sp>
+        <p:sp>
+          <p:nvSpPr>
+            <p:cNvPr id="58" name="TextBox 57"/>
+            <p:cNvSpPr txBox="1"/>
+            <p:nvPr/>
+          </p:nvSpPr>
+          <p:spPr>
+            <a:xfrm>
+              <a:off x="9324376" y="2303297"/>
+              <a:ext cx="365806" cy="246221"/>
+            </a:xfrm>
+            <a:prstGeom prst="rect">
+              <a:avLst/>
+            </a:prstGeom>
+            <a:noFill/>
+            <a:ln>
+              <a:solidFill>
+                <a:schemeClr val="tx1"/>
+              </a:solidFill>
+            </a:ln>
+          </p:spPr>
+          <p:txBody>
+            <a:bodyPr wrap="none" rtlCol="0">
+              <a:spAutoFit/>
+            </a:bodyPr>
+            <a:lstStyle/>
+            <a:p>
+              <a:r>
+                <a:rPr lang="en-US" altLang="ko-KR" sz="1000" dirty="0" smtClean="0"/>
+                <a:t>VO</a:t>
+              </a:r>
+              <a:endParaRPr lang="ko-KR" altLang="en-US" sz="1000" dirty="0"/>
+            </a:p>
+          </p:txBody>
+        </p:sp>
+        <p:sp>
+          <p:nvSpPr>
+            <p:cNvPr id="20" name="오른쪽 화살표 19"/>
+            <p:cNvSpPr/>
+            <p:nvPr/>
+          </p:nvSpPr>
+          <p:spPr>
+            <a:xfrm>
+              <a:off x="2676537" y="1833561"/>
+              <a:ext cx="978408" cy="581161"/>
+            </a:xfrm>
+            <a:prstGeom prst="rightArrow">
+              <a:avLst/>
+            </a:prstGeom>
+          </p:spPr>
+          <p:style>
+            <a:lnRef idx="2">
+              <a:schemeClr val="accent1">
+                <a:shade val="50000"/>
+              </a:schemeClr>
+            </a:lnRef>
+            <a:fillRef idx="1">
+              <a:schemeClr val="accent1"/>
+            </a:fillRef>
+            <a:effectRef idx="0">
+              <a:schemeClr val="accent1"/>
+            </a:effectRef>
+            <a:fontRef idx="minor">
+              <a:schemeClr val="lt1"/>
+            </a:fontRef>
+          </p:style>
+          <p:txBody>
+            <a:bodyPr rtlCol="0" anchor="ctr"/>
+            <a:lstStyle/>
+            <a:p>
+              <a:pPr algn="ctr"/>
+              <a:r>
+                <a:rPr lang="en-US" altLang="ko-KR" sz="1400" dirty="0" smtClean="0"/>
+                <a:t>request</a:t>
+              </a:r>
+              <a:endParaRPr lang="ko-KR" altLang="en-US" sz="1400" dirty="0"/>
+            </a:p>
+          </p:txBody>
+        </p:sp>
+        <p:sp>
+          <p:nvSpPr>
+            <p:cNvPr id="22" name="모서리가 둥근 직사각형 21"/>
+            <p:cNvSpPr/>
+            <p:nvPr/>
+          </p:nvSpPr>
+          <p:spPr>
+            <a:xfrm>
+              <a:off x="4765105" y="4097546"/>
+              <a:ext cx="1604514" cy="802257"/>
+            </a:xfrm>
+            <a:prstGeom prst="roundRect">
+              <a:avLst/>
+            </a:prstGeom>
+            <a:noFill/>
+            <a:ln>
+              <a:solidFill>
+                <a:schemeClr val="tx1"/>
+              </a:solidFill>
+            </a:ln>
+          </p:spPr>
+          <p:style>
+            <a:lnRef idx="2">
+              <a:schemeClr val="accent1">
+                <a:shade val="50000"/>
+              </a:schemeClr>
+            </a:lnRef>
+            <a:fillRef idx="1">
+              <a:schemeClr val="accent1"/>
+            </a:fillRef>
+            <a:effectRef idx="0">
+              <a:schemeClr val="accent1"/>
+            </a:effectRef>
+            <a:fontRef idx="minor">
+              <a:schemeClr val="lt1"/>
+            </a:fontRef>
+          </p:style>
+          <p:txBody>
+            <a:bodyPr rtlCol="0" anchor="ctr"/>
+            <a:lstStyle/>
+            <a:p>
+              <a:pPr algn="ctr"/>
+              <a:r>
+                <a:rPr lang="en-US" altLang="ko-KR" dirty="0" smtClean="0">
+                  <a:solidFill>
+                    <a:schemeClr val="tx1"/>
+                  </a:solidFill>
+                </a:rPr>
+                <a:t>View</a:t>
+              </a:r>
+              <a:endParaRPr lang="ko-KR" altLang="en-US" dirty="0">
+                <a:solidFill>
+                  <a:schemeClr val="tx1"/>
+                </a:solidFill>
+              </a:endParaRPr>
+            </a:p>
+          </p:txBody>
+        </p:sp>
+        <p:sp>
+          <p:nvSpPr>
+            <p:cNvPr id="23" name="아래쪽 화살표 22"/>
+            <p:cNvSpPr/>
+            <p:nvPr/>
+          </p:nvSpPr>
+          <p:spPr>
+            <a:xfrm rot="21067060">
+              <a:off x="4848138" y="2655428"/>
+              <a:ext cx="334128" cy="1101464"/>
+            </a:xfrm>
+            <a:prstGeom prst="downArrow">
+              <a:avLst/>
+            </a:prstGeom>
+            <a:noFill/>
+          </p:spPr>
+          <p:style>
+            <a:lnRef idx="2">
+              <a:schemeClr val="accent1">
+                <a:shade val="50000"/>
+              </a:schemeClr>
+            </a:lnRef>
+            <a:fillRef idx="1">
+              <a:schemeClr val="accent1"/>
+            </a:fillRef>
+            <a:effectRef idx="0">
+              <a:schemeClr val="accent1"/>
+            </a:effectRef>
+            <a:fontRef idx="minor">
+              <a:schemeClr val="lt1"/>
+            </a:fontRef>
+          </p:style>
+          <p:txBody>
+            <a:bodyPr rtlCol="0" anchor="ctr"/>
+            <a:lstStyle/>
+            <a:p>
+              <a:pPr algn="ctr"/>
+              <a:endParaRPr lang="ko-KR" altLang="en-US"/>
+            </a:p>
+          </p:txBody>
+        </p:sp>
+        <p:sp>
+          <p:nvSpPr>
+            <p:cNvPr id="59" name="TextBox 58"/>
+            <p:cNvSpPr txBox="1"/>
+            <p:nvPr/>
+          </p:nvSpPr>
+          <p:spPr>
+            <a:xfrm>
+              <a:off x="5441536" y="3569173"/>
+              <a:ext cx="424443" cy="246221"/>
+            </a:xfrm>
+            <a:prstGeom prst="rect">
+              <a:avLst/>
+            </a:prstGeom>
+            <a:noFill/>
+            <a:ln>
+              <a:solidFill>
+                <a:schemeClr val="tx1"/>
+              </a:solidFill>
+            </a:ln>
+          </p:spPr>
+          <p:txBody>
+            <a:bodyPr wrap="square" rtlCol="0">
+              <a:spAutoFit/>
+            </a:bodyPr>
+            <a:lstStyle/>
+            <a:p>
+              <a:r>
+                <a:rPr lang="en-US" altLang="ko-KR" sz="1000" dirty="0" smtClean="0"/>
+                <a:t>VO</a:t>
+              </a:r>
+              <a:endParaRPr lang="ko-KR" altLang="en-US" sz="1000" dirty="0"/>
+            </a:p>
+          </p:txBody>
+        </p:sp>
+        <p:sp>
+          <p:nvSpPr>
+            <p:cNvPr id="60" name="TextBox 59"/>
+            <p:cNvSpPr txBox="1"/>
+            <p:nvPr/>
+          </p:nvSpPr>
+          <p:spPr>
+            <a:xfrm>
+              <a:off x="5817368" y="4187954"/>
+              <a:ext cx="424443" cy="246221"/>
+            </a:xfrm>
+            <a:prstGeom prst="rect">
+              <a:avLst/>
+            </a:prstGeom>
+            <a:noFill/>
+            <a:ln>
+              <a:solidFill>
+                <a:schemeClr val="tx1"/>
+              </a:solidFill>
+            </a:ln>
+          </p:spPr>
+          <p:txBody>
+            <a:bodyPr wrap="square" rtlCol="0">
+              <a:spAutoFit/>
+            </a:bodyPr>
+            <a:lstStyle/>
+            <a:p>
+              <a:r>
+                <a:rPr lang="en-US" altLang="ko-KR" sz="1000" dirty="0" smtClean="0"/>
+                <a:t>VO</a:t>
+              </a:r>
+              <a:endParaRPr lang="ko-KR" altLang="en-US" sz="1000" dirty="0"/>
+            </a:p>
+          </p:txBody>
+        </p:sp>
+        <p:cxnSp>
+          <p:nvCxnSpPr>
+            <p:cNvPr id="29" name="직선 화살표 연결선 28"/>
+            <p:cNvCxnSpPr/>
+            <p:nvPr/>
+          </p:nvCxnSpPr>
+          <p:spPr>
+            <a:xfrm>
+              <a:off x="5415644" y="1621768"/>
+              <a:ext cx="4427100" cy="0"/>
+            </a:xfrm>
+            <a:prstGeom prst="straightConnector1">
+              <a:avLst/>
+            </a:prstGeom>
+            <a:ln w="28575">
+              <a:solidFill>
+                <a:schemeClr val="tx1"/>
+              </a:solidFill>
+              <a:tailEnd type="triangle"/>
+            </a:ln>
+          </p:spPr>
+          <p:style>
+            <a:lnRef idx="1">
+              <a:schemeClr val="accent1"/>
+            </a:lnRef>
+            <a:fillRef idx="0">
+              <a:schemeClr val="accent1"/>
+            </a:fillRef>
+            <a:effectRef idx="0">
+              <a:schemeClr val="accent1"/>
+            </a:effectRef>
+            <a:fontRef idx="minor">
+              <a:schemeClr val="tx1"/>
+            </a:fontRef>
+          </p:style>
+        </p:cxnSp>
+        <p:cxnSp>
+          <p:nvCxnSpPr>
+            <p:cNvPr id="35" name="직선 화살표 연결선 34"/>
+            <p:cNvCxnSpPr/>
+            <p:nvPr/>
+          </p:nvCxnSpPr>
+          <p:spPr>
+            <a:xfrm flipH="1">
+              <a:off x="5408762" y="2182485"/>
+              <a:ext cx="4451230" cy="0"/>
+            </a:xfrm>
+            <a:prstGeom prst="straightConnector1">
+              <a:avLst/>
+            </a:prstGeom>
+            <a:ln w="28575">
+              <a:solidFill>
+                <a:srgbClr val="FF0000"/>
+              </a:solidFill>
+              <a:tailEnd type="triangle"/>
+            </a:ln>
+          </p:spPr>
+          <p:style>
+            <a:lnRef idx="1">
+              <a:schemeClr val="accent1"/>
+            </a:lnRef>
+            <a:fillRef idx="0">
+              <a:schemeClr val="accent1"/>
+            </a:fillRef>
+            <a:effectRef idx="0">
+              <a:schemeClr val="accent1"/>
+            </a:effectRef>
+            <a:fontRef idx="minor">
+              <a:schemeClr val="tx1"/>
+            </a:fontRef>
+          </p:style>
+        </p:cxnSp>
+      </p:grpSp>
+      <p:sp>
+        <p:nvSpPr>
+          <p:cNvPr id="61" name="TextBox 60"/>
+          <p:cNvSpPr txBox="1"/>
+          <p:nvPr/>
+        </p:nvSpPr>
+        <p:spPr>
+          <a:xfrm>
+            <a:off x="1325674" y="5460520"/>
+            <a:ext cx="10032521" cy="584775"/>
+          </a:xfrm>
+          <a:prstGeom prst="rect">
+            <a:avLst/>
+          </a:prstGeom>
+          <a:noFill/>
+        </p:spPr>
+        <p:txBody>
+          <a:bodyPr wrap="square" rtlCol="0">
+            <a:spAutoFit/>
+          </a:bodyPr>
+          <a:lstStyle/>
+          <a:p>
+            <a:r>
+              <a:rPr lang="en-US" altLang="ko-KR" sz="3200" dirty="0" smtClean="0"/>
+              <a:t>@Getter @Setter @</a:t>
+            </a:r>
+            <a:r>
+              <a:rPr lang="en-US" altLang="ko-KR" sz="3200" dirty="0" err="1" smtClean="0"/>
+              <a:t>ToString</a:t>
+            </a:r>
+            <a:r>
+              <a:rPr lang="en-US" altLang="ko-KR" sz="3200" dirty="0" smtClean="0"/>
+              <a:t> @Builder @Slf4j</a:t>
+            </a:r>
+            <a:endParaRPr lang="ko-KR" altLang="en-US" sz="3200" dirty="0"/>
+          </a:p>
+        </p:txBody>
+      </p:sp>
+      <p:cxnSp>
+        <p:nvCxnSpPr>
+          <p:cNvPr id="64" name="직선 연결선 63"/>
+          <p:cNvCxnSpPr/>
+          <p:nvPr/>
+        </p:nvCxnSpPr>
+        <p:spPr>
+          <a:xfrm>
+            <a:off x="1077955" y="4994694"/>
+            <a:ext cx="10438085" cy="0"/>
+          </a:xfrm>
+          <a:prstGeom prst="line">
+            <a:avLst/>
+          </a:prstGeom>
+          <a:ln>
+            <a:solidFill>
+              <a:schemeClr val="bg1">
+                <a:lumMod val="50000"/>
+              </a:schemeClr>
+            </a:solidFill>
+          </a:ln>
+        </p:spPr>
+        <p:style>
+          <a:lnRef idx="1">
+            <a:schemeClr val="accent1"/>
+          </a:lnRef>
+          <a:fillRef idx="0">
+            <a:schemeClr val="accent1"/>
+          </a:fillRef>
+          <a:effectRef idx="0">
+            <a:schemeClr val="accent1"/>
+          </a:effectRef>
+          <a:fontRef idx="minor">
+            <a:schemeClr val="tx1"/>
+          </a:fontRef>
+        </p:style>
+      </p:cxnSp>
+    </p:spTree>
+    <p:extLst>
+      <p:ext uri="{BB962C8B-B14F-4D97-AF65-F5344CB8AC3E}">
+        <p14:creationId xmlns:p14="http://schemas.microsoft.com/office/powerpoint/2010/main" val="1869623313"/>
+      </p:ext>
+    </p:extLst>
+  </p:cSld>
+  <p:clrMapOvr>
+    <a:masterClrMapping/>
+  </p:clrMapOvr>
+</p:sld>
+</file>
+
+<file path=ppt/slides/slide14.xml><?xml version="1.0" encoding="utf-8"?>
+<p:sld xmlns:a="http://schemas.openxmlformats.org/drawingml/2006/main" xmlns:r="http://schemas.openxmlformats.org/officeDocument/2006/relationships" xmlns:p="http://schemas.openxmlformats.org/presentationml/2006/main">
+  <p:cSld>
+    <p:spTree>
+      <p:nvGrpSpPr>
+        <p:cNvPr id="1" name=""/>
+        <p:cNvGrpSpPr/>
+        <p:nvPr/>
+      </p:nvGrpSpPr>
+      <p:grpSpPr>
+        <a:xfrm>
+          <a:off x="0" y="0"/>
+          <a:ext cx="0" cy="0"/>
+          <a:chOff x="0" y="0"/>
+          <a:chExt cx="0" cy="0"/>
+        </a:xfrm>
+      </p:grpSpPr>
+      <p:cxnSp>
+        <p:nvCxnSpPr>
+          <p:cNvPr id="4" name="직선 연결선 3"/>
+          <p:cNvCxnSpPr/>
+          <p:nvPr/>
+        </p:nvCxnSpPr>
+        <p:spPr>
+          <a:xfrm>
+            <a:off x="0" y="538264"/>
+            <a:ext cx="12192000" cy="0"/>
+          </a:xfrm>
+          <a:prstGeom prst="line">
+            <a:avLst/>
+          </a:prstGeom>
+          <a:ln>
+            <a:solidFill>
+              <a:schemeClr val="tx1"/>
+            </a:solidFill>
+          </a:ln>
+        </p:spPr>
+        <p:style>
+          <a:lnRef idx="1">
+            <a:schemeClr val="accent1"/>
+          </a:lnRef>
+          <a:fillRef idx="0">
+            <a:schemeClr val="accent1"/>
+          </a:fillRef>
+          <a:effectRef idx="0">
+            <a:schemeClr val="accent1"/>
+          </a:effectRef>
+          <a:fontRef idx="minor">
+            <a:schemeClr val="tx1"/>
+          </a:fontRef>
+        </p:style>
+      </p:cxnSp>
+      <p:sp>
+        <p:nvSpPr>
+          <p:cNvPr id="5" name="TextBox 4"/>
+          <p:cNvSpPr txBox="1"/>
+          <p:nvPr/>
+        </p:nvSpPr>
+        <p:spPr>
+          <a:xfrm>
+            <a:off x="343711" y="90791"/>
+            <a:ext cx="2264787" cy="369332"/>
+          </a:xfrm>
+          <a:prstGeom prst="rect">
+            <a:avLst/>
+          </a:prstGeom>
+          <a:noFill/>
+        </p:spPr>
+        <p:txBody>
+          <a:bodyPr wrap="none" rtlCol="0">
+            <a:spAutoFit/>
+          </a:bodyPr>
+          <a:lstStyle/>
+          <a:p>
+            <a:r>
+              <a:rPr lang="en-US" altLang="ko-KR" b="1" dirty="0" smtClean="0"/>
+              <a:t>VO </a:t>
+            </a:r>
+            <a:r>
+              <a:rPr lang="ko-KR" altLang="en-US" b="1" dirty="0" smtClean="0"/>
+              <a:t>그리고 </a:t>
+            </a:r>
+            <a:r>
+              <a:rPr lang="en-US" altLang="ko-KR" b="1" dirty="0" smtClean="0"/>
+              <a:t>Lombok</a:t>
+            </a:r>
+            <a:endParaRPr lang="ko-KR" altLang="en-US" b="1" dirty="0"/>
+          </a:p>
+        </p:txBody>
+      </p:sp>
+      <p:sp>
+        <p:nvSpPr>
+          <p:cNvPr id="6" name="TextBox 5"/>
+          <p:cNvSpPr txBox="1"/>
+          <p:nvPr/>
+        </p:nvSpPr>
+        <p:spPr>
+          <a:xfrm>
+            <a:off x="11516040" y="275457"/>
+            <a:ext cx="641522" cy="261610"/>
+          </a:xfrm>
+          <a:prstGeom prst="rect">
+            <a:avLst/>
+          </a:prstGeom>
+          <a:noFill/>
+        </p:spPr>
+        <p:txBody>
+          <a:bodyPr wrap="none" rtlCol="0">
+            <a:spAutoFit/>
+          </a:bodyPr>
+          <a:lstStyle/>
+          <a:p>
+            <a:r>
+              <a:rPr lang="en-US" altLang="ko-KR" sz="1100" b="1" i="1" dirty="0" smtClean="0"/>
+              <a:t>IT </a:t>
+            </a:r>
+            <a:r>
+              <a:rPr lang="ko-KR" altLang="en-US" sz="1100" b="1" i="1" dirty="0" smtClean="0"/>
+              <a:t>늦공</a:t>
+            </a:r>
+            <a:endParaRPr lang="ko-KR" altLang="en-US" sz="1100" b="1" i="1" dirty="0"/>
+          </a:p>
+        </p:txBody>
+      </p:sp>
+    </p:spTree>
+    <p:extLst>
+      <p:ext uri="{BB962C8B-B14F-4D97-AF65-F5344CB8AC3E}">
+        <p14:creationId xmlns:p14="http://schemas.microsoft.com/office/powerpoint/2010/main" val="2922908853"/>
+      </p:ext>
+    </p:extLst>
+  </p:cSld>
+  <p:clrMapOvr>
+    <a:masterClrMapping/>
+  </p:clrMapOvr>
+</p:sld>
+</file>
+
 <file path=ppt/slides/slide2.xml><?xml version="1.0" encoding="utf-8"?>
 <p:sld xmlns:a="http://schemas.openxmlformats.org/drawingml/2006/main" xmlns:r="http://schemas.openxmlformats.org/officeDocument/2006/relationships" xmlns:p="http://schemas.openxmlformats.org/presentationml/2006/main">
   <p:cSld>
@@ -11628,7 +14666,7 @@
                   <a:srgbClr val="FF0000"/>
                 </a:solidFill>
               </a:rPr>
-              <a:t>Spring boot </a:t>
+              <a:t>Lombok </a:t>
             </a:r>
             <a:r>
               <a:rPr lang="ko-KR" altLang="en-US" sz="3600" b="1" dirty="0" smtClean="0">
@@ -11636,23 +14674,15 @@
                   <a:srgbClr val="FF0000"/>
                 </a:solidFill>
               </a:rPr>
-              <a:t>시작하기</a:t>
-            </a:r>
-            <a:endParaRPr lang="en-US" altLang="ko-KR" sz="3600" b="1" dirty="0" smtClean="0">
-              <a:solidFill>
-                <a:srgbClr val="FF0000"/>
-              </a:solidFill>
-            </a:endParaRPr>
-          </a:p>
-          <a:p>
-            <a:pPr algn="ctr"/>
-            <a:r>
-              <a:rPr lang="en-US" altLang="ko-KR" sz="2400" b="1" dirty="0" smtClean="0">
+              <a:t>적용하기 </a:t>
+            </a:r>
+            <a:r>
+              <a:rPr lang="en-US" altLang="ko-KR" sz="3600" b="1" dirty="0">
                 <a:solidFill>
                   <a:srgbClr val="FF0000"/>
                 </a:solidFill>
               </a:rPr>
-              <a:t>(spring frame work)</a:t>
+              <a:t>2</a:t>
             </a:r>
             <a:endParaRPr lang="ko-KR" altLang="en-US" sz="3600" b="1" dirty="0">
               <a:solidFill>

--- a/newwork/Model2_Spring.pptx
+++ b/newwork/Model2_Spring.pptx
@@ -18,7 +18,8 @@
     <p:sldId id="269" r:id="rId12"/>
     <p:sldId id="270" r:id="rId13"/>
     <p:sldId id="271" r:id="rId14"/>
-    <p:sldId id="272" r:id="rId15"/>
+    <p:sldId id="273" r:id="rId15"/>
+    <p:sldId id="272" r:id="rId16"/>
   </p:sldIdLst>
   <p:sldSz cx="12192000" cy="6858000"/>
   <p:notesSz cx="6858000" cy="9144000"/>
@@ -256,7 +257,7 @@
           <a:p>
             <a:fld id="{3DCF8E7F-ECA4-4F79-8BD4-9D90B257F24F}" type="datetimeFigureOut">
               <a:rPr lang="ko-KR" altLang="en-US" smtClean="0"/>
-              <a:t>2021-08-14</a:t>
+              <a:t>2021-08-24</a:t>
             </a:fld>
             <a:endParaRPr lang="ko-KR" altLang="en-US"/>
           </a:p>
@@ -426,7 +427,7 @@
           <a:p>
             <a:fld id="{3DCF8E7F-ECA4-4F79-8BD4-9D90B257F24F}" type="datetimeFigureOut">
               <a:rPr lang="ko-KR" altLang="en-US" smtClean="0"/>
-              <a:t>2021-08-14</a:t>
+              <a:t>2021-08-24</a:t>
             </a:fld>
             <a:endParaRPr lang="ko-KR" altLang="en-US"/>
           </a:p>
@@ -606,7 +607,7 @@
           <a:p>
             <a:fld id="{3DCF8E7F-ECA4-4F79-8BD4-9D90B257F24F}" type="datetimeFigureOut">
               <a:rPr lang="ko-KR" altLang="en-US" smtClean="0"/>
-              <a:t>2021-08-14</a:t>
+              <a:t>2021-08-24</a:t>
             </a:fld>
             <a:endParaRPr lang="ko-KR" altLang="en-US"/>
           </a:p>
@@ -776,7 +777,7 @@
           <a:p>
             <a:fld id="{3DCF8E7F-ECA4-4F79-8BD4-9D90B257F24F}" type="datetimeFigureOut">
               <a:rPr lang="ko-KR" altLang="en-US" smtClean="0"/>
-              <a:t>2021-08-14</a:t>
+              <a:t>2021-08-24</a:t>
             </a:fld>
             <a:endParaRPr lang="ko-KR" altLang="en-US"/>
           </a:p>
@@ -1022,7 +1023,7 @@
           <a:p>
             <a:fld id="{3DCF8E7F-ECA4-4F79-8BD4-9D90B257F24F}" type="datetimeFigureOut">
               <a:rPr lang="ko-KR" altLang="en-US" smtClean="0"/>
-              <a:t>2021-08-14</a:t>
+              <a:t>2021-08-24</a:t>
             </a:fld>
             <a:endParaRPr lang="ko-KR" altLang="en-US"/>
           </a:p>
@@ -1254,7 +1255,7 @@
           <a:p>
             <a:fld id="{3DCF8E7F-ECA4-4F79-8BD4-9D90B257F24F}" type="datetimeFigureOut">
               <a:rPr lang="ko-KR" altLang="en-US" smtClean="0"/>
-              <a:t>2021-08-14</a:t>
+              <a:t>2021-08-24</a:t>
             </a:fld>
             <a:endParaRPr lang="ko-KR" altLang="en-US"/>
           </a:p>
@@ -1621,7 +1622,7 @@
           <a:p>
             <a:fld id="{3DCF8E7F-ECA4-4F79-8BD4-9D90B257F24F}" type="datetimeFigureOut">
               <a:rPr lang="ko-KR" altLang="en-US" smtClean="0"/>
-              <a:t>2021-08-14</a:t>
+              <a:t>2021-08-24</a:t>
             </a:fld>
             <a:endParaRPr lang="ko-KR" altLang="en-US"/>
           </a:p>
@@ -1739,7 +1740,7 @@
           <a:p>
             <a:fld id="{3DCF8E7F-ECA4-4F79-8BD4-9D90B257F24F}" type="datetimeFigureOut">
               <a:rPr lang="ko-KR" altLang="en-US" smtClean="0"/>
-              <a:t>2021-08-14</a:t>
+              <a:t>2021-08-24</a:t>
             </a:fld>
             <a:endParaRPr lang="ko-KR" altLang="en-US"/>
           </a:p>
@@ -1834,7 +1835,7 @@
           <a:p>
             <a:fld id="{3DCF8E7F-ECA4-4F79-8BD4-9D90B257F24F}" type="datetimeFigureOut">
               <a:rPr lang="ko-KR" altLang="en-US" smtClean="0"/>
-              <a:t>2021-08-14</a:t>
+              <a:t>2021-08-24</a:t>
             </a:fld>
             <a:endParaRPr lang="ko-KR" altLang="en-US"/>
           </a:p>
@@ -2111,7 +2112,7 @@
           <a:p>
             <a:fld id="{3DCF8E7F-ECA4-4F79-8BD4-9D90B257F24F}" type="datetimeFigureOut">
               <a:rPr lang="ko-KR" altLang="en-US" smtClean="0"/>
-              <a:t>2021-08-14</a:t>
+              <a:t>2021-08-24</a:t>
             </a:fld>
             <a:endParaRPr lang="ko-KR" altLang="en-US"/>
           </a:p>
@@ -2364,7 +2365,7 @@
           <a:p>
             <a:fld id="{3DCF8E7F-ECA4-4F79-8BD4-9D90B257F24F}" type="datetimeFigureOut">
               <a:rPr lang="ko-KR" altLang="en-US" smtClean="0"/>
-              <a:t>2021-08-14</a:t>
+              <a:t>2021-08-24</a:t>
             </a:fld>
             <a:endParaRPr lang="ko-KR" altLang="en-US"/>
           </a:p>
@@ -2577,7 +2578,7 @@
           <a:p>
             <a:fld id="{3DCF8E7F-ECA4-4F79-8BD4-9D90B257F24F}" type="datetimeFigureOut">
               <a:rPr lang="ko-KR" altLang="en-US" smtClean="0"/>
-              <a:t>2021-08-14</a:t>
+              <a:t>2021-08-24</a:t>
             </a:fld>
             <a:endParaRPr lang="ko-KR" altLang="en-US"/>
           </a:p>
@@ -8076,6 +8077,303 @@
         <p:spPr>
           <a:xfrm>
             <a:off x="343711" y="90791"/>
+            <a:ext cx="2865593" cy="369332"/>
+          </a:xfrm>
+          <a:prstGeom prst="rect">
+            <a:avLst/>
+          </a:prstGeom>
+          <a:noFill/>
+        </p:spPr>
+        <p:txBody>
+          <a:bodyPr wrap="none" rtlCol="0">
+            <a:spAutoFit/>
+          </a:bodyPr>
+          <a:lstStyle/>
+          <a:p>
+            <a:r>
+              <a:rPr lang="en-US" altLang="ko-KR" b="1" dirty="0" smtClean="0"/>
+              <a:t>STS – Maven Build </a:t>
+            </a:r>
+            <a:r>
+              <a:rPr lang="ko-KR" altLang="en-US" b="1" dirty="0" smtClean="0"/>
+              <a:t>하기</a:t>
+            </a:r>
+            <a:r>
+              <a:rPr lang="en-US" altLang="ko-KR" b="1" dirty="0" smtClean="0"/>
+              <a:t> </a:t>
+            </a:r>
+            <a:endParaRPr lang="ko-KR" altLang="en-US" b="1" dirty="0"/>
+          </a:p>
+        </p:txBody>
+      </p:sp>
+      <p:sp>
+        <p:nvSpPr>
+          <p:cNvPr id="6" name="TextBox 5"/>
+          <p:cNvSpPr txBox="1"/>
+          <p:nvPr/>
+        </p:nvSpPr>
+        <p:spPr>
+          <a:xfrm>
+            <a:off x="11516040" y="275457"/>
+            <a:ext cx="641522" cy="261610"/>
+          </a:xfrm>
+          <a:prstGeom prst="rect">
+            <a:avLst/>
+          </a:prstGeom>
+          <a:noFill/>
+        </p:spPr>
+        <p:txBody>
+          <a:bodyPr wrap="none" rtlCol="0">
+            <a:spAutoFit/>
+          </a:bodyPr>
+          <a:lstStyle/>
+          <a:p>
+            <a:r>
+              <a:rPr lang="en-US" altLang="ko-KR" sz="1100" b="1" i="1" dirty="0" smtClean="0"/>
+              <a:t>IT </a:t>
+            </a:r>
+            <a:r>
+              <a:rPr lang="ko-KR" altLang="en-US" sz="1100" b="1" i="1" dirty="0" smtClean="0"/>
+              <a:t>늦공</a:t>
+            </a:r>
+            <a:endParaRPr lang="ko-KR" altLang="en-US" sz="1100" b="1" i="1" dirty="0"/>
+          </a:p>
+        </p:txBody>
+      </p:sp>
+      <p:sp>
+        <p:nvSpPr>
+          <p:cNvPr id="3" name="TextBox 2"/>
+          <p:cNvSpPr txBox="1"/>
+          <p:nvPr/>
+        </p:nvSpPr>
+        <p:spPr>
+          <a:xfrm>
+            <a:off x="741872" y="1475117"/>
+            <a:ext cx="4571957" cy="646331"/>
+          </a:xfrm>
+          <a:prstGeom prst="rect">
+            <a:avLst/>
+          </a:prstGeom>
+          <a:noFill/>
+        </p:spPr>
+        <p:txBody>
+          <a:bodyPr wrap="none" rtlCol="0">
+            <a:spAutoFit/>
+          </a:bodyPr>
+          <a:lstStyle/>
+          <a:p>
+            <a:r>
+              <a:rPr lang="en-US" altLang="ko-KR" sz="3600" b="1" dirty="0" smtClean="0"/>
+              <a:t>1. Maven Build </a:t>
+            </a:r>
+            <a:r>
+              <a:rPr lang="ko-KR" altLang="en-US" sz="3600" b="1" dirty="0" smtClean="0"/>
+              <a:t>하기</a:t>
+            </a:r>
+            <a:endParaRPr lang="ko-KR" altLang="en-US" sz="3600" b="1" dirty="0"/>
+          </a:p>
+        </p:txBody>
+      </p:sp>
+      <p:sp>
+        <p:nvSpPr>
+          <p:cNvPr id="24" name="TextBox 23"/>
+          <p:cNvSpPr txBox="1"/>
+          <p:nvPr/>
+        </p:nvSpPr>
+        <p:spPr>
+          <a:xfrm>
+            <a:off x="741872" y="2317626"/>
+            <a:ext cx="5416226" cy="646331"/>
+          </a:xfrm>
+          <a:prstGeom prst="rect">
+            <a:avLst/>
+          </a:prstGeom>
+          <a:noFill/>
+        </p:spPr>
+        <p:txBody>
+          <a:bodyPr wrap="none" rtlCol="0">
+            <a:spAutoFit/>
+          </a:bodyPr>
+          <a:lstStyle/>
+          <a:p>
+            <a:r>
+              <a:rPr lang="en-US" altLang="ko-KR" sz="3600" b="1" dirty="0" smtClean="0"/>
+              <a:t>2. </a:t>
+            </a:r>
+            <a:r>
+              <a:rPr lang="ko-KR" altLang="en-US" sz="3600" b="1" dirty="0" smtClean="0"/>
+              <a:t>외장 </a:t>
+            </a:r>
+            <a:r>
+              <a:rPr lang="en-US" altLang="ko-KR" sz="3600" b="1" dirty="0" smtClean="0"/>
+              <a:t>Tomcat </a:t>
+            </a:r>
+            <a:r>
+              <a:rPr lang="ko-KR" altLang="en-US" sz="3600" b="1" dirty="0" smtClean="0"/>
+              <a:t>사용하기</a:t>
+            </a:r>
+            <a:endParaRPr lang="ko-KR" altLang="en-US" sz="3600" b="1" dirty="0"/>
+          </a:p>
+        </p:txBody>
+      </p:sp>
+      <p:sp>
+        <p:nvSpPr>
+          <p:cNvPr id="25" name="TextBox 24"/>
+          <p:cNvSpPr txBox="1"/>
+          <p:nvPr/>
+        </p:nvSpPr>
+        <p:spPr>
+          <a:xfrm>
+            <a:off x="741872" y="3163730"/>
+            <a:ext cx="5416226" cy="646331"/>
+          </a:xfrm>
+          <a:prstGeom prst="rect">
+            <a:avLst/>
+          </a:prstGeom>
+          <a:noFill/>
+        </p:spPr>
+        <p:txBody>
+          <a:bodyPr wrap="none" rtlCol="0">
+            <a:spAutoFit/>
+          </a:bodyPr>
+          <a:lstStyle/>
+          <a:p>
+            <a:r>
+              <a:rPr lang="en-US" altLang="ko-KR" sz="3600" b="1" dirty="0" smtClean="0"/>
+              <a:t>3. </a:t>
+            </a:r>
+            <a:r>
+              <a:rPr lang="ko-KR" altLang="en-US" sz="3600" b="1" dirty="0"/>
+              <a:t>내</a:t>
+            </a:r>
+            <a:r>
+              <a:rPr lang="ko-KR" altLang="en-US" sz="3600" b="1" dirty="0" smtClean="0"/>
+              <a:t>장 </a:t>
+            </a:r>
+            <a:r>
+              <a:rPr lang="en-US" altLang="ko-KR" sz="3600" b="1" dirty="0" smtClean="0"/>
+              <a:t>Tomcat </a:t>
+            </a:r>
+            <a:r>
+              <a:rPr lang="ko-KR" altLang="en-US" sz="3600" b="1" dirty="0" smtClean="0"/>
+              <a:t>사용하기</a:t>
+            </a:r>
+            <a:endParaRPr lang="ko-KR" altLang="en-US" sz="3600" b="1" dirty="0"/>
+          </a:p>
+        </p:txBody>
+      </p:sp>
+      <p:sp>
+        <p:nvSpPr>
+          <p:cNvPr id="26" name="TextBox 25"/>
+          <p:cNvSpPr txBox="1"/>
+          <p:nvPr/>
+        </p:nvSpPr>
+        <p:spPr>
+          <a:xfrm>
+            <a:off x="741871" y="4009834"/>
+            <a:ext cx="8525732" cy="646331"/>
+          </a:xfrm>
+          <a:prstGeom prst="rect">
+            <a:avLst/>
+          </a:prstGeom>
+          <a:noFill/>
+        </p:spPr>
+        <p:txBody>
+          <a:bodyPr wrap="none" rtlCol="0">
+            <a:spAutoFit/>
+          </a:bodyPr>
+          <a:lstStyle/>
+          <a:p>
+            <a:r>
+              <a:rPr lang="en-US" altLang="ko-KR" sz="3600" b="1" dirty="0" smtClean="0"/>
+              <a:t>4. Jar  vs War (</a:t>
+            </a:r>
+            <a:r>
+              <a:rPr lang="ko-KR" altLang="en-US" sz="3600" b="1" dirty="0" smtClean="0"/>
+              <a:t>언제 어떤걸 사용하나</a:t>
+            </a:r>
+            <a:r>
+              <a:rPr lang="en-US" altLang="ko-KR" sz="3600" b="1" dirty="0" smtClean="0"/>
+              <a:t>?) </a:t>
+            </a:r>
+            <a:endParaRPr lang="ko-KR" altLang="en-US" sz="3600" b="1" dirty="0"/>
+          </a:p>
+        </p:txBody>
+      </p:sp>
+    </p:spTree>
+    <p:extLst>
+      <p:ext uri="{BB962C8B-B14F-4D97-AF65-F5344CB8AC3E}">
+        <p14:creationId xmlns:p14="http://schemas.microsoft.com/office/powerpoint/2010/main" val="1679518409"/>
+      </p:ext>
+    </p:extLst>
+  </p:cSld>
+  <p:clrMapOvr>
+    <a:masterClrMapping/>
+  </p:clrMapOvr>
+</p:sld>
+</file>
+
+<file path=ppt/slides/slide15.xml><?xml version="1.0" encoding="utf-8"?>
+<p:sld xmlns:a="http://schemas.openxmlformats.org/drawingml/2006/main" xmlns:r="http://schemas.openxmlformats.org/officeDocument/2006/relationships" xmlns:p="http://schemas.openxmlformats.org/presentationml/2006/main">
+  <p:cSld>
+    <p:spTree>
+      <p:nvGrpSpPr>
+        <p:cNvPr id="1" name=""/>
+        <p:cNvGrpSpPr/>
+        <p:nvPr/>
+      </p:nvGrpSpPr>
+      <p:grpSpPr>
+        <a:xfrm>
+          <a:off x="0" y="0"/>
+          <a:ext cx="0" cy="0"/>
+          <a:chOff x="0" y="0"/>
+          <a:chExt cx="0" cy="0"/>
+        </a:xfrm>
+      </p:grpSpPr>
+      <p:cxnSp>
+        <p:nvCxnSpPr>
+          <p:cNvPr id="4" name="직선 연결선 3"/>
+          <p:cNvCxnSpPr/>
+          <p:nvPr/>
+        </p:nvCxnSpPr>
+        <p:spPr>
+          <a:xfrm>
+            <a:off x="0" y="538264"/>
+            <a:ext cx="12192000" cy="0"/>
+          </a:xfrm>
+          <a:prstGeom prst="line">
+            <a:avLst/>
+          </a:prstGeom>
+          <a:ln>
+            <a:solidFill>
+              <a:schemeClr val="tx1"/>
+            </a:solidFill>
+          </a:ln>
+        </p:spPr>
+        <p:style>
+          <a:lnRef idx="1">
+            <a:schemeClr val="accent1"/>
+          </a:lnRef>
+          <a:fillRef idx="0">
+            <a:schemeClr val="accent1"/>
+          </a:fillRef>
+          <a:effectRef idx="0">
+            <a:schemeClr val="accent1"/>
+          </a:effectRef>
+          <a:fontRef idx="minor">
+            <a:schemeClr val="tx1"/>
+          </a:fontRef>
+        </p:style>
+      </p:cxnSp>
+      <p:sp>
+        <p:nvSpPr>
+          <p:cNvPr id="5" name="TextBox 4"/>
+          <p:cNvSpPr txBox="1"/>
+          <p:nvPr/>
+        </p:nvSpPr>
+        <p:spPr>
+          <a:xfrm>
+            <a:off x="343711" y="90791"/>
             <a:ext cx="2264787" cy="369332"/>
           </a:xfrm>
           <a:prstGeom prst="rect">
@@ -14625,7 +14923,7 @@
         <p:spPr>
           <a:xfrm>
             <a:off x="1389029" y="2932981"/>
-            <a:ext cx="8548777" cy="1802920"/>
+            <a:ext cx="9609650" cy="1802920"/>
           </a:xfrm>
           <a:prstGeom prst="rect">
             <a:avLst/>
@@ -14666,7 +14964,7 @@
                   <a:srgbClr val="FF0000"/>
                 </a:solidFill>
               </a:rPr>
-              <a:t>Lombok </a:t>
+              <a:t>View Jsp , War build </a:t>
             </a:r>
             <a:r>
               <a:rPr lang="ko-KR" altLang="en-US" sz="3600" b="1" dirty="0" smtClean="0">
@@ -14674,15 +14972,23 @@
                   <a:srgbClr val="FF0000"/>
                 </a:solidFill>
               </a:rPr>
-              <a:t>적용하기 </a:t>
-            </a:r>
-            <a:r>
-              <a:rPr lang="en-US" altLang="ko-KR" sz="3600" b="1" dirty="0">
+              <a:t>하기</a:t>
+            </a:r>
+            <a:r>
+              <a:rPr lang="en-US" altLang="ko-KR" sz="3600" b="1" dirty="0" smtClean="0">
                 <a:solidFill>
                   <a:srgbClr val="FF0000"/>
                 </a:solidFill>
               </a:rPr>
-              <a:t>2</a:t>
+              <a:t>, </a:t>
+            </a:r>
+            <a:r>
+              <a:rPr lang="ko-KR" altLang="en-US" sz="3600" b="1" dirty="0" smtClean="0">
+                <a:solidFill>
+                  <a:srgbClr val="FF0000"/>
+                </a:solidFill>
+              </a:rPr>
+              <a:t>내장톰캣실행</a:t>
             </a:r>
             <a:endParaRPr lang="ko-KR" altLang="en-US" sz="3600" b="1" dirty="0">
               <a:solidFill>
@@ -14700,7 +15006,7 @@
         </p:nvSpPr>
         <p:spPr>
           <a:xfrm>
-            <a:off x="5318760" y="1021080"/>
+            <a:off x="5223869" y="770914"/>
             <a:ext cx="1478280" cy="1394460"/>
           </a:xfrm>
           <a:prstGeom prst="ellipse">

--- a/newwork/Model2_Spring.pptx
+++ b/newwork/Model2_Spring.pptx
@@ -20,6 +20,11 @@
     <p:sldId id="271" r:id="rId14"/>
     <p:sldId id="273" r:id="rId15"/>
     <p:sldId id="272" r:id="rId16"/>
+    <p:sldId id="274" r:id="rId17"/>
+    <p:sldId id="275" r:id="rId18"/>
+    <p:sldId id="276" r:id="rId19"/>
+    <p:sldId id="277" r:id="rId20"/>
+    <p:sldId id="278" r:id="rId21"/>
   </p:sldIdLst>
   <p:sldSz cx="12192000" cy="6858000"/>
   <p:notesSz cx="6858000" cy="9144000"/>
@@ -257,7 +262,7 @@
           <a:p>
             <a:fld id="{3DCF8E7F-ECA4-4F79-8BD4-9D90B257F24F}" type="datetimeFigureOut">
               <a:rPr lang="ko-KR" altLang="en-US" smtClean="0"/>
-              <a:t>2021-08-24</a:t>
+              <a:t>2021-08-27</a:t>
             </a:fld>
             <a:endParaRPr lang="ko-KR" altLang="en-US"/>
           </a:p>
@@ -427,7 +432,7 @@
           <a:p>
             <a:fld id="{3DCF8E7F-ECA4-4F79-8BD4-9D90B257F24F}" type="datetimeFigureOut">
               <a:rPr lang="ko-KR" altLang="en-US" smtClean="0"/>
-              <a:t>2021-08-24</a:t>
+              <a:t>2021-08-27</a:t>
             </a:fld>
             <a:endParaRPr lang="ko-KR" altLang="en-US"/>
           </a:p>
@@ -607,7 +612,7 @@
           <a:p>
             <a:fld id="{3DCF8E7F-ECA4-4F79-8BD4-9D90B257F24F}" type="datetimeFigureOut">
               <a:rPr lang="ko-KR" altLang="en-US" smtClean="0"/>
-              <a:t>2021-08-24</a:t>
+              <a:t>2021-08-27</a:t>
             </a:fld>
             <a:endParaRPr lang="ko-KR" altLang="en-US"/>
           </a:p>
@@ -777,7 +782,7 @@
           <a:p>
             <a:fld id="{3DCF8E7F-ECA4-4F79-8BD4-9D90B257F24F}" type="datetimeFigureOut">
               <a:rPr lang="ko-KR" altLang="en-US" smtClean="0"/>
-              <a:t>2021-08-24</a:t>
+              <a:t>2021-08-27</a:t>
             </a:fld>
             <a:endParaRPr lang="ko-KR" altLang="en-US"/>
           </a:p>
@@ -1023,7 +1028,7 @@
           <a:p>
             <a:fld id="{3DCF8E7F-ECA4-4F79-8BD4-9D90B257F24F}" type="datetimeFigureOut">
               <a:rPr lang="ko-KR" altLang="en-US" smtClean="0"/>
-              <a:t>2021-08-24</a:t>
+              <a:t>2021-08-27</a:t>
             </a:fld>
             <a:endParaRPr lang="ko-KR" altLang="en-US"/>
           </a:p>
@@ -1255,7 +1260,7 @@
           <a:p>
             <a:fld id="{3DCF8E7F-ECA4-4F79-8BD4-9D90B257F24F}" type="datetimeFigureOut">
               <a:rPr lang="ko-KR" altLang="en-US" smtClean="0"/>
-              <a:t>2021-08-24</a:t>
+              <a:t>2021-08-27</a:t>
             </a:fld>
             <a:endParaRPr lang="ko-KR" altLang="en-US"/>
           </a:p>
@@ -1622,7 +1627,7 @@
           <a:p>
             <a:fld id="{3DCF8E7F-ECA4-4F79-8BD4-9D90B257F24F}" type="datetimeFigureOut">
               <a:rPr lang="ko-KR" altLang="en-US" smtClean="0"/>
-              <a:t>2021-08-24</a:t>
+              <a:t>2021-08-27</a:t>
             </a:fld>
             <a:endParaRPr lang="ko-KR" altLang="en-US"/>
           </a:p>
@@ -1740,7 +1745,7 @@
           <a:p>
             <a:fld id="{3DCF8E7F-ECA4-4F79-8BD4-9D90B257F24F}" type="datetimeFigureOut">
               <a:rPr lang="ko-KR" altLang="en-US" smtClean="0"/>
-              <a:t>2021-08-24</a:t>
+              <a:t>2021-08-27</a:t>
             </a:fld>
             <a:endParaRPr lang="ko-KR" altLang="en-US"/>
           </a:p>
@@ -1835,7 +1840,7 @@
           <a:p>
             <a:fld id="{3DCF8E7F-ECA4-4F79-8BD4-9D90B257F24F}" type="datetimeFigureOut">
               <a:rPr lang="ko-KR" altLang="en-US" smtClean="0"/>
-              <a:t>2021-08-24</a:t>
+              <a:t>2021-08-27</a:t>
             </a:fld>
             <a:endParaRPr lang="ko-KR" altLang="en-US"/>
           </a:p>
@@ -2112,7 +2117,7 @@
           <a:p>
             <a:fld id="{3DCF8E7F-ECA4-4F79-8BD4-9D90B257F24F}" type="datetimeFigureOut">
               <a:rPr lang="ko-KR" altLang="en-US" smtClean="0"/>
-              <a:t>2021-08-24</a:t>
+              <a:t>2021-08-27</a:t>
             </a:fld>
             <a:endParaRPr lang="ko-KR" altLang="en-US"/>
           </a:p>
@@ -2365,7 +2370,7 @@
           <a:p>
             <a:fld id="{3DCF8E7F-ECA4-4F79-8BD4-9D90B257F24F}" type="datetimeFigureOut">
               <a:rPr lang="ko-KR" altLang="en-US" smtClean="0"/>
-              <a:t>2021-08-24</a:t>
+              <a:t>2021-08-27</a:t>
             </a:fld>
             <a:endParaRPr lang="ko-KR" altLang="en-US"/>
           </a:p>
@@ -2578,7 +2583,7 @@
           <a:p>
             <a:fld id="{3DCF8E7F-ECA4-4F79-8BD4-9D90B257F24F}" type="datetimeFigureOut">
               <a:rPr lang="ko-KR" altLang="en-US" smtClean="0"/>
-              <a:t>2021-08-24</a:t>
+              <a:t>2021-08-27</a:t>
             </a:fld>
             <a:endParaRPr lang="ko-KR" altLang="en-US"/>
           </a:p>
@@ -8450,6 +8455,2301 @@
 </p:sld>
 </file>
 
+<file path=ppt/slides/slide16.xml><?xml version="1.0" encoding="utf-8"?>
+<p:sld xmlns:a="http://schemas.openxmlformats.org/drawingml/2006/main" xmlns:r="http://schemas.openxmlformats.org/officeDocument/2006/relationships" xmlns:p="http://schemas.openxmlformats.org/presentationml/2006/main">
+  <p:cSld>
+    <p:spTree>
+      <p:nvGrpSpPr>
+        <p:cNvPr id="1" name=""/>
+        <p:cNvGrpSpPr/>
+        <p:nvPr/>
+      </p:nvGrpSpPr>
+      <p:grpSpPr>
+        <a:xfrm>
+          <a:off x="0" y="0"/>
+          <a:ext cx="0" cy="0"/>
+          <a:chOff x="0" y="0"/>
+          <a:chExt cx="0" cy="0"/>
+        </a:xfrm>
+      </p:grpSpPr>
+      <p:pic>
+        <p:nvPicPr>
+          <p:cNvPr id="4" name="그림 3"/>
+          <p:cNvPicPr>
+            <a:picLocks noChangeAspect="1"/>
+          </p:cNvPicPr>
+          <p:nvPr/>
+        </p:nvPicPr>
+        <p:blipFill>
+          <a:blip r:embed="rId2"/>
+          <a:stretch>
+            <a:fillRect/>
+          </a:stretch>
+        </p:blipFill>
+        <p:spPr>
+          <a:xfrm>
+            <a:off x="73434" y="172529"/>
+            <a:ext cx="5627077" cy="6366294"/>
+          </a:xfrm>
+          <a:prstGeom prst="rect">
+            <a:avLst/>
+          </a:prstGeom>
+        </p:spPr>
+      </p:pic>
+      <p:pic>
+        <p:nvPicPr>
+          <p:cNvPr id="5" name="그림 4"/>
+          <p:cNvPicPr>
+            <a:picLocks noChangeAspect="1"/>
+          </p:cNvPicPr>
+          <p:nvPr/>
+        </p:nvPicPr>
+        <p:blipFill>
+          <a:blip r:embed="rId3"/>
+          <a:stretch>
+            <a:fillRect/>
+          </a:stretch>
+        </p:blipFill>
+        <p:spPr>
+          <a:xfrm>
+            <a:off x="5938298" y="226713"/>
+            <a:ext cx="5629275" cy="6257925"/>
+          </a:xfrm>
+          <a:prstGeom prst="rect">
+            <a:avLst/>
+          </a:prstGeom>
+        </p:spPr>
+      </p:pic>
+      <p:sp>
+        <p:nvSpPr>
+          <p:cNvPr id="7" name="직사각형 6"/>
+          <p:cNvSpPr/>
+          <p:nvPr/>
+        </p:nvSpPr>
+        <p:spPr>
+          <a:xfrm>
+            <a:off x="3864634" y="2191109"/>
+            <a:ext cx="1648533" cy="310551"/>
+          </a:xfrm>
+          <a:prstGeom prst="rect">
+            <a:avLst/>
+          </a:prstGeom>
+          <a:noFill/>
+          <a:ln>
+            <a:solidFill>
+              <a:srgbClr val="FF0000"/>
+            </a:solidFill>
+          </a:ln>
+        </p:spPr>
+        <p:style>
+          <a:lnRef idx="2">
+            <a:schemeClr val="accent1">
+              <a:shade val="50000"/>
+            </a:schemeClr>
+          </a:lnRef>
+          <a:fillRef idx="1">
+            <a:schemeClr val="accent1"/>
+          </a:fillRef>
+          <a:effectRef idx="0">
+            <a:schemeClr val="accent1"/>
+          </a:effectRef>
+          <a:fontRef idx="minor">
+            <a:schemeClr val="lt1"/>
+          </a:fontRef>
+        </p:style>
+        <p:txBody>
+          <a:bodyPr rtlCol="0" anchor="ctr"/>
+          <a:lstStyle/>
+          <a:p>
+            <a:pPr algn="ctr"/>
+            <a:endParaRPr lang="ko-KR" altLang="en-US"/>
+          </a:p>
+        </p:txBody>
+      </p:sp>
+      <p:sp>
+        <p:nvSpPr>
+          <p:cNvPr id="8" name="TextBox 7"/>
+          <p:cNvSpPr txBox="1"/>
+          <p:nvPr/>
+        </p:nvSpPr>
+        <p:spPr>
+          <a:xfrm>
+            <a:off x="8752935" y="2424023"/>
+            <a:ext cx="2425664" cy="646331"/>
+          </a:xfrm>
+          <a:prstGeom prst="rect">
+            <a:avLst/>
+          </a:prstGeom>
+          <a:solidFill>
+            <a:schemeClr val="bg1"/>
+          </a:solidFill>
+        </p:spPr>
+        <p:txBody>
+          <a:bodyPr wrap="none" rtlCol="0">
+            <a:spAutoFit/>
+          </a:bodyPr>
+          <a:lstStyle/>
+          <a:p>
+            <a:r>
+              <a:rPr lang="ko-KR" altLang="en-US" dirty="0" smtClean="0"/>
+              <a:t>이번 프로젝트에서는 </a:t>
+            </a:r>
+            <a:endParaRPr lang="en-US" altLang="ko-KR" dirty="0" smtClean="0"/>
+          </a:p>
+          <a:p>
+            <a:r>
+              <a:rPr lang="en-US" altLang="ko-KR" dirty="0" smtClean="0"/>
+              <a:t>Spring web </a:t>
+            </a:r>
+            <a:r>
+              <a:rPr lang="ko-KR" altLang="en-US" dirty="0" smtClean="0"/>
+              <a:t>만 선택</a:t>
+            </a:r>
+            <a:endParaRPr lang="ko-KR" altLang="en-US" dirty="0"/>
+          </a:p>
+        </p:txBody>
+      </p:sp>
+    </p:spTree>
+    <p:extLst>
+      <p:ext uri="{BB962C8B-B14F-4D97-AF65-F5344CB8AC3E}">
+        <p14:creationId xmlns:p14="http://schemas.microsoft.com/office/powerpoint/2010/main" val="2237468704"/>
+      </p:ext>
+    </p:extLst>
+  </p:cSld>
+  <p:clrMapOvr>
+    <a:masterClrMapping/>
+  </p:clrMapOvr>
+</p:sld>
+</file>
+
+<file path=ppt/slides/slide17.xml><?xml version="1.0" encoding="utf-8"?>
+<p:sld xmlns:a="http://schemas.openxmlformats.org/drawingml/2006/main" xmlns:r="http://schemas.openxmlformats.org/officeDocument/2006/relationships" xmlns:p="http://schemas.openxmlformats.org/presentationml/2006/main">
+  <p:cSld>
+    <p:spTree>
+      <p:nvGrpSpPr>
+        <p:cNvPr id="1" name=""/>
+        <p:cNvGrpSpPr/>
+        <p:nvPr/>
+      </p:nvGrpSpPr>
+      <p:grpSpPr>
+        <a:xfrm>
+          <a:off x="0" y="0"/>
+          <a:ext cx="0" cy="0"/>
+          <a:chOff x="0" y="0"/>
+          <a:chExt cx="0" cy="0"/>
+        </a:xfrm>
+      </p:grpSpPr>
+      <p:pic>
+        <p:nvPicPr>
+          <p:cNvPr id="2" name="그림 1"/>
+          <p:cNvPicPr>
+            <a:picLocks noChangeAspect="1"/>
+          </p:cNvPicPr>
+          <p:nvPr/>
+        </p:nvPicPr>
+        <p:blipFill>
+          <a:blip r:embed="rId2"/>
+          <a:stretch>
+            <a:fillRect/>
+          </a:stretch>
+        </p:blipFill>
+        <p:spPr>
+          <a:xfrm>
+            <a:off x="367430" y="0"/>
+            <a:ext cx="11077575" cy="6324600"/>
+          </a:xfrm>
+          <a:prstGeom prst="rect">
+            <a:avLst/>
+          </a:prstGeom>
+        </p:spPr>
+      </p:pic>
+      <p:sp>
+        <p:nvSpPr>
+          <p:cNvPr id="3" name="직사각형 2"/>
+          <p:cNvSpPr/>
+          <p:nvPr/>
+        </p:nvSpPr>
+        <p:spPr>
+          <a:xfrm>
+            <a:off x="2346385" y="4692770"/>
+            <a:ext cx="1716657" cy="405441"/>
+          </a:xfrm>
+          <a:prstGeom prst="rect">
+            <a:avLst/>
+          </a:prstGeom>
+          <a:noFill/>
+          <a:ln w="28575">
+            <a:solidFill>
+              <a:srgbClr val="0070C0"/>
+            </a:solidFill>
+          </a:ln>
+        </p:spPr>
+        <p:style>
+          <a:lnRef idx="2">
+            <a:schemeClr val="accent1">
+              <a:shade val="50000"/>
+            </a:schemeClr>
+          </a:lnRef>
+          <a:fillRef idx="1">
+            <a:schemeClr val="accent1"/>
+          </a:fillRef>
+          <a:effectRef idx="0">
+            <a:schemeClr val="accent1"/>
+          </a:effectRef>
+          <a:fontRef idx="minor">
+            <a:schemeClr val="lt1"/>
+          </a:fontRef>
+        </p:style>
+        <p:txBody>
+          <a:bodyPr rtlCol="0" anchor="ctr"/>
+          <a:lstStyle/>
+          <a:p>
+            <a:pPr algn="ctr"/>
+            <a:endParaRPr lang="ko-KR" altLang="en-US"/>
+          </a:p>
+        </p:txBody>
+      </p:sp>
+      <p:sp>
+        <p:nvSpPr>
+          <p:cNvPr id="4" name="오른쪽 화살표 3"/>
+          <p:cNvSpPr/>
+          <p:nvPr/>
+        </p:nvSpPr>
+        <p:spPr>
+          <a:xfrm rot="20101632">
+            <a:off x="4000851" y="4418391"/>
+            <a:ext cx="668266" cy="262017"/>
+          </a:xfrm>
+          <a:prstGeom prst="rightArrow">
+            <a:avLst/>
+          </a:prstGeom>
+        </p:spPr>
+        <p:style>
+          <a:lnRef idx="2">
+            <a:schemeClr val="accent1">
+              <a:shade val="50000"/>
+            </a:schemeClr>
+          </a:lnRef>
+          <a:fillRef idx="1">
+            <a:schemeClr val="accent1"/>
+          </a:fillRef>
+          <a:effectRef idx="0">
+            <a:schemeClr val="accent1"/>
+          </a:effectRef>
+          <a:fontRef idx="minor">
+            <a:schemeClr val="lt1"/>
+          </a:fontRef>
+        </p:style>
+        <p:txBody>
+          <a:bodyPr rtlCol="0" anchor="ctr"/>
+          <a:lstStyle/>
+          <a:p>
+            <a:pPr algn="ctr"/>
+            <a:endParaRPr lang="ko-KR" altLang="en-US"/>
+          </a:p>
+        </p:txBody>
+      </p:sp>
+      <p:sp>
+        <p:nvSpPr>
+          <p:cNvPr id="5" name="직사각형 4"/>
+          <p:cNvSpPr/>
+          <p:nvPr/>
+        </p:nvSpPr>
+        <p:spPr>
+          <a:xfrm>
+            <a:off x="5727940" y="3372928"/>
+            <a:ext cx="1751162" cy="267419"/>
+          </a:xfrm>
+          <a:prstGeom prst="rect">
+            <a:avLst/>
+          </a:prstGeom>
+          <a:noFill/>
+          <a:ln w="28575">
+            <a:solidFill>
+              <a:srgbClr val="FF0000"/>
+            </a:solidFill>
+          </a:ln>
+        </p:spPr>
+        <p:style>
+          <a:lnRef idx="2">
+            <a:schemeClr val="accent1">
+              <a:shade val="50000"/>
+            </a:schemeClr>
+          </a:lnRef>
+          <a:fillRef idx="1">
+            <a:schemeClr val="accent1"/>
+          </a:fillRef>
+          <a:effectRef idx="0">
+            <a:schemeClr val="accent1"/>
+          </a:effectRef>
+          <a:fontRef idx="minor">
+            <a:schemeClr val="lt1"/>
+          </a:fontRef>
+        </p:style>
+        <p:txBody>
+          <a:bodyPr rtlCol="0" anchor="ctr"/>
+          <a:lstStyle/>
+          <a:p>
+            <a:pPr algn="ctr"/>
+            <a:endParaRPr lang="ko-KR" altLang="en-US"/>
+          </a:p>
+        </p:txBody>
+      </p:sp>
+      <p:sp>
+        <p:nvSpPr>
+          <p:cNvPr id="6" name="오른쪽 화살표 5"/>
+          <p:cNvSpPr/>
+          <p:nvPr/>
+        </p:nvSpPr>
+        <p:spPr>
+          <a:xfrm rot="1749150">
+            <a:off x="7359613" y="4017156"/>
+            <a:ext cx="1885851" cy="355237"/>
+          </a:xfrm>
+          <a:prstGeom prst="rightArrow">
+            <a:avLst/>
+          </a:prstGeom>
+        </p:spPr>
+        <p:style>
+          <a:lnRef idx="2">
+            <a:schemeClr val="accent1">
+              <a:shade val="50000"/>
+            </a:schemeClr>
+          </a:lnRef>
+          <a:fillRef idx="1">
+            <a:schemeClr val="accent1"/>
+          </a:fillRef>
+          <a:effectRef idx="0">
+            <a:schemeClr val="accent1"/>
+          </a:effectRef>
+          <a:fontRef idx="minor">
+            <a:schemeClr val="lt1"/>
+          </a:fontRef>
+        </p:style>
+        <p:txBody>
+          <a:bodyPr rtlCol="0" anchor="ctr"/>
+          <a:lstStyle/>
+          <a:p>
+            <a:pPr algn="ctr"/>
+            <a:endParaRPr lang="ko-KR" altLang="en-US"/>
+          </a:p>
+        </p:txBody>
+      </p:sp>
+    </p:spTree>
+    <p:extLst>
+      <p:ext uri="{BB962C8B-B14F-4D97-AF65-F5344CB8AC3E}">
+        <p14:creationId xmlns:p14="http://schemas.microsoft.com/office/powerpoint/2010/main" val="4181670939"/>
+      </p:ext>
+    </p:extLst>
+  </p:cSld>
+  <p:clrMapOvr>
+    <a:masterClrMapping/>
+  </p:clrMapOvr>
+</p:sld>
+</file>
+
+<file path=ppt/slides/slide18.xml><?xml version="1.0" encoding="utf-8"?>
+<p:sld xmlns:a="http://schemas.openxmlformats.org/drawingml/2006/main" xmlns:r="http://schemas.openxmlformats.org/officeDocument/2006/relationships" xmlns:p="http://schemas.openxmlformats.org/presentationml/2006/main">
+  <p:cSld>
+    <p:spTree>
+      <p:nvGrpSpPr>
+        <p:cNvPr id="1" name=""/>
+        <p:cNvGrpSpPr/>
+        <p:nvPr/>
+      </p:nvGrpSpPr>
+      <p:grpSpPr>
+        <a:xfrm>
+          <a:off x="0" y="0"/>
+          <a:ext cx="0" cy="0"/>
+          <a:chOff x="0" y="0"/>
+          <a:chExt cx="0" cy="0"/>
+        </a:xfrm>
+      </p:grpSpPr>
+      <p:cxnSp>
+        <p:nvCxnSpPr>
+          <p:cNvPr id="8" name="직선 연결선 7"/>
+          <p:cNvCxnSpPr/>
+          <p:nvPr/>
+        </p:nvCxnSpPr>
+        <p:spPr>
+          <a:xfrm>
+            <a:off x="0" y="544749"/>
+            <a:ext cx="12192000" cy="0"/>
+          </a:xfrm>
+          <a:prstGeom prst="line">
+            <a:avLst/>
+          </a:prstGeom>
+          <a:ln>
+            <a:solidFill>
+              <a:schemeClr val="tx1"/>
+            </a:solidFill>
+          </a:ln>
+        </p:spPr>
+        <p:style>
+          <a:lnRef idx="1">
+            <a:schemeClr val="accent1"/>
+          </a:lnRef>
+          <a:fillRef idx="0">
+            <a:schemeClr val="accent1"/>
+          </a:fillRef>
+          <a:effectRef idx="0">
+            <a:schemeClr val="accent1"/>
+          </a:effectRef>
+          <a:fontRef idx="minor">
+            <a:schemeClr val="tx1"/>
+          </a:fontRef>
+        </p:style>
+      </p:cxnSp>
+      <p:sp>
+        <p:nvSpPr>
+          <p:cNvPr id="9" name="TextBox 8"/>
+          <p:cNvSpPr txBox="1"/>
+          <p:nvPr/>
+        </p:nvSpPr>
+        <p:spPr>
+          <a:xfrm>
+            <a:off x="129702" y="71336"/>
+            <a:ext cx="5796074" cy="369332"/>
+          </a:xfrm>
+          <a:prstGeom prst="rect">
+            <a:avLst/>
+          </a:prstGeom>
+          <a:noFill/>
+        </p:spPr>
+        <p:txBody>
+          <a:bodyPr wrap="none" rtlCol="0">
+            <a:spAutoFit/>
+          </a:bodyPr>
+          <a:lstStyle/>
+          <a:p>
+            <a:r>
+              <a:rPr lang="en-US" altLang="ko-KR" b="1" dirty="0" smtClean="0"/>
+              <a:t>Spring boot , Oracle , jdbc , </a:t>
+            </a:r>
+            <a:r>
+              <a:rPr lang="en-US" altLang="ko-KR" b="1" dirty="0" err="1" smtClean="0"/>
+              <a:t>jdbcTemplate</a:t>
+            </a:r>
+            <a:r>
+              <a:rPr lang="en-US" altLang="ko-KR" b="1" dirty="0" smtClean="0"/>
+              <a:t>, </a:t>
+            </a:r>
+            <a:r>
+              <a:rPr lang="en-US" altLang="ko-KR" b="1" dirty="0" err="1" smtClean="0"/>
+              <a:t>mybatis</a:t>
+            </a:r>
+            <a:endParaRPr lang="ko-KR" altLang="en-US" b="1" dirty="0"/>
+          </a:p>
+        </p:txBody>
+      </p:sp>
+      <p:sp>
+        <p:nvSpPr>
+          <p:cNvPr id="10" name="TextBox 9"/>
+          <p:cNvSpPr txBox="1"/>
+          <p:nvPr/>
+        </p:nvSpPr>
+        <p:spPr>
+          <a:xfrm>
+            <a:off x="376136" y="784537"/>
+            <a:ext cx="5403787" cy="369332"/>
+          </a:xfrm>
+          <a:prstGeom prst="rect">
+            <a:avLst/>
+          </a:prstGeom>
+          <a:noFill/>
+        </p:spPr>
+        <p:txBody>
+          <a:bodyPr wrap="none" rtlCol="0">
+            <a:spAutoFit/>
+          </a:bodyPr>
+          <a:lstStyle/>
+          <a:p>
+            <a:r>
+              <a:rPr lang="en-US" altLang="ko-KR" b="1" dirty="0" smtClean="0">
+                <a:solidFill>
+                  <a:srgbClr val="0070C0"/>
+                </a:solidFill>
+              </a:rPr>
+              <a:t>DB – oracle  : People (id, name, age, </a:t>
+            </a:r>
+            <a:r>
+              <a:rPr lang="en-US" altLang="ko-KR" b="1" dirty="0" err="1" smtClean="0">
+                <a:solidFill>
+                  <a:srgbClr val="0070C0"/>
+                </a:solidFill>
+              </a:rPr>
+              <a:t>reg_date</a:t>
+            </a:r>
+            <a:r>
+              <a:rPr lang="en-US" altLang="ko-KR" b="1" dirty="0" smtClean="0">
+                <a:solidFill>
+                  <a:srgbClr val="0070C0"/>
+                </a:solidFill>
+              </a:rPr>
+              <a:t>) </a:t>
+            </a:r>
+            <a:endParaRPr lang="ko-KR" altLang="en-US" b="1" dirty="0">
+              <a:solidFill>
+                <a:srgbClr val="0070C0"/>
+              </a:solidFill>
+            </a:endParaRPr>
+          </a:p>
+        </p:txBody>
+      </p:sp>
+      <p:sp>
+        <p:nvSpPr>
+          <p:cNvPr id="11" name="TextBox 10"/>
+          <p:cNvSpPr txBox="1"/>
+          <p:nvPr/>
+        </p:nvSpPr>
+        <p:spPr>
+          <a:xfrm>
+            <a:off x="376136" y="1601821"/>
+            <a:ext cx="3591048" cy="369332"/>
+          </a:xfrm>
+          <a:prstGeom prst="rect">
+            <a:avLst/>
+          </a:prstGeom>
+          <a:noFill/>
+        </p:spPr>
+        <p:txBody>
+          <a:bodyPr wrap="none" rtlCol="0">
+            <a:spAutoFit/>
+          </a:bodyPr>
+          <a:lstStyle/>
+          <a:p>
+            <a:r>
+              <a:rPr lang="en-US" altLang="ko-KR" dirty="0" smtClean="0"/>
+              <a:t>Create Read Update Delete </a:t>
+            </a:r>
+            <a:r>
+              <a:rPr lang="ko-KR" altLang="en-US" dirty="0" smtClean="0"/>
+              <a:t>구현</a:t>
+            </a:r>
+            <a:endParaRPr lang="ko-KR" altLang="en-US" dirty="0"/>
+          </a:p>
+        </p:txBody>
+      </p:sp>
+      <p:pic>
+        <p:nvPicPr>
+          <p:cNvPr id="12" name="그림 11"/>
+          <p:cNvPicPr>
+            <a:picLocks noChangeAspect="1"/>
+          </p:cNvPicPr>
+          <p:nvPr/>
+        </p:nvPicPr>
+        <p:blipFill>
+          <a:blip r:embed="rId2"/>
+          <a:stretch>
+            <a:fillRect/>
+          </a:stretch>
+        </p:blipFill>
+        <p:spPr>
+          <a:xfrm>
+            <a:off x="326180" y="2063580"/>
+            <a:ext cx="3381375" cy="1952625"/>
+          </a:xfrm>
+          <a:prstGeom prst="rect">
+            <a:avLst/>
+          </a:prstGeom>
+          <a:ln>
+            <a:solidFill>
+              <a:schemeClr val="tx1"/>
+            </a:solidFill>
+          </a:ln>
+        </p:spPr>
+      </p:pic>
+      <p:sp>
+        <p:nvSpPr>
+          <p:cNvPr id="13" name="TextBox 12"/>
+          <p:cNvSpPr txBox="1"/>
+          <p:nvPr/>
+        </p:nvSpPr>
+        <p:spPr>
+          <a:xfrm>
+            <a:off x="1076528" y="2957062"/>
+            <a:ext cx="428322" cy="307777"/>
+          </a:xfrm>
+          <a:prstGeom prst="rect">
+            <a:avLst/>
+          </a:prstGeom>
+          <a:noFill/>
+        </p:spPr>
+        <p:txBody>
+          <a:bodyPr wrap="none" rtlCol="0">
+            <a:spAutoFit/>
+          </a:bodyPr>
+          <a:lstStyle/>
+          <a:p>
+            <a:r>
+              <a:rPr lang="en-US" altLang="ko-KR" sz="1400" b="1" dirty="0" smtClean="0">
+                <a:solidFill>
+                  <a:srgbClr val="FF0000"/>
+                </a:solidFill>
+              </a:rPr>
+              <a:t>(C)</a:t>
+            </a:r>
+            <a:endParaRPr lang="ko-KR" altLang="en-US" sz="1400" b="1" dirty="0">
+              <a:solidFill>
+                <a:srgbClr val="FF0000"/>
+              </a:solidFill>
+            </a:endParaRPr>
+          </a:p>
+        </p:txBody>
+      </p:sp>
+      <p:pic>
+        <p:nvPicPr>
+          <p:cNvPr id="15" name="그림 14"/>
+          <p:cNvPicPr>
+            <a:picLocks noChangeAspect="1"/>
+          </p:cNvPicPr>
+          <p:nvPr/>
+        </p:nvPicPr>
+        <p:blipFill>
+          <a:blip r:embed="rId3"/>
+          <a:stretch>
+            <a:fillRect/>
+          </a:stretch>
+        </p:blipFill>
+        <p:spPr>
+          <a:xfrm>
+            <a:off x="5034771" y="2063580"/>
+            <a:ext cx="4038499" cy="2841907"/>
+          </a:xfrm>
+          <a:prstGeom prst="rect">
+            <a:avLst/>
+          </a:prstGeom>
+          <a:ln>
+            <a:solidFill>
+              <a:schemeClr val="tx1"/>
+            </a:solidFill>
+          </a:ln>
+        </p:spPr>
+      </p:pic>
+      <p:sp>
+        <p:nvSpPr>
+          <p:cNvPr id="14" name="TextBox 13"/>
+          <p:cNvSpPr txBox="1"/>
+          <p:nvPr/>
+        </p:nvSpPr>
+        <p:spPr>
+          <a:xfrm>
+            <a:off x="1646464" y="3410142"/>
+            <a:ext cx="429926" cy="307777"/>
+          </a:xfrm>
+          <a:prstGeom prst="rect">
+            <a:avLst/>
+          </a:prstGeom>
+          <a:noFill/>
+        </p:spPr>
+        <p:txBody>
+          <a:bodyPr wrap="none" rtlCol="0">
+            <a:spAutoFit/>
+          </a:bodyPr>
+          <a:lstStyle/>
+          <a:p>
+            <a:r>
+              <a:rPr lang="en-US" altLang="ko-KR" sz="1400" b="1" dirty="0" smtClean="0">
+                <a:solidFill>
+                  <a:srgbClr val="FF0000"/>
+                </a:solidFill>
+              </a:rPr>
+              <a:t>(R)</a:t>
+            </a:r>
+            <a:endParaRPr lang="ko-KR" altLang="en-US" sz="1400" b="1" dirty="0">
+              <a:solidFill>
+                <a:srgbClr val="FF0000"/>
+              </a:solidFill>
+            </a:endParaRPr>
+          </a:p>
+        </p:txBody>
+      </p:sp>
+      <p:sp>
+        <p:nvSpPr>
+          <p:cNvPr id="16" name="TextBox 15"/>
+          <p:cNvSpPr txBox="1"/>
+          <p:nvPr/>
+        </p:nvSpPr>
+        <p:spPr>
+          <a:xfrm>
+            <a:off x="5779923" y="2800394"/>
+            <a:ext cx="429926" cy="307777"/>
+          </a:xfrm>
+          <a:prstGeom prst="rect">
+            <a:avLst/>
+          </a:prstGeom>
+          <a:noFill/>
+        </p:spPr>
+        <p:txBody>
+          <a:bodyPr wrap="none" rtlCol="0">
+            <a:spAutoFit/>
+          </a:bodyPr>
+          <a:lstStyle/>
+          <a:p>
+            <a:r>
+              <a:rPr lang="en-US" altLang="ko-KR" sz="1400" b="1" dirty="0" smtClean="0">
+                <a:solidFill>
+                  <a:srgbClr val="FF0000"/>
+                </a:solidFill>
+              </a:rPr>
+              <a:t>(R)</a:t>
+            </a:r>
+            <a:endParaRPr lang="ko-KR" altLang="en-US" sz="1400" b="1" dirty="0">
+              <a:solidFill>
+                <a:srgbClr val="FF0000"/>
+              </a:solidFill>
+            </a:endParaRPr>
+          </a:p>
+        </p:txBody>
+      </p:sp>
+      <p:sp>
+        <p:nvSpPr>
+          <p:cNvPr id="17" name="TextBox 16"/>
+          <p:cNvSpPr txBox="1"/>
+          <p:nvPr/>
+        </p:nvSpPr>
+        <p:spPr>
+          <a:xfrm>
+            <a:off x="8740374" y="3633730"/>
+            <a:ext cx="447558" cy="307777"/>
+          </a:xfrm>
+          <a:prstGeom prst="rect">
+            <a:avLst/>
+          </a:prstGeom>
+          <a:noFill/>
+        </p:spPr>
+        <p:txBody>
+          <a:bodyPr wrap="none" rtlCol="0">
+            <a:spAutoFit/>
+          </a:bodyPr>
+          <a:lstStyle/>
+          <a:p>
+            <a:r>
+              <a:rPr lang="en-US" altLang="ko-KR" sz="1400" b="1" dirty="0" smtClean="0">
+                <a:solidFill>
+                  <a:srgbClr val="FF0000"/>
+                </a:solidFill>
+              </a:rPr>
+              <a:t>(D)</a:t>
+            </a:r>
+            <a:endParaRPr lang="ko-KR" altLang="en-US" sz="1400" b="1" dirty="0">
+              <a:solidFill>
+                <a:srgbClr val="FF0000"/>
+              </a:solidFill>
+            </a:endParaRPr>
+          </a:p>
+        </p:txBody>
+      </p:sp>
+      <p:sp>
+        <p:nvSpPr>
+          <p:cNvPr id="18" name="TextBox 17"/>
+          <p:cNvSpPr txBox="1"/>
+          <p:nvPr/>
+        </p:nvSpPr>
+        <p:spPr>
+          <a:xfrm>
+            <a:off x="5034771" y="4246573"/>
+            <a:ext cx="444352" cy="307777"/>
+          </a:xfrm>
+          <a:prstGeom prst="rect">
+            <a:avLst/>
+          </a:prstGeom>
+          <a:noFill/>
+        </p:spPr>
+        <p:txBody>
+          <a:bodyPr wrap="none" rtlCol="0">
+            <a:spAutoFit/>
+          </a:bodyPr>
+          <a:lstStyle/>
+          <a:p>
+            <a:r>
+              <a:rPr lang="en-US" altLang="ko-KR" sz="1400" b="1" dirty="0" smtClean="0">
+                <a:solidFill>
+                  <a:srgbClr val="FF0000"/>
+                </a:solidFill>
+              </a:rPr>
+              <a:t>(U)</a:t>
+            </a:r>
+            <a:endParaRPr lang="ko-KR" altLang="en-US" sz="1400" b="1" dirty="0">
+              <a:solidFill>
+                <a:srgbClr val="FF0000"/>
+              </a:solidFill>
+            </a:endParaRPr>
+          </a:p>
+        </p:txBody>
+      </p:sp>
+    </p:spTree>
+    <p:extLst>
+      <p:ext uri="{BB962C8B-B14F-4D97-AF65-F5344CB8AC3E}">
+        <p14:creationId xmlns:p14="http://schemas.microsoft.com/office/powerpoint/2010/main" val="562708884"/>
+      </p:ext>
+    </p:extLst>
+  </p:cSld>
+  <p:clrMapOvr>
+    <a:masterClrMapping/>
+  </p:clrMapOvr>
+</p:sld>
+</file>
+
+<file path=ppt/slides/slide19.xml><?xml version="1.0" encoding="utf-8"?>
+<p:sld xmlns:a="http://schemas.openxmlformats.org/drawingml/2006/main" xmlns:r="http://schemas.openxmlformats.org/officeDocument/2006/relationships" xmlns:p="http://schemas.openxmlformats.org/presentationml/2006/main">
+  <p:cSld>
+    <p:spTree>
+      <p:nvGrpSpPr>
+        <p:cNvPr id="1" name=""/>
+        <p:cNvGrpSpPr/>
+        <p:nvPr/>
+      </p:nvGrpSpPr>
+      <p:grpSpPr>
+        <a:xfrm>
+          <a:off x="0" y="0"/>
+          <a:ext cx="0" cy="0"/>
+          <a:chOff x="0" y="0"/>
+          <a:chExt cx="0" cy="0"/>
+        </a:xfrm>
+      </p:grpSpPr>
+      <p:cxnSp>
+        <p:nvCxnSpPr>
+          <p:cNvPr id="8" name="직선 연결선 7"/>
+          <p:cNvCxnSpPr/>
+          <p:nvPr/>
+        </p:nvCxnSpPr>
+        <p:spPr>
+          <a:xfrm>
+            <a:off x="0" y="544749"/>
+            <a:ext cx="12192000" cy="0"/>
+          </a:xfrm>
+          <a:prstGeom prst="line">
+            <a:avLst/>
+          </a:prstGeom>
+          <a:ln>
+            <a:solidFill>
+              <a:schemeClr val="tx1"/>
+            </a:solidFill>
+          </a:ln>
+        </p:spPr>
+        <p:style>
+          <a:lnRef idx="1">
+            <a:schemeClr val="accent1"/>
+          </a:lnRef>
+          <a:fillRef idx="0">
+            <a:schemeClr val="accent1"/>
+          </a:fillRef>
+          <a:effectRef idx="0">
+            <a:schemeClr val="accent1"/>
+          </a:effectRef>
+          <a:fontRef idx="minor">
+            <a:schemeClr val="tx1"/>
+          </a:fontRef>
+        </p:style>
+      </p:cxnSp>
+      <p:sp>
+        <p:nvSpPr>
+          <p:cNvPr id="9" name="TextBox 8"/>
+          <p:cNvSpPr txBox="1"/>
+          <p:nvPr/>
+        </p:nvSpPr>
+        <p:spPr>
+          <a:xfrm>
+            <a:off x="129702" y="71336"/>
+            <a:ext cx="5796074" cy="369332"/>
+          </a:xfrm>
+          <a:prstGeom prst="rect">
+            <a:avLst/>
+          </a:prstGeom>
+          <a:noFill/>
+        </p:spPr>
+        <p:txBody>
+          <a:bodyPr wrap="none" rtlCol="0">
+            <a:spAutoFit/>
+          </a:bodyPr>
+          <a:lstStyle/>
+          <a:p>
+            <a:r>
+              <a:rPr lang="en-US" altLang="ko-KR" b="1" dirty="0" smtClean="0"/>
+              <a:t>Spring boot , Oracle , jdbc , </a:t>
+            </a:r>
+            <a:r>
+              <a:rPr lang="en-US" altLang="ko-KR" b="1" dirty="0" err="1" smtClean="0">
+                <a:solidFill>
+                  <a:srgbClr val="FF0000"/>
+                </a:solidFill>
+              </a:rPr>
+              <a:t>jdbcTemplate</a:t>
+            </a:r>
+            <a:r>
+              <a:rPr lang="en-US" altLang="ko-KR" b="1" dirty="0" smtClean="0"/>
+              <a:t>, </a:t>
+            </a:r>
+            <a:r>
+              <a:rPr lang="en-US" altLang="ko-KR" b="1" dirty="0" err="1" smtClean="0"/>
+              <a:t>mybatis</a:t>
+            </a:r>
+            <a:endParaRPr lang="ko-KR" altLang="en-US" b="1" dirty="0"/>
+          </a:p>
+        </p:txBody>
+      </p:sp>
+      <p:sp>
+        <p:nvSpPr>
+          <p:cNvPr id="10" name="TextBox 9"/>
+          <p:cNvSpPr txBox="1"/>
+          <p:nvPr/>
+        </p:nvSpPr>
+        <p:spPr>
+          <a:xfrm>
+            <a:off x="376136" y="784537"/>
+            <a:ext cx="5403787" cy="369332"/>
+          </a:xfrm>
+          <a:prstGeom prst="rect">
+            <a:avLst/>
+          </a:prstGeom>
+          <a:noFill/>
+        </p:spPr>
+        <p:txBody>
+          <a:bodyPr wrap="none" rtlCol="0">
+            <a:spAutoFit/>
+          </a:bodyPr>
+          <a:lstStyle/>
+          <a:p>
+            <a:r>
+              <a:rPr lang="en-US" altLang="ko-KR" b="1" dirty="0" smtClean="0">
+                <a:solidFill>
+                  <a:srgbClr val="0070C0"/>
+                </a:solidFill>
+              </a:rPr>
+              <a:t>DB – oracle  : People (id, name, age, </a:t>
+            </a:r>
+            <a:r>
+              <a:rPr lang="en-US" altLang="ko-KR" b="1" dirty="0" err="1" smtClean="0">
+                <a:solidFill>
+                  <a:srgbClr val="0070C0"/>
+                </a:solidFill>
+              </a:rPr>
+              <a:t>reg_date</a:t>
+            </a:r>
+            <a:r>
+              <a:rPr lang="en-US" altLang="ko-KR" b="1" dirty="0" smtClean="0">
+                <a:solidFill>
+                  <a:srgbClr val="0070C0"/>
+                </a:solidFill>
+              </a:rPr>
+              <a:t>) </a:t>
+            </a:r>
+            <a:endParaRPr lang="ko-KR" altLang="en-US" b="1" dirty="0">
+              <a:solidFill>
+                <a:srgbClr val="0070C0"/>
+              </a:solidFill>
+            </a:endParaRPr>
+          </a:p>
+        </p:txBody>
+      </p:sp>
+      <p:sp>
+        <p:nvSpPr>
+          <p:cNvPr id="3" name="TextBox 2"/>
+          <p:cNvSpPr txBox="1"/>
+          <p:nvPr/>
+        </p:nvSpPr>
+        <p:spPr>
+          <a:xfrm>
+            <a:off x="940279" y="1658194"/>
+            <a:ext cx="1215333" cy="369332"/>
+          </a:xfrm>
+          <a:prstGeom prst="rect">
+            <a:avLst/>
+          </a:prstGeom>
+          <a:noFill/>
+        </p:spPr>
+        <p:txBody>
+          <a:bodyPr wrap="none" rtlCol="0">
+            <a:spAutoFit/>
+          </a:bodyPr>
+          <a:lstStyle/>
+          <a:p>
+            <a:r>
+              <a:rPr lang="en-US" altLang="ko-KR" dirty="0" smtClean="0">
+                <a:solidFill>
+                  <a:srgbClr val="FF0000"/>
+                </a:solidFill>
+              </a:rPr>
+              <a:t>Controller</a:t>
+            </a:r>
+            <a:endParaRPr lang="ko-KR" altLang="en-US" dirty="0">
+              <a:solidFill>
+                <a:srgbClr val="FF0000"/>
+              </a:solidFill>
+            </a:endParaRPr>
+          </a:p>
+        </p:txBody>
+      </p:sp>
+      <p:sp>
+        <p:nvSpPr>
+          <p:cNvPr id="19" name="TextBox 18"/>
+          <p:cNvSpPr txBox="1"/>
+          <p:nvPr/>
+        </p:nvSpPr>
+        <p:spPr>
+          <a:xfrm>
+            <a:off x="3930770" y="1658194"/>
+            <a:ext cx="925638" cy="369332"/>
+          </a:xfrm>
+          <a:prstGeom prst="rect">
+            <a:avLst/>
+          </a:prstGeom>
+          <a:noFill/>
+        </p:spPr>
+        <p:txBody>
+          <a:bodyPr wrap="none" rtlCol="0">
+            <a:spAutoFit/>
+          </a:bodyPr>
+          <a:lstStyle/>
+          <a:p>
+            <a:r>
+              <a:rPr lang="en-US" altLang="ko-KR" dirty="0" smtClean="0">
+                <a:solidFill>
+                  <a:srgbClr val="FF0000"/>
+                </a:solidFill>
+              </a:rPr>
+              <a:t>Service</a:t>
+            </a:r>
+            <a:endParaRPr lang="ko-KR" altLang="en-US" dirty="0">
+              <a:solidFill>
+                <a:srgbClr val="FF0000"/>
+              </a:solidFill>
+            </a:endParaRPr>
+          </a:p>
+        </p:txBody>
+      </p:sp>
+      <p:sp>
+        <p:nvSpPr>
+          <p:cNvPr id="20" name="TextBox 19"/>
+          <p:cNvSpPr txBox="1"/>
+          <p:nvPr/>
+        </p:nvSpPr>
+        <p:spPr>
+          <a:xfrm>
+            <a:off x="6860875" y="1658194"/>
+            <a:ext cx="607859" cy="369332"/>
+          </a:xfrm>
+          <a:prstGeom prst="rect">
+            <a:avLst/>
+          </a:prstGeom>
+          <a:noFill/>
+        </p:spPr>
+        <p:txBody>
+          <a:bodyPr wrap="none" rtlCol="0">
+            <a:spAutoFit/>
+          </a:bodyPr>
+          <a:lstStyle/>
+          <a:p>
+            <a:r>
+              <a:rPr lang="en-US" altLang="ko-KR" dirty="0" smtClean="0">
+                <a:solidFill>
+                  <a:srgbClr val="FF0000"/>
+                </a:solidFill>
+              </a:rPr>
+              <a:t>Dao</a:t>
+            </a:r>
+            <a:endParaRPr lang="ko-KR" altLang="en-US" dirty="0">
+              <a:solidFill>
+                <a:srgbClr val="FF0000"/>
+              </a:solidFill>
+            </a:endParaRPr>
+          </a:p>
+        </p:txBody>
+      </p:sp>
+      <p:sp>
+        <p:nvSpPr>
+          <p:cNvPr id="21" name="TextBox 20"/>
+          <p:cNvSpPr txBox="1"/>
+          <p:nvPr/>
+        </p:nvSpPr>
+        <p:spPr>
+          <a:xfrm>
+            <a:off x="8063197" y="1857089"/>
+            <a:ext cx="443904" cy="307777"/>
+          </a:xfrm>
+          <a:prstGeom prst="rect">
+            <a:avLst/>
+          </a:prstGeom>
+          <a:noFill/>
+        </p:spPr>
+        <p:txBody>
+          <a:bodyPr wrap="none" rtlCol="0">
+            <a:spAutoFit/>
+          </a:bodyPr>
+          <a:lstStyle/>
+          <a:p>
+            <a:r>
+              <a:rPr lang="en-US" altLang="ko-KR" sz="1400" b="1" dirty="0" smtClean="0"/>
+              <a:t>VO</a:t>
+            </a:r>
+            <a:endParaRPr lang="ko-KR" altLang="en-US" sz="1400" b="1" dirty="0"/>
+          </a:p>
+        </p:txBody>
+      </p:sp>
+      <p:sp>
+        <p:nvSpPr>
+          <p:cNvPr id="4" name="순서도: 자기 디스크 3"/>
+          <p:cNvSpPr/>
+          <p:nvPr/>
+        </p:nvSpPr>
+        <p:spPr>
+          <a:xfrm>
+            <a:off x="9066361" y="2342074"/>
+            <a:ext cx="1406106" cy="1708030"/>
+          </a:xfrm>
+          <a:prstGeom prst="flowChartMagneticDisk">
+            <a:avLst/>
+          </a:prstGeom>
+        </p:spPr>
+        <p:style>
+          <a:lnRef idx="2">
+            <a:schemeClr val="accent1">
+              <a:shade val="50000"/>
+            </a:schemeClr>
+          </a:lnRef>
+          <a:fillRef idx="1">
+            <a:schemeClr val="accent1"/>
+          </a:fillRef>
+          <a:effectRef idx="0">
+            <a:schemeClr val="accent1"/>
+          </a:effectRef>
+          <a:fontRef idx="minor">
+            <a:schemeClr val="lt1"/>
+          </a:fontRef>
+        </p:style>
+        <p:txBody>
+          <a:bodyPr rtlCol="0" anchor="ctr"/>
+          <a:lstStyle/>
+          <a:p>
+            <a:pPr algn="ctr"/>
+            <a:r>
+              <a:rPr lang="en-US" altLang="ko-KR" dirty="0" smtClean="0"/>
+              <a:t>DB</a:t>
+            </a:r>
+            <a:endParaRPr lang="ko-KR" altLang="en-US" dirty="0"/>
+          </a:p>
+        </p:txBody>
+      </p:sp>
+      <p:sp>
+        <p:nvSpPr>
+          <p:cNvPr id="5" name="직사각형 4"/>
+          <p:cNvSpPr/>
+          <p:nvPr/>
+        </p:nvSpPr>
+        <p:spPr>
+          <a:xfrm>
+            <a:off x="810386" y="2234247"/>
+            <a:ext cx="1457864" cy="304800"/>
+          </a:xfrm>
+          <a:prstGeom prst="rect">
+            <a:avLst/>
+          </a:prstGeom>
+          <a:noFill/>
+        </p:spPr>
+        <p:style>
+          <a:lnRef idx="2">
+            <a:schemeClr val="accent1">
+              <a:shade val="50000"/>
+            </a:schemeClr>
+          </a:lnRef>
+          <a:fillRef idx="1">
+            <a:schemeClr val="accent1"/>
+          </a:fillRef>
+          <a:effectRef idx="0">
+            <a:schemeClr val="accent1"/>
+          </a:effectRef>
+          <a:fontRef idx="minor">
+            <a:schemeClr val="lt1"/>
+          </a:fontRef>
+        </p:style>
+        <p:txBody>
+          <a:bodyPr rtlCol="0" anchor="ctr"/>
+          <a:lstStyle/>
+          <a:p>
+            <a:pPr algn="ctr"/>
+            <a:r>
+              <a:rPr lang="en-US" altLang="ko-KR" dirty="0" smtClean="0">
+                <a:solidFill>
+                  <a:schemeClr val="tx1"/>
+                </a:solidFill>
+              </a:rPr>
+              <a:t>Create</a:t>
+            </a:r>
+            <a:endParaRPr lang="ko-KR" altLang="en-US" dirty="0">
+              <a:solidFill>
+                <a:schemeClr val="tx1"/>
+              </a:solidFill>
+            </a:endParaRPr>
+          </a:p>
+        </p:txBody>
+      </p:sp>
+      <p:sp>
+        <p:nvSpPr>
+          <p:cNvPr id="22" name="직사각형 21"/>
+          <p:cNvSpPr/>
+          <p:nvPr/>
+        </p:nvSpPr>
+        <p:spPr>
+          <a:xfrm>
+            <a:off x="810386" y="2806464"/>
+            <a:ext cx="1457864" cy="304800"/>
+          </a:xfrm>
+          <a:prstGeom prst="rect">
+            <a:avLst/>
+          </a:prstGeom>
+          <a:noFill/>
+        </p:spPr>
+        <p:style>
+          <a:lnRef idx="2">
+            <a:schemeClr val="accent1">
+              <a:shade val="50000"/>
+            </a:schemeClr>
+          </a:lnRef>
+          <a:fillRef idx="1">
+            <a:schemeClr val="accent1"/>
+          </a:fillRef>
+          <a:effectRef idx="0">
+            <a:schemeClr val="accent1"/>
+          </a:effectRef>
+          <a:fontRef idx="minor">
+            <a:schemeClr val="lt1"/>
+          </a:fontRef>
+        </p:style>
+        <p:txBody>
+          <a:bodyPr rtlCol="0" anchor="ctr"/>
+          <a:lstStyle/>
+          <a:p>
+            <a:pPr algn="ctr"/>
+            <a:r>
+              <a:rPr lang="en-US" altLang="ko-KR" dirty="0" smtClean="0">
+                <a:solidFill>
+                  <a:schemeClr val="tx1"/>
+                </a:solidFill>
+              </a:rPr>
+              <a:t>Read</a:t>
+            </a:r>
+            <a:endParaRPr lang="ko-KR" altLang="en-US" dirty="0">
+              <a:solidFill>
+                <a:schemeClr val="tx1"/>
+              </a:solidFill>
+            </a:endParaRPr>
+          </a:p>
+        </p:txBody>
+      </p:sp>
+      <p:sp>
+        <p:nvSpPr>
+          <p:cNvPr id="23" name="직사각형 22"/>
+          <p:cNvSpPr/>
+          <p:nvPr/>
+        </p:nvSpPr>
+        <p:spPr>
+          <a:xfrm>
+            <a:off x="810386" y="3378681"/>
+            <a:ext cx="1457864" cy="304800"/>
+          </a:xfrm>
+          <a:prstGeom prst="rect">
+            <a:avLst/>
+          </a:prstGeom>
+          <a:noFill/>
+        </p:spPr>
+        <p:style>
+          <a:lnRef idx="2">
+            <a:schemeClr val="accent1">
+              <a:shade val="50000"/>
+            </a:schemeClr>
+          </a:lnRef>
+          <a:fillRef idx="1">
+            <a:schemeClr val="accent1"/>
+          </a:fillRef>
+          <a:effectRef idx="0">
+            <a:schemeClr val="accent1"/>
+          </a:effectRef>
+          <a:fontRef idx="minor">
+            <a:schemeClr val="lt1"/>
+          </a:fontRef>
+        </p:style>
+        <p:txBody>
+          <a:bodyPr rtlCol="0" anchor="ctr"/>
+          <a:lstStyle/>
+          <a:p>
+            <a:pPr algn="ctr"/>
+            <a:r>
+              <a:rPr lang="en-US" altLang="ko-KR" dirty="0" smtClean="0">
+                <a:solidFill>
+                  <a:schemeClr val="tx1"/>
+                </a:solidFill>
+              </a:rPr>
+              <a:t>Update</a:t>
+            </a:r>
+            <a:endParaRPr lang="ko-KR" altLang="en-US" dirty="0">
+              <a:solidFill>
+                <a:schemeClr val="tx1"/>
+              </a:solidFill>
+            </a:endParaRPr>
+          </a:p>
+        </p:txBody>
+      </p:sp>
+      <p:sp>
+        <p:nvSpPr>
+          <p:cNvPr id="24" name="직사각형 23"/>
+          <p:cNvSpPr/>
+          <p:nvPr/>
+        </p:nvSpPr>
+        <p:spPr>
+          <a:xfrm>
+            <a:off x="810386" y="3950898"/>
+            <a:ext cx="1457864" cy="304800"/>
+          </a:xfrm>
+          <a:prstGeom prst="rect">
+            <a:avLst/>
+          </a:prstGeom>
+          <a:noFill/>
+        </p:spPr>
+        <p:style>
+          <a:lnRef idx="2">
+            <a:schemeClr val="accent1">
+              <a:shade val="50000"/>
+            </a:schemeClr>
+          </a:lnRef>
+          <a:fillRef idx="1">
+            <a:schemeClr val="accent1"/>
+          </a:fillRef>
+          <a:effectRef idx="0">
+            <a:schemeClr val="accent1"/>
+          </a:effectRef>
+          <a:fontRef idx="minor">
+            <a:schemeClr val="lt1"/>
+          </a:fontRef>
+        </p:style>
+        <p:txBody>
+          <a:bodyPr rtlCol="0" anchor="ctr"/>
+          <a:lstStyle/>
+          <a:p>
+            <a:pPr algn="ctr"/>
+            <a:r>
+              <a:rPr lang="en-US" altLang="ko-KR" dirty="0" smtClean="0">
+                <a:solidFill>
+                  <a:schemeClr val="tx1"/>
+                </a:solidFill>
+              </a:rPr>
+              <a:t>Delete</a:t>
+            </a:r>
+            <a:endParaRPr lang="ko-KR" altLang="en-US" dirty="0">
+              <a:solidFill>
+                <a:schemeClr val="tx1"/>
+              </a:solidFill>
+            </a:endParaRPr>
+          </a:p>
+        </p:txBody>
+      </p:sp>
+      <p:sp>
+        <p:nvSpPr>
+          <p:cNvPr id="25" name="직사각형 24"/>
+          <p:cNvSpPr/>
+          <p:nvPr/>
+        </p:nvSpPr>
+        <p:spPr>
+          <a:xfrm>
+            <a:off x="3576590" y="2234247"/>
+            <a:ext cx="1457864" cy="304800"/>
+          </a:xfrm>
+          <a:prstGeom prst="rect">
+            <a:avLst/>
+          </a:prstGeom>
+          <a:noFill/>
+        </p:spPr>
+        <p:style>
+          <a:lnRef idx="2">
+            <a:schemeClr val="accent1">
+              <a:shade val="50000"/>
+            </a:schemeClr>
+          </a:lnRef>
+          <a:fillRef idx="1">
+            <a:schemeClr val="accent1"/>
+          </a:fillRef>
+          <a:effectRef idx="0">
+            <a:schemeClr val="accent1"/>
+          </a:effectRef>
+          <a:fontRef idx="minor">
+            <a:schemeClr val="lt1"/>
+          </a:fontRef>
+        </p:style>
+        <p:txBody>
+          <a:bodyPr rtlCol="0" anchor="ctr"/>
+          <a:lstStyle/>
+          <a:p>
+            <a:pPr algn="ctr"/>
+            <a:r>
+              <a:rPr lang="en-US" altLang="ko-KR" dirty="0" smtClean="0">
+                <a:solidFill>
+                  <a:schemeClr val="tx1"/>
+                </a:solidFill>
+              </a:rPr>
+              <a:t>Create</a:t>
+            </a:r>
+            <a:endParaRPr lang="ko-KR" altLang="en-US" dirty="0">
+              <a:solidFill>
+                <a:schemeClr val="tx1"/>
+              </a:solidFill>
+            </a:endParaRPr>
+          </a:p>
+        </p:txBody>
+      </p:sp>
+      <p:sp>
+        <p:nvSpPr>
+          <p:cNvPr id="26" name="직사각형 25"/>
+          <p:cNvSpPr/>
+          <p:nvPr/>
+        </p:nvSpPr>
+        <p:spPr>
+          <a:xfrm>
+            <a:off x="3576590" y="2806464"/>
+            <a:ext cx="1457864" cy="304800"/>
+          </a:xfrm>
+          <a:prstGeom prst="rect">
+            <a:avLst/>
+          </a:prstGeom>
+          <a:noFill/>
+        </p:spPr>
+        <p:style>
+          <a:lnRef idx="2">
+            <a:schemeClr val="accent1">
+              <a:shade val="50000"/>
+            </a:schemeClr>
+          </a:lnRef>
+          <a:fillRef idx="1">
+            <a:schemeClr val="accent1"/>
+          </a:fillRef>
+          <a:effectRef idx="0">
+            <a:schemeClr val="accent1"/>
+          </a:effectRef>
+          <a:fontRef idx="minor">
+            <a:schemeClr val="lt1"/>
+          </a:fontRef>
+        </p:style>
+        <p:txBody>
+          <a:bodyPr rtlCol="0" anchor="ctr"/>
+          <a:lstStyle/>
+          <a:p>
+            <a:pPr algn="ctr"/>
+            <a:r>
+              <a:rPr lang="en-US" altLang="ko-KR" dirty="0" smtClean="0">
+                <a:solidFill>
+                  <a:schemeClr val="tx1"/>
+                </a:solidFill>
+              </a:rPr>
+              <a:t>Read</a:t>
+            </a:r>
+            <a:endParaRPr lang="ko-KR" altLang="en-US" dirty="0">
+              <a:solidFill>
+                <a:schemeClr val="tx1"/>
+              </a:solidFill>
+            </a:endParaRPr>
+          </a:p>
+        </p:txBody>
+      </p:sp>
+      <p:sp>
+        <p:nvSpPr>
+          <p:cNvPr id="27" name="직사각형 26"/>
+          <p:cNvSpPr/>
+          <p:nvPr/>
+        </p:nvSpPr>
+        <p:spPr>
+          <a:xfrm>
+            <a:off x="3576590" y="3378681"/>
+            <a:ext cx="1457864" cy="304800"/>
+          </a:xfrm>
+          <a:prstGeom prst="rect">
+            <a:avLst/>
+          </a:prstGeom>
+          <a:noFill/>
+        </p:spPr>
+        <p:style>
+          <a:lnRef idx="2">
+            <a:schemeClr val="accent1">
+              <a:shade val="50000"/>
+            </a:schemeClr>
+          </a:lnRef>
+          <a:fillRef idx="1">
+            <a:schemeClr val="accent1"/>
+          </a:fillRef>
+          <a:effectRef idx="0">
+            <a:schemeClr val="accent1"/>
+          </a:effectRef>
+          <a:fontRef idx="minor">
+            <a:schemeClr val="lt1"/>
+          </a:fontRef>
+        </p:style>
+        <p:txBody>
+          <a:bodyPr rtlCol="0" anchor="ctr"/>
+          <a:lstStyle/>
+          <a:p>
+            <a:pPr algn="ctr"/>
+            <a:r>
+              <a:rPr lang="en-US" altLang="ko-KR" dirty="0" smtClean="0">
+                <a:solidFill>
+                  <a:schemeClr val="tx1"/>
+                </a:solidFill>
+              </a:rPr>
+              <a:t>Update</a:t>
+            </a:r>
+            <a:endParaRPr lang="ko-KR" altLang="en-US" dirty="0">
+              <a:solidFill>
+                <a:schemeClr val="tx1"/>
+              </a:solidFill>
+            </a:endParaRPr>
+          </a:p>
+        </p:txBody>
+      </p:sp>
+      <p:sp>
+        <p:nvSpPr>
+          <p:cNvPr id="28" name="직사각형 27"/>
+          <p:cNvSpPr/>
+          <p:nvPr/>
+        </p:nvSpPr>
+        <p:spPr>
+          <a:xfrm>
+            <a:off x="3576590" y="3950898"/>
+            <a:ext cx="1457864" cy="304800"/>
+          </a:xfrm>
+          <a:prstGeom prst="rect">
+            <a:avLst/>
+          </a:prstGeom>
+          <a:noFill/>
+        </p:spPr>
+        <p:style>
+          <a:lnRef idx="2">
+            <a:schemeClr val="accent1">
+              <a:shade val="50000"/>
+            </a:schemeClr>
+          </a:lnRef>
+          <a:fillRef idx="1">
+            <a:schemeClr val="accent1"/>
+          </a:fillRef>
+          <a:effectRef idx="0">
+            <a:schemeClr val="accent1"/>
+          </a:effectRef>
+          <a:fontRef idx="minor">
+            <a:schemeClr val="lt1"/>
+          </a:fontRef>
+        </p:style>
+        <p:txBody>
+          <a:bodyPr rtlCol="0" anchor="ctr"/>
+          <a:lstStyle/>
+          <a:p>
+            <a:pPr algn="ctr"/>
+            <a:r>
+              <a:rPr lang="en-US" altLang="ko-KR" dirty="0" smtClean="0">
+                <a:solidFill>
+                  <a:schemeClr val="tx1"/>
+                </a:solidFill>
+              </a:rPr>
+              <a:t>Delete</a:t>
+            </a:r>
+            <a:endParaRPr lang="ko-KR" altLang="en-US" dirty="0">
+              <a:solidFill>
+                <a:schemeClr val="tx1"/>
+              </a:solidFill>
+            </a:endParaRPr>
+          </a:p>
+        </p:txBody>
+      </p:sp>
+      <p:sp>
+        <p:nvSpPr>
+          <p:cNvPr id="29" name="직사각형 28"/>
+          <p:cNvSpPr/>
+          <p:nvPr/>
+        </p:nvSpPr>
+        <p:spPr>
+          <a:xfrm>
+            <a:off x="6382554" y="2234247"/>
+            <a:ext cx="1457864" cy="304800"/>
+          </a:xfrm>
+          <a:prstGeom prst="rect">
+            <a:avLst/>
+          </a:prstGeom>
+          <a:noFill/>
+        </p:spPr>
+        <p:style>
+          <a:lnRef idx="2">
+            <a:schemeClr val="accent1">
+              <a:shade val="50000"/>
+            </a:schemeClr>
+          </a:lnRef>
+          <a:fillRef idx="1">
+            <a:schemeClr val="accent1"/>
+          </a:fillRef>
+          <a:effectRef idx="0">
+            <a:schemeClr val="accent1"/>
+          </a:effectRef>
+          <a:fontRef idx="minor">
+            <a:schemeClr val="lt1"/>
+          </a:fontRef>
+        </p:style>
+        <p:txBody>
+          <a:bodyPr rtlCol="0" anchor="ctr"/>
+          <a:lstStyle/>
+          <a:p>
+            <a:pPr algn="ctr"/>
+            <a:r>
+              <a:rPr lang="en-US" altLang="ko-KR" dirty="0" smtClean="0">
+                <a:solidFill>
+                  <a:schemeClr val="tx1"/>
+                </a:solidFill>
+              </a:rPr>
+              <a:t>Create</a:t>
+            </a:r>
+            <a:endParaRPr lang="ko-KR" altLang="en-US" dirty="0">
+              <a:solidFill>
+                <a:schemeClr val="tx1"/>
+              </a:solidFill>
+            </a:endParaRPr>
+          </a:p>
+        </p:txBody>
+      </p:sp>
+      <p:sp>
+        <p:nvSpPr>
+          <p:cNvPr id="30" name="직사각형 29"/>
+          <p:cNvSpPr/>
+          <p:nvPr/>
+        </p:nvSpPr>
+        <p:spPr>
+          <a:xfrm>
+            <a:off x="6382554" y="2806464"/>
+            <a:ext cx="1457864" cy="304800"/>
+          </a:xfrm>
+          <a:prstGeom prst="rect">
+            <a:avLst/>
+          </a:prstGeom>
+          <a:noFill/>
+        </p:spPr>
+        <p:style>
+          <a:lnRef idx="2">
+            <a:schemeClr val="accent1">
+              <a:shade val="50000"/>
+            </a:schemeClr>
+          </a:lnRef>
+          <a:fillRef idx="1">
+            <a:schemeClr val="accent1"/>
+          </a:fillRef>
+          <a:effectRef idx="0">
+            <a:schemeClr val="accent1"/>
+          </a:effectRef>
+          <a:fontRef idx="minor">
+            <a:schemeClr val="lt1"/>
+          </a:fontRef>
+        </p:style>
+        <p:txBody>
+          <a:bodyPr rtlCol="0" anchor="ctr"/>
+          <a:lstStyle/>
+          <a:p>
+            <a:pPr algn="ctr"/>
+            <a:r>
+              <a:rPr lang="en-US" altLang="ko-KR" dirty="0" smtClean="0">
+                <a:solidFill>
+                  <a:schemeClr val="tx1"/>
+                </a:solidFill>
+              </a:rPr>
+              <a:t>Read</a:t>
+            </a:r>
+            <a:endParaRPr lang="ko-KR" altLang="en-US" dirty="0">
+              <a:solidFill>
+                <a:schemeClr val="tx1"/>
+              </a:solidFill>
+            </a:endParaRPr>
+          </a:p>
+        </p:txBody>
+      </p:sp>
+      <p:sp>
+        <p:nvSpPr>
+          <p:cNvPr id="31" name="직사각형 30"/>
+          <p:cNvSpPr/>
+          <p:nvPr/>
+        </p:nvSpPr>
+        <p:spPr>
+          <a:xfrm>
+            <a:off x="6382554" y="3378681"/>
+            <a:ext cx="1457864" cy="304800"/>
+          </a:xfrm>
+          <a:prstGeom prst="rect">
+            <a:avLst/>
+          </a:prstGeom>
+          <a:noFill/>
+        </p:spPr>
+        <p:style>
+          <a:lnRef idx="2">
+            <a:schemeClr val="accent1">
+              <a:shade val="50000"/>
+            </a:schemeClr>
+          </a:lnRef>
+          <a:fillRef idx="1">
+            <a:schemeClr val="accent1"/>
+          </a:fillRef>
+          <a:effectRef idx="0">
+            <a:schemeClr val="accent1"/>
+          </a:effectRef>
+          <a:fontRef idx="minor">
+            <a:schemeClr val="lt1"/>
+          </a:fontRef>
+        </p:style>
+        <p:txBody>
+          <a:bodyPr rtlCol="0" anchor="ctr"/>
+          <a:lstStyle/>
+          <a:p>
+            <a:pPr algn="ctr"/>
+            <a:r>
+              <a:rPr lang="en-US" altLang="ko-KR" dirty="0" smtClean="0">
+                <a:solidFill>
+                  <a:schemeClr val="tx1"/>
+                </a:solidFill>
+              </a:rPr>
+              <a:t>Update</a:t>
+            </a:r>
+            <a:endParaRPr lang="ko-KR" altLang="en-US" dirty="0">
+              <a:solidFill>
+                <a:schemeClr val="tx1"/>
+              </a:solidFill>
+            </a:endParaRPr>
+          </a:p>
+        </p:txBody>
+      </p:sp>
+      <p:sp>
+        <p:nvSpPr>
+          <p:cNvPr id="32" name="직사각형 31"/>
+          <p:cNvSpPr/>
+          <p:nvPr/>
+        </p:nvSpPr>
+        <p:spPr>
+          <a:xfrm>
+            <a:off x="6382554" y="3950898"/>
+            <a:ext cx="1457864" cy="304800"/>
+          </a:xfrm>
+          <a:prstGeom prst="rect">
+            <a:avLst/>
+          </a:prstGeom>
+          <a:noFill/>
+        </p:spPr>
+        <p:style>
+          <a:lnRef idx="2">
+            <a:schemeClr val="accent1">
+              <a:shade val="50000"/>
+            </a:schemeClr>
+          </a:lnRef>
+          <a:fillRef idx="1">
+            <a:schemeClr val="accent1"/>
+          </a:fillRef>
+          <a:effectRef idx="0">
+            <a:schemeClr val="accent1"/>
+          </a:effectRef>
+          <a:fontRef idx="minor">
+            <a:schemeClr val="lt1"/>
+          </a:fontRef>
+        </p:style>
+        <p:txBody>
+          <a:bodyPr rtlCol="0" anchor="ctr"/>
+          <a:lstStyle/>
+          <a:p>
+            <a:pPr algn="ctr"/>
+            <a:r>
+              <a:rPr lang="en-US" altLang="ko-KR" dirty="0" smtClean="0">
+                <a:solidFill>
+                  <a:schemeClr val="tx1"/>
+                </a:solidFill>
+              </a:rPr>
+              <a:t>Delete</a:t>
+            </a:r>
+            <a:endParaRPr lang="ko-KR" altLang="en-US" dirty="0">
+              <a:solidFill>
+                <a:schemeClr val="tx1"/>
+              </a:solidFill>
+            </a:endParaRPr>
+          </a:p>
+        </p:txBody>
+      </p:sp>
+      <p:cxnSp>
+        <p:nvCxnSpPr>
+          <p:cNvPr id="37" name="직선 화살표 연결선 36"/>
+          <p:cNvCxnSpPr>
+            <a:stCxn id="5" idx="3"/>
+            <a:endCxn id="25" idx="1"/>
+          </p:cNvCxnSpPr>
+          <p:nvPr/>
+        </p:nvCxnSpPr>
+        <p:spPr>
+          <a:xfrm>
+            <a:off x="2268250" y="2386647"/>
+            <a:ext cx="1308340" cy="0"/>
+          </a:xfrm>
+          <a:prstGeom prst="straightConnector1">
+            <a:avLst/>
+          </a:prstGeom>
+          <a:ln>
+            <a:headEnd type="triangle"/>
+            <a:tailEnd type="triangle"/>
+          </a:ln>
+        </p:spPr>
+        <p:style>
+          <a:lnRef idx="1">
+            <a:schemeClr val="accent1"/>
+          </a:lnRef>
+          <a:fillRef idx="0">
+            <a:schemeClr val="accent1"/>
+          </a:fillRef>
+          <a:effectRef idx="0">
+            <a:schemeClr val="accent1"/>
+          </a:effectRef>
+          <a:fontRef idx="minor">
+            <a:schemeClr val="tx1"/>
+          </a:fontRef>
+        </p:style>
+      </p:cxnSp>
+      <p:cxnSp>
+        <p:nvCxnSpPr>
+          <p:cNvPr id="40" name="직선 화살표 연결선 39"/>
+          <p:cNvCxnSpPr>
+            <a:stCxn id="25" idx="3"/>
+            <a:endCxn id="29" idx="1"/>
+          </p:cNvCxnSpPr>
+          <p:nvPr/>
+        </p:nvCxnSpPr>
+        <p:spPr>
+          <a:xfrm>
+            <a:off x="5034454" y="2386647"/>
+            <a:ext cx="1348100" cy="0"/>
+          </a:xfrm>
+          <a:prstGeom prst="straightConnector1">
+            <a:avLst/>
+          </a:prstGeom>
+          <a:ln>
+            <a:headEnd type="triangle"/>
+            <a:tailEnd type="triangle"/>
+          </a:ln>
+        </p:spPr>
+        <p:style>
+          <a:lnRef idx="1">
+            <a:schemeClr val="accent1"/>
+          </a:lnRef>
+          <a:fillRef idx="0">
+            <a:schemeClr val="accent1"/>
+          </a:fillRef>
+          <a:effectRef idx="0">
+            <a:schemeClr val="accent1"/>
+          </a:effectRef>
+          <a:fontRef idx="minor">
+            <a:schemeClr val="tx1"/>
+          </a:fontRef>
+        </p:style>
+      </p:cxnSp>
+      <p:cxnSp>
+        <p:nvCxnSpPr>
+          <p:cNvPr id="43" name="직선 화살표 연결선 42"/>
+          <p:cNvCxnSpPr/>
+          <p:nvPr/>
+        </p:nvCxnSpPr>
+        <p:spPr>
+          <a:xfrm>
+            <a:off x="5034454" y="2970371"/>
+            <a:ext cx="1348100" cy="0"/>
+          </a:xfrm>
+          <a:prstGeom prst="straightConnector1">
+            <a:avLst/>
+          </a:prstGeom>
+          <a:ln>
+            <a:headEnd type="triangle"/>
+            <a:tailEnd type="triangle"/>
+          </a:ln>
+        </p:spPr>
+        <p:style>
+          <a:lnRef idx="1">
+            <a:schemeClr val="accent1"/>
+          </a:lnRef>
+          <a:fillRef idx="0">
+            <a:schemeClr val="accent1"/>
+          </a:fillRef>
+          <a:effectRef idx="0">
+            <a:schemeClr val="accent1"/>
+          </a:effectRef>
+          <a:fontRef idx="minor">
+            <a:schemeClr val="tx1"/>
+          </a:fontRef>
+        </p:style>
+      </p:cxnSp>
+      <p:cxnSp>
+        <p:nvCxnSpPr>
+          <p:cNvPr id="44" name="직선 화살표 연결선 43"/>
+          <p:cNvCxnSpPr/>
+          <p:nvPr/>
+        </p:nvCxnSpPr>
+        <p:spPr>
+          <a:xfrm>
+            <a:off x="5034454" y="3531090"/>
+            <a:ext cx="1348100" cy="0"/>
+          </a:xfrm>
+          <a:prstGeom prst="straightConnector1">
+            <a:avLst/>
+          </a:prstGeom>
+          <a:ln>
+            <a:headEnd type="triangle"/>
+            <a:tailEnd type="triangle"/>
+          </a:ln>
+        </p:spPr>
+        <p:style>
+          <a:lnRef idx="1">
+            <a:schemeClr val="accent1"/>
+          </a:lnRef>
+          <a:fillRef idx="0">
+            <a:schemeClr val="accent1"/>
+          </a:fillRef>
+          <a:effectRef idx="0">
+            <a:schemeClr val="accent1"/>
+          </a:effectRef>
+          <a:fontRef idx="minor">
+            <a:schemeClr val="tx1"/>
+          </a:fontRef>
+        </p:style>
+      </p:cxnSp>
+      <p:cxnSp>
+        <p:nvCxnSpPr>
+          <p:cNvPr id="45" name="직선 화살표 연결선 44"/>
+          <p:cNvCxnSpPr/>
+          <p:nvPr/>
+        </p:nvCxnSpPr>
+        <p:spPr>
+          <a:xfrm>
+            <a:off x="5034454" y="4077430"/>
+            <a:ext cx="1348100" cy="0"/>
+          </a:xfrm>
+          <a:prstGeom prst="straightConnector1">
+            <a:avLst/>
+          </a:prstGeom>
+          <a:ln>
+            <a:headEnd type="triangle"/>
+            <a:tailEnd type="triangle"/>
+          </a:ln>
+        </p:spPr>
+        <p:style>
+          <a:lnRef idx="1">
+            <a:schemeClr val="accent1"/>
+          </a:lnRef>
+          <a:fillRef idx="0">
+            <a:schemeClr val="accent1"/>
+          </a:fillRef>
+          <a:effectRef idx="0">
+            <a:schemeClr val="accent1"/>
+          </a:effectRef>
+          <a:fontRef idx="minor">
+            <a:schemeClr val="tx1"/>
+          </a:fontRef>
+        </p:style>
+      </p:cxnSp>
+      <p:cxnSp>
+        <p:nvCxnSpPr>
+          <p:cNvPr id="46" name="직선 화살표 연결선 45"/>
+          <p:cNvCxnSpPr/>
+          <p:nvPr/>
+        </p:nvCxnSpPr>
+        <p:spPr>
+          <a:xfrm>
+            <a:off x="2268250" y="2958864"/>
+            <a:ext cx="1308340" cy="0"/>
+          </a:xfrm>
+          <a:prstGeom prst="straightConnector1">
+            <a:avLst/>
+          </a:prstGeom>
+          <a:ln>
+            <a:headEnd type="triangle"/>
+            <a:tailEnd type="triangle"/>
+          </a:ln>
+        </p:spPr>
+        <p:style>
+          <a:lnRef idx="1">
+            <a:schemeClr val="accent1"/>
+          </a:lnRef>
+          <a:fillRef idx="0">
+            <a:schemeClr val="accent1"/>
+          </a:fillRef>
+          <a:effectRef idx="0">
+            <a:schemeClr val="accent1"/>
+          </a:effectRef>
+          <a:fontRef idx="minor">
+            <a:schemeClr val="tx1"/>
+          </a:fontRef>
+        </p:style>
+      </p:cxnSp>
+      <p:cxnSp>
+        <p:nvCxnSpPr>
+          <p:cNvPr id="47" name="직선 화살표 연결선 46"/>
+          <p:cNvCxnSpPr/>
+          <p:nvPr/>
+        </p:nvCxnSpPr>
+        <p:spPr>
+          <a:xfrm>
+            <a:off x="2268250" y="3531081"/>
+            <a:ext cx="1308340" cy="0"/>
+          </a:xfrm>
+          <a:prstGeom prst="straightConnector1">
+            <a:avLst/>
+          </a:prstGeom>
+          <a:ln>
+            <a:headEnd type="triangle"/>
+            <a:tailEnd type="triangle"/>
+          </a:ln>
+        </p:spPr>
+        <p:style>
+          <a:lnRef idx="1">
+            <a:schemeClr val="accent1"/>
+          </a:lnRef>
+          <a:fillRef idx="0">
+            <a:schemeClr val="accent1"/>
+          </a:fillRef>
+          <a:effectRef idx="0">
+            <a:schemeClr val="accent1"/>
+          </a:effectRef>
+          <a:fontRef idx="minor">
+            <a:schemeClr val="tx1"/>
+          </a:fontRef>
+        </p:style>
+      </p:cxnSp>
+      <p:cxnSp>
+        <p:nvCxnSpPr>
+          <p:cNvPr id="48" name="직선 화살표 연결선 47"/>
+          <p:cNvCxnSpPr/>
+          <p:nvPr/>
+        </p:nvCxnSpPr>
+        <p:spPr>
+          <a:xfrm>
+            <a:off x="2268250" y="4077430"/>
+            <a:ext cx="1308340" cy="0"/>
+          </a:xfrm>
+          <a:prstGeom prst="straightConnector1">
+            <a:avLst/>
+          </a:prstGeom>
+          <a:ln>
+            <a:headEnd type="triangle"/>
+            <a:tailEnd type="triangle"/>
+          </a:ln>
+        </p:spPr>
+        <p:style>
+          <a:lnRef idx="1">
+            <a:schemeClr val="accent1"/>
+          </a:lnRef>
+          <a:fillRef idx="0">
+            <a:schemeClr val="accent1"/>
+          </a:fillRef>
+          <a:effectRef idx="0">
+            <a:schemeClr val="accent1"/>
+          </a:effectRef>
+          <a:fontRef idx="minor">
+            <a:schemeClr val="tx1"/>
+          </a:fontRef>
+        </p:style>
+      </p:cxnSp>
+      <p:cxnSp>
+        <p:nvCxnSpPr>
+          <p:cNvPr id="50" name="꺾인 연결선 49"/>
+          <p:cNvCxnSpPr>
+            <a:stCxn id="29" idx="3"/>
+            <a:endCxn id="4" idx="2"/>
+          </p:cNvCxnSpPr>
+          <p:nvPr/>
+        </p:nvCxnSpPr>
+        <p:spPr>
+          <a:xfrm>
+            <a:off x="7840418" y="2386647"/>
+            <a:ext cx="1225943" cy="809442"/>
+          </a:xfrm>
+          <a:prstGeom prst="bentConnector3">
+            <a:avLst/>
+          </a:prstGeom>
+        </p:spPr>
+        <p:style>
+          <a:lnRef idx="1">
+            <a:schemeClr val="accent1"/>
+          </a:lnRef>
+          <a:fillRef idx="0">
+            <a:schemeClr val="accent1"/>
+          </a:fillRef>
+          <a:effectRef idx="0">
+            <a:schemeClr val="accent1"/>
+          </a:effectRef>
+          <a:fontRef idx="minor">
+            <a:schemeClr val="tx1"/>
+          </a:fontRef>
+        </p:style>
+      </p:cxnSp>
+      <p:cxnSp>
+        <p:nvCxnSpPr>
+          <p:cNvPr id="52" name="꺾인 연결선 51"/>
+          <p:cNvCxnSpPr>
+            <a:stCxn id="30" idx="3"/>
+            <a:endCxn id="4" idx="2"/>
+          </p:cNvCxnSpPr>
+          <p:nvPr/>
+        </p:nvCxnSpPr>
+        <p:spPr>
+          <a:xfrm>
+            <a:off x="7840418" y="2958864"/>
+            <a:ext cx="1225943" cy="237225"/>
+          </a:xfrm>
+          <a:prstGeom prst="bentConnector3">
+            <a:avLst/>
+          </a:prstGeom>
+        </p:spPr>
+        <p:style>
+          <a:lnRef idx="1">
+            <a:schemeClr val="accent1"/>
+          </a:lnRef>
+          <a:fillRef idx="0">
+            <a:schemeClr val="accent1"/>
+          </a:fillRef>
+          <a:effectRef idx="0">
+            <a:schemeClr val="accent1"/>
+          </a:effectRef>
+          <a:fontRef idx="minor">
+            <a:schemeClr val="tx1"/>
+          </a:fontRef>
+        </p:style>
+      </p:cxnSp>
+      <p:cxnSp>
+        <p:nvCxnSpPr>
+          <p:cNvPr id="54" name="꺾인 연결선 53"/>
+          <p:cNvCxnSpPr>
+            <a:stCxn id="31" idx="3"/>
+            <a:endCxn id="4" idx="2"/>
+          </p:cNvCxnSpPr>
+          <p:nvPr/>
+        </p:nvCxnSpPr>
+        <p:spPr>
+          <a:xfrm flipV="1">
+            <a:off x="7840418" y="3196089"/>
+            <a:ext cx="1225943" cy="334992"/>
+          </a:xfrm>
+          <a:prstGeom prst="bentConnector3">
+            <a:avLst/>
+          </a:prstGeom>
+        </p:spPr>
+        <p:style>
+          <a:lnRef idx="1">
+            <a:schemeClr val="accent1"/>
+          </a:lnRef>
+          <a:fillRef idx="0">
+            <a:schemeClr val="accent1"/>
+          </a:fillRef>
+          <a:effectRef idx="0">
+            <a:schemeClr val="accent1"/>
+          </a:effectRef>
+          <a:fontRef idx="minor">
+            <a:schemeClr val="tx1"/>
+          </a:fontRef>
+        </p:style>
+      </p:cxnSp>
+      <p:cxnSp>
+        <p:nvCxnSpPr>
+          <p:cNvPr id="56" name="꺾인 연결선 55"/>
+          <p:cNvCxnSpPr>
+            <a:stCxn id="32" idx="3"/>
+            <a:endCxn id="4" idx="2"/>
+          </p:cNvCxnSpPr>
+          <p:nvPr/>
+        </p:nvCxnSpPr>
+        <p:spPr>
+          <a:xfrm flipV="1">
+            <a:off x="7840418" y="3196089"/>
+            <a:ext cx="1225943" cy="907209"/>
+          </a:xfrm>
+          <a:prstGeom prst="bentConnector3">
+            <a:avLst/>
+          </a:prstGeom>
+        </p:spPr>
+        <p:style>
+          <a:lnRef idx="1">
+            <a:schemeClr val="accent1"/>
+          </a:lnRef>
+          <a:fillRef idx="0">
+            <a:schemeClr val="accent1"/>
+          </a:fillRef>
+          <a:effectRef idx="0">
+            <a:schemeClr val="accent1"/>
+          </a:effectRef>
+          <a:fontRef idx="minor">
+            <a:schemeClr val="tx1"/>
+          </a:fontRef>
+        </p:style>
+      </p:cxnSp>
+      <p:sp>
+        <p:nvSpPr>
+          <p:cNvPr id="61" name="TextBox 60"/>
+          <p:cNvSpPr txBox="1"/>
+          <p:nvPr/>
+        </p:nvSpPr>
+        <p:spPr>
+          <a:xfrm>
+            <a:off x="5526424" y="1857089"/>
+            <a:ext cx="443904" cy="307777"/>
+          </a:xfrm>
+          <a:prstGeom prst="rect">
+            <a:avLst/>
+          </a:prstGeom>
+          <a:noFill/>
+        </p:spPr>
+        <p:txBody>
+          <a:bodyPr wrap="none" rtlCol="0">
+            <a:spAutoFit/>
+          </a:bodyPr>
+          <a:lstStyle/>
+          <a:p>
+            <a:r>
+              <a:rPr lang="en-US" altLang="ko-KR" sz="1400" b="1" dirty="0" smtClean="0"/>
+              <a:t>VO</a:t>
+            </a:r>
+            <a:endParaRPr lang="ko-KR" altLang="en-US" sz="1400" b="1" dirty="0"/>
+          </a:p>
+        </p:txBody>
+      </p:sp>
+      <p:sp>
+        <p:nvSpPr>
+          <p:cNvPr id="62" name="TextBox 61"/>
+          <p:cNvSpPr txBox="1"/>
+          <p:nvPr/>
+        </p:nvSpPr>
+        <p:spPr>
+          <a:xfrm>
+            <a:off x="2660551" y="1865233"/>
+            <a:ext cx="443904" cy="307777"/>
+          </a:xfrm>
+          <a:prstGeom prst="rect">
+            <a:avLst/>
+          </a:prstGeom>
+          <a:noFill/>
+        </p:spPr>
+        <p:txBody>
+          <a:bodyPr wrap="none" rtlCol="0">
+            <a:spAutoFit/>
+          </a:bodyPr>
+          <a:lstStyle/>
+          <a:p>
+            <a:r>
+              <a:rPr lang="en-US" altLang="ko-KR" sz="1400" b="1" dirty="0" smtClean="0"/>
+              <a:t>VO</a:t>
+            </a:r>
+            <a:endParaRPr lang="ko-KR" altLang="en-US" sz="1400" b="1" dirty="0"/>
+          </a:p>
+        </p:txBody>
+      </p:sp>
+    </p:spTree>
+    <p:extLst>
+      <p:ext uri="{BB962C8B-B14F-4D97-AF65-F5344CB8AC3E}">
+        <p14:creationId xmlns:p14="http://schemas.microsoft.com/office/powerpoint/2010/main" val="649045042"/>
+      </p:ext>
+    </p:extLst>
+  </p:cSld>
+  <p:clrMapOvr>
+    <a:masterClrMapping/>
+  </p:clrMapOvr>
+</p:sld>
+</file>
+
 <file path=ppt/slides/slide2.xml><?xml version="1.0" encoding="utf-8"?>
 <p:sld xmlns:a="http://schemas.openxmlformats.org/drawingml/2006/main" xmlns:r="http://schemas.openxmlformats.org/officeDocument/2006/relationships" xmlns:p="http://schemas.openxmlformats.org/presentationml/2006/main">
   <p:cSld>
@@ -9004,6 +11304,290 @@
     <p:extLst>
       <p:ext uri="{BB962C8B-B14F-4D97-AF65-F5344CB8AC3E}">
         <p14:creationId xmlns:p14="http://schemas.microsoft.com/office/powerpoint/2010/main" val="2810512948"/>
+      </p:ext>
+    </p:extLst>
+  </p:cSld>
+  <p:clrMapOvr>
+    <a:masterClrMapping/>
+  </p:clrMapOvr>
+</p:sld>
+</file>
+
+<file path=ppt/slides/slide20.xml><?xml version="1.0" encoding="utf-8"?>
+<p:sld xmlns:a="http://schemas.openxmlformats.org/drawingml/2006/main" xmlns:r="http://schemas.openxmlformats.org/officeDocument/2006/relationships" xmlns:p="http://schemas.openxmlformats.org/presentationml/2006/main">
+  <p:cSld>
+    <p:spTree>
+      <p:nvGrpSpPr>
+        <p:cNvPr id="1" name=""/>
+        <p:cNvGrpSpPr/>
+        <p:nvPr/>
+      </p:nvGrpSpPr>
+      <p:grpSpPr>
+        <a:xfrm>
+          <a:off x="0" y="0"/>
+          <a:ext cx="0" cy="0"/>
+          <a:chOff x="0" y="0"/>
+          <a:chExt cx="0" cy="0"/>
+        </a:xfrm>
+      </p:grpSpPr>
+      <p:cxnSp>
+        <p:nvCxnSpPr>
+          <p:cNvPr id="4" name="직선 연결선 3"/>
+          <p:cNvCxnSpPr/>
+          <p:nvPr/>
+        </p:nvCxnSpPr>
+        <p:spPr>
+          <a:xfrm>
+            <a:off x="0" y="538264"/>
+            <a:ext cx="12192000" cy="0"/>
+          </a:xfrm>
+          <a:prstGeom prst="line">
+            <a:avLst/>
+          </a:prstGeom>
+          <a:ln>
+            <a:solidFill>
+              <a:schemeClr val="tx1"/>
+            </a:solidFill>
+          </a:ln>
+        </p:spPr>
+        <p:style>
+          <a:lnRef idx="1">
+            <a:schemeClr val="accent1"/>
+          </a:lnRef>
+          <a:fillRef idx="0">
+            <a:schemeClr val="accent1"/>
+          </a:fillRef>
+          <a:effectRef idx="0">
+            <a:schemeClr val="accent1"/>
+          </a:effectRef>
+          <a:fontRef idx="minor">
+            <a:schemeClr val="tx1"/>
+          </a:fontRef>
+        </p:style>
+      </p:cxnSp>
+      <p:sp>
+        <p:nvSpPr>
+          <p:cNvPr id="5" name="TextBox 4"/>
+          <p:cNvSpPr txBox="1"/>
+          <p:nvPr/>
+        </p:nvSpPr>
+        <p:spPr>
+          <a:xfrm>
+            <a:off x="343711" y="90791"/>
+            <a:ext cx="2090637" cy="369332"/>
+          </a:xfrm>
+          <a:prstGeom prst="rect">
+            <a:avLst/>
+          </a:prstGeom>
+          <a:noFill/>
+        </p:spPr>
+        <p:txBody>
+          <a:bodyPr wrap="none" rtlCol="0">
+            <a:spAutoFit/>
+          </a:bodyPr>
+          <a:lstStyle/>
+          <a:p>
+            <a:r>
+              <a:rPr lang="ko-KR" altLang="en-US" b="1" dirty="0" smtClean="0"/>
+              <a:t>모델 </a:t>
+            </a:r>
+            <a:r>
+              <a:rPr lang="en-US" altLang="ko-KR" b="1" dirty="0" smtClean="0"/>
+              <a:t>2 </a:t>
+            </a:r>
+            <a:r>
+              <a:rPr lang="ko-KR" altLang="en-US" b="1" dirty="0" smtClean="0"/>
+              <a:t>학습 방법 </a:t>
+            </a:r>
+            <a:endParaRPr lang="ko-KR" altLang="en-US" b="1" dirty="0"/>
+          </a:p>
+        </p:txBody>
+      </p:sp>
+      <p:sp>
+        <p:nvSpPr>
+          <p:cNvPr id="6" name="TextBox 5"/>
+          <p:cNvSpPr txBox="1"/>
+          <p:nvPr/>
+        </p:nvSpPr>
+        <p:spPr>
+          <a:xfrm>
+            <a:off x="11516040" y="275457"/>
+            <a:ext cx="641522" cy="261610"/>
+          </a:xfrm>
+          <a:prstGeom prst="rect">
+            <a:avLst/>
+          </a:prstGeom>
+          <a:noFill/>
+        </p:spPr>
+        <p:txBody>
+          <a:bodyPr wrap="none" rtlCol="0">
+            <a:spAutoFit/>
+          </a:bodyPr>
+          <a:lstStyle/>
+          <a:p>
+            <a:r>
+              <a:rPr lang="en-US" altLang="ko-KR" sz="1100" b="1" i="1" dirty="0" smtClean="0"/>
+              <a:t>IT </a:t>
+            </a:r>
+            <a:r>
+              <a:rPr lang="ko-KR" altLang="en-US" sz="1100" b="1" i="1" dirty="0" smtClean="0"/>
+              <a:t>늦공</a:t>
+            </a:r>
+            <a:endParaRPr lang="ko-KR" altLang="en-US" sz="1100" b="1" i="1" dirty="0"/>
+          </a:p>
+        </p:txBody>
+      </p:sp>
+      <p:sp>
+        <p:nvSpPr>
+          <p:cNvPr id="2" name="직사각형 1"/>
+          <p:cNvSpPr/>
+          <p:nvPr/>
+        </p:nvSpPr>
+        <p:spPr>
+          <a:xfrm>
+            <a:off x="1389029" y="2932980"/>
+            <a:ext cx="9609650" cy="1975449"/>
+          </a:xfrm>
+          <a:prstGeom prst="rect">
+            <a:avLst/>
+          </a:prstGeom>
+          <a:solidFill>
+            <a:schemeClr val="bg1"/>
+          </a:solidFill>
+          <a:ln w="28575">
+            <a:solidFill>
+              <a:schemeClr val="tx1"/>
+            </a:solidFill>
+          </a:ln>
+        </p:spPr>
+        <p:style>
+          <a:lnRef idx="2">
+            <a:schemeClr val="accent1">
+              <a:shade val="50000"/>
+            </a:schemeClr>
+          </a:lnRef>
+          <a:fillRef idx="1">
+            <a:schemeClr val="accent1"/>
+          </a:fillRef>
+          <a:effectRef idx="0">
+            <a:schemeClr val="accent1"/>
+          </a:effectRef>
+          <a:fontRef idx="minor">
+            <a:schemeClr val="lt1"/>
+          </a:fontRef>
+        </p:style>
+        <p:txBody>
+          <a:bodyPr rtlCol="0" anchor="ctr"/>
+          <a:lstStyle/>
+          <a:p>
+            <a:pPr algn="ctr">
+              <a:lnSpc>
+                <a:spcPct val="150000"/>
+              </a:lnSpc>
+            </a:pPr>
+            <a:r>
+              <a:rPr lang="en-US" altLang="ko-KR" sz="3600" b="1" dirty="0" smtClean="0">
+                <a:solidFill>
+                  <a:srgbClr val="0000FF"/>
+                </a:solidFill>
+              </a:rPr>
+              <a:t>Spring boot , Oracle | </a:t>
+            </a:r>
+            <a:r>
+              <a:rPr lang="en-US" altLang="ko-KR" sz="3600" b="1" dirty="0" err="1" smtClean="0">
+                <a:solidFill>
+                  <a:srgbClr val="0000FF"/>
+                </a:solidFill>
+              </a:rPr>
+              <a:t>JdbcTemplate</a:t>
+            </a:r>
+            <a:endParaRPr lang="en-US" altLang="ko-KR" sz="3600" b="1" dirty="0" smtClean="0">
+              <a:solidFill>
+                <a:srgbClr val="0000FF"/>
+              </a:solidFill>
+            </a:endParaRPr>
+          </a:p>
+        </p:txBody>
+      </p:sp>
+      <p:sp>
+        <p:nvSpPr>
+          <p:cNvPr id="3" name="타원 2"/>
+          <p:cNvSpPr/>
+          <p:nvPr/>
+        </p:nvSpPr>
+        <p:spPr>
+          <a:xfrm>
+            <a:off x="5223869" y="770914"/>
+            <a:ext cx="1478280" cy="1394460"/>
+          </a:xfrm>
+          <a:prstGeom prst="ellipse">
+            <a:avLst/>
+          </a:prstGeom>
+          <a:noFill/>
+          <a:ln>
+            <a:solidFill>
+              <a:schemeClr val="tx1"/>
+            </a:solidFill>
+          </a:ln>
+        </p:spPr>
+        <p:style>
+          <a:lnRef idx="2">
+            <a:schemeClr val="accent1">
+              <a:shade val="50000"/>
+            </a:schemeClr>
+          </a:lnRef>
+          <a:fillRef idx="1">
+            <a:schemeClr val="accent1"/>
+          </a:fillRef>
+          <a:effectRef idx="0">
+            <a:schemeClr val="accent1"/>
+          </a:effectRef>
+          <a:fontRef idx="minor">
+            <a:schemeClr val="lt1"/>
+          </a:fontRef>
+        </p:style>
+        <p:txBody>
+          <a:bodyPr rtlCol="0" anchor="ctr"/>
+          <a:lstStyle/>
+          <a:p>
+            <a:pPr algn="ctr"/>
+            <a:r>
+              <a:rPr lang="en-US" altLang="ko-KR" sz="4000" b="1" dirty="0" smtClean="0">
+                <a:solidFill>
+                  <a:schemeClr val="tx1"/>
+                </a:solidFill>
+                <a:latin typeface="휴먼편지체" panose="02030504000101010101" pitchFamily="18" charset="-127"/>
+                <a:ea typeface="휴먼편지체" panose="02030504000101010101" pitchFamily="18" charset="-127"/>
+              </a:rPr>
+              <a:t>IT</a:t>
+            </a:r>
+          </a:p>
+          <a:p>
+            <a:pPr algn="ctr"/>
+            <a:r>
+              <a:rPr lang="ko-KR" altLang="en-US" sz="4000" b="1" dirty="0" smtClean="0">
+                <a:solidFill>
+                  <a:schemeClr val="tx1"/>
+                </a:solidFill>
+                <a:latin typeface="휴먼편지체" panose="02030504000101010101" pitchFamily="18" charset="-127"/>
+                <a:ea typeface="휴먼편지체" panose="02030504000101010101" pitchFamily="18" charset="-127"/>
+              </a:rPr>
+              <a:t>늦공</a:t>
+            </a:r>
+            <a:endParaRPr lang="ko-KR" altLang="en-US" sz="4000" b="1" dirty="0">
+              <a:solidFill>
+                <a:schemeClr val="tx1"/>
+              </a:solidFill>
+              <a:latin typeface="휴먼편지체" panose="02030504000101010101" pitchFamily="18" charset="-127"/>
+              <a:ea typeface="휴먼편지체" panose="02030504000101010101" pitchFamily="18" charset="-127"/>
+            </a:endParaRPr>
+          </a:p>
+        </p:txBody>
+      </p:sp>
+    </p:spTree>
+    <p:extLst>
+      <p:ext uri="{BB962C8B-B14F-4D97-AF65-F5344CB8AC3E}">
+        <p14:creationId xmlns:p14="http://schemas.microsoft.com/office/powerpoint/2010/main" val="4053049285"/>
       </p:ext>
     </p:extLst>
   </p:cSld>

--- a/newwork/Model2_Spring.pptx
+++ b/newwork/Model2_Spring.pptx
@@ -25,6 +25,11 @@
     <p:sldId id="276" r:id="rId19"/>
     <p:sldId id="277" r:id="rId20"/>
     <p:sldId id="278" r:id="rId21"/>
+    <p:sldId id="279" r:id="rId22"/>
+    <p:sldId id="281" r:id="rId23"/>
+    <p:sldId id="282" r:id="rId24"/>
+    <p:sldId id="280" r:id="rId25"/>
+    <p:sldId id="283" r:id="rId26"/>
   </p:sldIdLst>
   <p:sldSz cx="12192000" cy="6858000"/>
   <p:notesSz cx="6858000" cy="9144000"/>
@@ -262,7 +267,7 @@
           <a:p>
             <a:fld id="{3DCF8E7F-ECA4-4F79-8BD4-9D90B257F24F}" type="datetimeFigureOut">
               <a:rPr lang="ko-KR" altLang="en-US" smtClean="0"/>
-              <a:t>2021-08-27</a:t>
+              <a:t>2021-08-29</a:t>
             </a:fld>
             <a:endParaRPr lang="ko-KR" altLang="en-US"/>
           </a:p>
@@ -432,7 +437,7 @@
           <a:p>
             <a:fld id="{3DCF8E7F-ECA4-4F79-8BD4-9D90B257F24F}" type="datetimeFigureOut">
               <a:rPr lang="ko-KR" altLang="en-US" smtClean="0"/>
-              <a:t>2021-08-27</a:t>
+              <a:t>2021-08-29</a:t>
             </a:fld>
             <a:endParaRPr lang="ko-KR" altLang="en-US"/>
           </a:p>
@@ -612,7 +617,7 @@
           <a:p>
             <a:fld id="{3DCF8E7F-ECA4-4F79-8BD4-9D90B257F24F}" type="datetimeFigureOut">
               <a:rPr lang="ko-KR" altLang="en-US" smtClean="0"/>
-              <a:t>2021-08-27</a:t>
+              <a:t>2021-08-29</a:t>
             </a:fld>
             <a:endParaRPr lang="ko-KR" altLang="en-US"/>
           </a:p>
@@ -782,7 +787,7 @@
           <a:p>
             <a:fld id="{3DCF8E7F-ECA4-4F79-8BD4-9D90B257F24F}" type="datetimeFigureOut">
               <a:rPr lang="ko-KR" altLang="en-US" smtClean="0"/>
-              <a:t>2021-08-27</a:t>
+              <a:t>2021-08-29</a:t>
             </a:fld>
             <a:endParaRPr lang="ko-KR" altLang="en-US"/>
           </a:p>
@@ -1028,7 +1033,7 @@
           <a:p>
             <a:fld id="{3DCF8E7F-ECA4-4F79-8BD4-9D90B257F24F}" type="datetimeFigureOut">
               <a:rPr lang="ko-KR" altLang="en-US" smtClean="0"/>
-              <a:t>2021-08-27</a:t>
+              <a:t>2021-08-29</a:t>
             </a:fld>
             <a:endParaRPr lang="ko-KR" altLang="en-US"/>
           </a:p>
@@ -1260,7 +1265,7 @@
           <a:p>
             <a:fld id="{3DCF8E7F-ECA4-4F79-8BD4-9D90B257F24F}" type="datetimeFigureOut">
               <a:rPr lang="ko-KR" altLang="en-US" smtClean="0"/>
-              <a:t>2021-08-27</a:t>
+              <a:t>2021-08-29</a:t>
             </a:fld>
             <a:endParaRPr lang="ko-KR" altLang="en-US"/>
           </a:p>
@@ -1627,7 +1632,7 @@
           <a:p>
             <a:fld id="{3DCF8E7F-ECA4-4F79-8BD4-9D90B257F24F}" type="datetimeFigureOut">
               <a:rPr lang="ko-KR" altLang="en-US" smtClean="0"/>
-              <a:t>2021-08-27</a:t>
+              <a:t>2021-08-29</a:t>
             </a:fld>
             <a:endParaRPr lang="ko-KR" altLang="en-US"/>
           </a:p>
@@ -1745,7 +1750,7 @@
           <a:p>
             <a:fld id="{3DCF8E7F-ECA4-4F79-8BD4-9D90B257F24F}" type="datetimeFigureOut">
               <a:rPr lang="ko-KR" altLang="en-US" smtClean="0"/>
-              <a:t>2021-08-27</a:t>
+              <a:t>2021-08-29</a:t>
             </a:fld>
             <a:endParaRPr lang="ko-KR" altLang="en-US"/>
           </a:p>
@@ -1840,7 +1845,7 @@
           <a:p>
             <a:fld id="{3DCF8E7F-ECA4-4F79-8BD4-9D90B257F24F}" type="datetimeFigureOut">
               <a:rPr lang="ko-KR" altLang="en-US" smtClean="0"/>
-              <a:t>2021-08-27</a:t>
+              <a:t>2021-08-29</a:t>
             </a:fld>
             <a:endParaRPr lang="ko-KR" altLang="en-US"/>
           </a:p>
@@ -2117,7 +2122,7 @@
           <a:p>
             <a:fld id="{3DCF8E7F-ECA4-4F79-8BD4-9D90B257F24F}" type="datetimeFigureOut">
               <a:rPr lang="ko-KR" altLang="en-US" smtClean="0"/>
-              <a:t>2021-08-27</a:t>
+              <a:t>2021-08-29</a:t>
             </a:fld>
             <a:endParaRPr lang="ko-KR" altLang="en-US"/>
           </a:p>
@@ -2370,7 +2375,7 @@
           <a:p>
             <a:fld id="{3DCF8E7F-ECA4-4F79-8BD4-9D90B257F24F}" type="datetimeFigureOut">
               <a:rPr lang="ko-KR" altLang="en-US" smtClean="0"/>
-              <a:t>2021-08-27</a:t>
+              <a:t>2021-08-29</a:t>
             </a:fld>
             <a:endParaRPr lang="ko-KR" altLang="en-US"/>
           </a:p>
@@ -2583,7 +2588,7 @@
           <a:p>
             <a:fld id="{3DCF8E7F-ECA4-4F79-8BD4-9D90B257F24F}" type="datetimeFigureOut">
               <a:rPr lang="ko-KR" altLang="en-US" smtClean="0"/>
-              <a:t>2021-08-27</a:t>
+              <a:t>2021-08-29</a:t>
             </a:fld>
             <a:endParaRPr lang="ko-KR" altLang="en-US"/>
           </a:p>
@@ -8924,7 +8929,15 @@
           <a:p>
             <a:r>
               <a:rPr lang="en-US" altLang="ko-KR" b="1" dirty="0" smtClean="0"/>
-              <a:t>Spring boot , Oracle , jdbc , </a:t>
+              <a:t>Spring boot , Oracle , </a:t>
+            </a:r>
+            <a:r>
+              <a:rPr lang="en-US" altLang="ko-KR" b="1" dirty="0" err="1" smtClean="0"/>
+              <a:t>jdbc</a:t>
+            </a:r>
+            <a:r>
+              <a:rPr lang="en-US" altLang="ko-KR" b="1" dirty="0" smtClean="0"/>
+              <a:t> , </a:t>
             </a:r>
             <a:r>
               <a:rPr lang="en-US" altLang="ko-KR" b="1" dirty="0" err="1" smtClean="0"/>
@@ -8932,11 +8945,7 @@
             </a:r>
             <a:r>
               <a:rPr lang="en-US" altLang="ko-KR" b="1" dirty="0" smtClean="0"/>
-              <a:t>, </a:t>
-            </a:r>
-            <a:r>
-              <a:rPr lang="en-US" altLang="ko-KR" b="1" dirty="0" err="1" smtClean="0"/>
-              <a:t>mybatis</a:t>
+              <a:t>, mybatis</a:t>
             </a:r>
             <a:endParaRPr lang="ko-KR" altLang="en-US" b="1" dirty="0"/>
           </a:p>
@@ -9367,7 +9376,15 @@
           <a:p>
             <a:r>
               <a:rPr lang="en-US" altLang="ko-KR" b="1" dirty="0" smtClean="0"/>
-              <a:t>Spring boot , Oracle , jdbc , </a:t>
+              <a:t>Spring boot , Oracle , </a:t>
+            </a:r>
+            <a:r>
+              <a:rPr lang="en-US" altLang="ko-KR" b="1" dirty="0" err="1" smtClean="0"/>
+              <a:t>jdbc</a:t>
+            </a:r>
+            <a:r>
+              <a:rPr lang="en-US" altLang="ko-KR" b="1" dirty="0" smtClean="0"/>
+              <a:t> , </a:t>
             </a:r>
             <a:r>
               <a:rPr lang="en-US" altLang="ko-KR" b="1" dirty="0" err="1" smtClean="0">
@@ -9379,11 +9396,7 @@
             </a:r>
             <a:r>
               <a:rPr lang="en-US" altLang="ko-KR" b="1" dirty="0" smtClean="0"/>
-              <a:t>, </a:t>
-            </a:r>
-            <a:r>
-              <a:rPr lang="en-US" altLang="ko-KR" b="1" dirty="0" err="1" smtClean="0"/>
-              <a:t>mybatis</a:t>
+              <a:t>, mybatis</a:t>
             </a:r>
             <a:endParaRPr lang="ko-KR" altLang="en-US" b="1" dirty="0"/>
           </a:p>
@@ -11491,15 +11504,15 @@
                   <a:srgbClr val="0000FF"/>
                 </a:solidFill>
               </a:rPr>
-              <a:t>Spring boot , Oracle | </a:t>
-            </a:r>
-            <a:r>
-              <a:rPr lang="en-US" altLang="ko-KR" sz="3600" b="1" dirty="0" err="1" smtClean="0">
+              <a:t>Spring boot , Oracle </a:t>
+            </a:r>
+            <a:r>
+              <a:rPr lang="en-US" altLang="ko-KR" sz="3600" b="1" dirty="0" smtClean="0">
                 <a:solidFill>
                   <a:srgbClr val="0000FF"/>
                 </a:solidFill>
               </a:rPr>
-              <a:t>JdbcTemplate</a:t>
+              <a:t>, Jdbc , Build .war</a:t>
             </a:r>
             <a:endParaRPr lang="en-US" altLang="ko-KR" sz="3600" b="1" dirty="0" smtClean="0">
               <a:solidFill>
@@ -11588,6 +11601,2998 @@
     <p:extLst>
       <p:ext uri="{BB962C8B-B14F-4D97-AF65-F5344CB8AC3E}">
         <p14:creationId xmlns:p14="http://schemas.microsoft.com/office/powerpoint/2010/main" val="4053049285"/>
+      </p:ext>
+    </p:extLst>
+  </p:cSld>
+  <p:clrMapOvr>
+    <a:masterClrMapping/>
+  </p:clrMapOvr>
+</p:sld>
+</file>
+
+<file path=ppt/slides/slide21.xml><?xml version="1.0" encoding="utf-8"?>
+<p:sld xmlns:a="http://schemas.openxmlformats.org/drawingml/2006/main" xmlns:r="http://schemas.openxmlformats.org/officeDocument/2006/relationships" xmlns:p="http://schemas.openxmlformats.org/presentationml/2006/main">
+  <p:cSld>
+    <p:spTree>
+      <p:nvGrpSpPr>
+        <p:cNvPr id="1" name=""/>
+        <p:cNvGrpSpPr/>
+        <p:nvPr/>
+      </p:nvGrpSpPr>
+      <p:grpSpPr>
+        <a:xfrm>
+          <a:off x="0" y="0"/>
+          <a:ext cx="0" cy="0"/>
+          <a:chOff x="0" y="0"/>
+          <a:chExt cx="0" cy="0"/>
+        </a:xfrm>
+      </p:grpSpPr>
+      <p:cxnSp>
+        <p:nvCxnSpPr>
+          <p:cNvPr id="4" name="직선 연결선 3"/>
+          <p:cNvCxnSpPr/>
+          <p:nvPr/>
+        </p:nvCxnSpPr>
+        <p:spPr>
+          <a:xfrm>
+            <a:off x="0" y="538264"/>
+            <a:ext cx="12192000" cy="0"/>
+          </a:xfrm>
+          <a:prstGeom prst="line">
+            <a:avLst/>
+          </a:prstGeom>
+          <a:ln>
+            <a:solidFill>
+              <a:schemeClr val="tx1"/>
+            </a:solidFill>
+          </a:ln>
+        </p:spPr>
+        <p:style>
+          <a:lnRef idx="1">
+            <a:schemeClr val="accent1"/>
+          </a:lnRef>
+          <a:fillRef idx="0">
+            <a:schemeClr val="accent1"/>
+          </a:fillRef>
+          <a:effectRef idx="0">
+            <a:schemeClr val="accent1"/>
+          </a:effectRef>
+          <a:fontRef idx="minor">
+            <a:schemeClr val="tx1"/>
+          </a:fontRef>
+        </p:style>
+      </p:cxnSp>
+      <p:sp>
+        <p:nvSpPr>
+          <p:cNvPr id="6" name="TextBox 5"/>
+          <p:cNvSpPr txBox="1"/>
+          <p:nvPr/>
+        </p:nvSpPr>
+        <p:spPr>
+          <a:xfrm>
+            <a:off x="11516040" y="275457"/>
+            <a:ext cx="641522" cy="261610"/>
+          </a:xfrm>
+          <a:prstGeom prst="rect">
+            <a:avLst/>
+          </a:prstGeom>
+          <a:noFill/>
+        </p:spPr>
+        <p:txBody>
+          <a:bodyPr wrap="none" rtlCol="0">
+            <a:spAutoFit/>
+          </a:bodyPr>
+          <a:lstStyle/>
+          <a:p>
+            <a:r>
+              <a:rPr lang="en-US" altLang="ko-KR" sz="1100" b="1" i="1" dirty="0" smtClean="0"/>
+              <a:t>IT </a:t>
+            </a:r>
+            <a:r>
+              <a:rPr lang="ko-KR" altLang="en-US" sz="1100" b="1" i="1" dirty="0" smtClean="0"/>
+              <a:t>늦공</a:t>
+            </a:r>
+            <a:endParaRPr lang="ko-KR" altLang="en-US" sz="1100" b="1" i="1" dirty="0"/>
+          </a:p>
+        </p:txBody>
+      </p:sp>
+      <p:sp>
+        <p:nvSpPr>
+          <p:cNvPr id="7" name="TextBox 6"/>
+          <p:cNvSpPr txBox="1"/>
+          <p:nvPr/>
+        </p:nvSpPr>
+        <p:spPr>
+          <a:xfrm>
+            <a:off x="129702" y="71336"/>
+            <a:ext cx="5796074" cy="369332"/>
+          </a:xfrm>
+          <a:prstGeom prst="rect">
+            <a:avLst/>
+          </a:prstGeom>
+          <a:noFill/>
+        </p:spPr>
+        <p:txBody>
+          <a:bodyPr wrap="none" rtlCol="0">
+            <a:spAutoFit/>
+          </a:bodyPr>
+          <a:lstStyle/>
+          <a:p>
+            <a:r>
+              <a:rPr lang="en-US" altLang="ko-KR" b="1" dirty="0" smtClean="0"/>
+              <a:t>Spring boot , Oracle , </a:t>
+            </a:r>
+            <a:r>
+              <a:rPr lang="en-US" altLang="ko-KR" b="1" dirty="0" err="1" smtClean="0"/>
+              <a:t>jdbc</a:t>
+            </a:r>
+            <a:r>
+              <a:rPr lang="en-US" altLang="ko-KR" b="1" dirty="0" smtClean="0"/>
+              <a:t> , </a:t>
+            </a:r>
+            <a:r>
+              <a:rPr lang="en-US" altLang="ko-KR" b="1" dirty="0" err="1" smtClean="0"/>
+              <a:t>jdbcTemplate</a:t>
+            </a:r>
+            <a:r>
+              <a:rPr lang="en-US" altLang="ko-KR" b="1" dirty="0" smtClean="0"/>
+              <a:t>, </a:t>
+            </a:r>
+            <a:r>
+              <a:rPr lang="en-US" altLang="ko-KR" b="1" dirty="0" smtClean="0">
+                <a:solidFill>
+                  <a:srgbClr val="FF0000"/>
+                </a:solidFill>
+              </a:rPr>
+              <a:t>mybatis</a:t>
+            </a:r>
+            <a:endParaRPr lang="ko-KR" altLang="en-US" b="1" dirty="0">
+              <a:solidFill>
+                <a:srgbClr val="FF0000"/>
+              </a:solidFill>
+            </a:endParaRPr>
+          </a:p>
+        </p:txBody>
+      </p:sp>
+      <p:sp>
+        <p:nvSpPr>
+          <p:cNvPr id="8" name="TextBox 7"/>
+          <p:cNvSpPr txBox="1"/>
+          <p:nvPr/>
+        </p:nvSpPr>
+        <p:spPr>
+          <a:xfrm>
+            <a:off x="370936" y="793631"/>
+            <a:ext cx="1502334" cy="369332"/>
+          </a:xfrm>
+          <a:prstGeom prst="rect">
+            <a:avLst/>
+          </a:prstGeom>
+          <a:noFill/>
+        </p:spPr>
+        <p:txBody>
+          <a:bodyPr wrap="none" rtlCol="0">
+            <a:spAutoFit/>
+          </a:bodyPr>
+          <a:lstStyle/>
+          <a:p>
+            <a:r>
+              <a:rPr lang="ko-KR" altLang="en-US" dirty="0" smtClean="0"/>
+              <a:t>■</a:t>
+            </a:r>
+            <a:r>
+              <a:rPr lang="en-US" altLang="ko-KR" dirty="0" smtClean="0"/>
+              <a:t> </a:t>
+            </a:r>
+            <a:r>
+              <a:rPr lang="ko-KR" altLang="en-US" dirty="0" smtClean="0"/>
+              <a:t>환경설정 </a:t>
+            </a:r>
+            <a:endParaRPr lang="ko-KR" altLang="en-US" dirty="0"/>
+          </a:p>
+        </p:txBody>
+      </p:sp>
+      <p:sp>
+        <p:nvSpPr>
+          <p:cNvPr id="9" name="TextBox 8"/>
+          <p:cNvSpPr txBox="1"/>
+          <p:nvPr/>
+        </p:nvSpPr>
+        <p:spPr>
+          <a:xfrm>
+            <a:off x="651236" y="1354347"/>
+            <a:ext cx="2673681" cy="369332"/>
+          </a:xfrm>
+          <a:prstGeom prst="rect">
+            <a:avLst/>
+          </a:prstGeom>
+          <a:noFill/>
+        </p:spPr>
+        <p:txBody>
+          <a:bodyPr wrap="none" rtlCol="0">
+            <a:spAutoFit/>
+          </a:bodyPr>
+          <a:lstStyle/>
+          <a:p>
+            <a:r>
+              <a:rPr lang="en-US" altLang="ko-KR" b="1" dirty="0" smtClean="0"/>
+              <a:t>application. Properties</a:t>
+            </a:r>
+            <a:endParaRPr lang="ko-KR" altLang="en-US" b="1" dirty="0"/>
+          </a:p>
+        </p:txBody>
+      </p:sp>
+      <p:sp>
+        <p:nvSpPr>
+          <p:cNvPr id="10" name="TextBox 9"/>
+          <p:cNvSpPr txBox="1"/>
+          <p:nvPr/>
+        </p:nvSpPr>
+        <p:spPr>
+          <a:xfrm>
+            <a:off x="3407434" y="1354347"/>
+            <a:ext cx="6024406" cy="307777"/>
+          </a:xfrm>
+          <a:prstGeom prst="rect">
+            <a:avLst/>
+          </a:prstGeom>
+          <a:noFill/>
+        </p:spPr>
+        <p:txBody>
+          <a:bodyPr wrap="none" rtlCol="0">
+            <a:spAutoFit/>
+          </a:bodyPr>
+          <a:lstStyle/>
+          <a:p>
+            <a:r>
+              <a:rPr lang="en-US" altLang="ko-KR" sz="1400" dirty="0"/>
+              <a:t>#</a:t>
+            </a:r>
+            <a:r>
+              <a:rPr lang="en-US" altLang="ko-KR" sz="1400" dirty="0" err="1"/>
+              <a:t>mybatismybatis.mapper</a:t>
+            </a:r>
+            <a:r>
+              <a:rPr lang="en-US" altLang="ko-KR" sz="1400" dirty="0"/>
+              <a:t>-locations=</a:t>
+            </a:r>
+            <a:r>
+              <a:rPr lang="en-US" altLang="ko-KR" sz="1400" dirty="0" err="1"/>
+              <a:t>classpath:mybatis</a:t>
+            </a:r>
+            <a:r>
+              <a:rPr lang="en-US" altLang="ko-KR" sz="1400" dirty="0"/>
+              <a:t>/mapper/**/**.xml</a:t>
+            </a:r>
+            <a:endParaRPr lang="ko-KR" altLang="en-US" sz="1400" dirty="0"/>
+          </a:p>
+        </p:txBody>
+      </p:sp>
+      <p:sp>
+        <p:nvSpPr>
+          <p:cNvPr id="11" name="TextBox 10"/>
+          <p:cNvSpPr txBox="1"/>
+          <p:nvPr/>
+        </p:nvSpPr>
+        <p:spPr>
+          <a:xfrm>
+            <a:off x="651236" y="2478206"/>
+            <a:ext cx="1148071" cy="369332"/>
+          </a:xfrm>
+          <a:prstGeom prst="rect">
+            <a:avLst/>
+          </a:prstGeom>
+          <a:noFill/>
+        </p:spPr>
+        <p:txBody>
+          <a:bodyPr wrap="none" rtlCol="0">
+            <a:spAutoFit/>
+          </a:bodyPr>
+          <a:lstStyle/>
+          <a:p>
+            <a:r>
+              <a:rPr lang="en-US" altLang="ko-KR" b="1" dirty="0" smtClean="0"/>
+              <a:t>pom.xml</a:t>
+            </a:r>
+            <a:endParaRPr lang="ko-KR" altLang="en-US" b="1" dirty="0"/>
+          </a:p>
+        </p:txBody>
+      </p:sp>
+      <p:sp>
+        <p:nvSpPr>
+          <p:cNvPr id="12" name="TextBox 11"/>
+          <p:cNvSpPr txBox="1"/>
+          <p:nvPr/>
+        </p:nvSpPr>
+        <p:spPr>
+          <a:xfrm>
+            <a:off x="3407434" y="2478206"/>
+            <a:ext cx="8011360" cy="1384995"/>
+          </a:xfrm>
+          <a:prstGeom prst="rect">
+            <a:avLst/>
+          </a:prstGeom>
+          <a:noFill/>
+        </p:spPr>
+        <p:txBody>
+          <a:bodyPr wrap="none" rtlCol="0">
+            <a:spAutoFit/>
+          </a:bodyPr>
+          <a:lstStyle/>
+          <a:p>
+            <a:r>
+              <a:rPr lang="en-US" altLang="ko-KR" sz="1400" dirty="0"/>
+              <a:t>&lt;!-- https://mvnrepository.com/artifact/org.mybatis.spring.boot/mybatis-spring-boot-starter --&gt;</a:t>
+            </a:r>
+          </a:p>
+          <a:p>
+            <a:r>
+              <a:rPr lang="en-US" altLang="ko-KR" sz="1400" dirty="0"/>
+              <a:t>&lt;dependency&gt;</a:t>
+            </a:r>
+          </a:p>
+          <a:p>
+            <a:r>
+              <a:rPr lang="en-US" altLang="ko-KR" sz="1400" dirty="0"/>
+              <a:t>    &lt;</a:t>
+            </a:r>
+            <a:r>
+              <a:rPr lang="en-US" altLang="ko-KR" sz="1400" dirty="0" err="1"/>
+              <a:t>groupId</a:t>
+            </a:r>
+            <a:r>
+              <a:rPr lang="en-US" altLang="ko-KR" sz="1400" dirty="0"/>
+              <a:t>&gt;</a:t>
+            </a:r>
+            <a:r>
+              <a:rPr lang="en-US" altLang="ko-KR" sz="1400" dirty="0" err="1"/>
+              <a:t>org.mybatis.spring.boot</a:t>
+            </a:r>
+            <a:r>
+              <a:rPr lang="en-US" altLang="ko-KR" sz="1400" dirty="0"/>
+              <a:t>&lt;/</a:t>
+            </a:r>
+            <a:r>
+              <a:rPr lang="en-US" altLang="ko-KR" sz="1400" dirty="0" err="1"/>
+              <a:t>groupId</a:t>
+            </a:r>
+            <a:r>
+              <a:rPr lang="en-US" altLang="ko-KR" sz="1400" dirty="0"/>
+              <a:t>&gt;</a:t>
+            </a:r>
+          </a:p>
+          <a:p>
+            <a:r>
+              <a:rPr lang="en-US" altLang="ko-KR" sz="1400" dirty="0"/>
+              <a:t>    &lt;</a:t>
+            </a:r>
+            <a:r>
+              <a:rPr lang="en-US" altLang="ko-KR" sz="1400" dirty="0" err="1"/>
+              <a:t>artifactId</a:t>
+            </a:r>
+            <a:r>
+              <a:rPr lang="en-US" altLang="ko-KR" sz="1400" dirty="0"/>
+              <a:t>&gt;</a:t>
+            </a:r>
+            <a:r>
+              <a:rPr lang="en-US" altLang="ko-KR" sz="1400" dirty="0" err="1"/>
+              <a:t>mybatis</a:t>
+            </a:r>
+            <a:r>
+              <a:rPr lang="en-US" altLang="ko-KR" sz="1400" dirty="0"/>
+              <a:t>-spring-boot-starter&lt;/</a:t>
+            </a:r>
+            <a:r>
+              <a:rPr lang="en-US" altLang="ko-KR" sz="1400" dirty="0" err="1"/>
+              <a:t>artifactId</a:t>
+            </a:r>
+            <a:r>
+              <a:rPr lang="en-US" altLang="ko-KR" sz="1400" dirty="0"/>
+              <a:t>&gt;</a:t>
+            </a:r>
+          </a:p>
+          <a:p>
+            <a:r>
+              <a:rPr lang="en-US" altLang="ko-KR" sz="1400" dirty="0"/>
+              <a:t>    &lt;version&gt;2.2.0&lt;/version&gt;</a:t>
+            </a:r>
+          </a:p>
+          <a:p>
+            <a:r>
+              <a:rPr lang="en-US" altLang="ko-KR" sz="1400" dirty="0"/>
+              <a:t>&lt;/dependency&gt;</a:t>
+            </a:r>
+          </a:p>
+        </p:txBody>
+      </p:sp>
+    </p:spTree>
+    <p:extLst>
+      <p:ext uri="{BB962C8B-B14F-4D97-AF65-F5344CB8AC3E}">
+        <p14:creationId xmlns:p14="http://schemas.microsoft.com/office/powerpoint/2010/main" val="3454839095"/>
+      </p:ext>
+    </p:extLst>
+  </p:cSld>
+  <p:clrMapOvr>
+    <a:masterClrMapping/>
+  </p:clrMapOvr>
+</p:sld>
+</file>
+
+<file path=ppt/slides/slide22.xml><?xml version="1.0" encoding="utf-8"?>
+<p:sld xmlns:a="http://schemas.openxmlformats.org/drawingml/2006/main" xmlns:r="http://schemas.openxmlformats.org/officeDocument/2006/relationships" xmlns:p="http://schemas.openxmlformats.org/presentationml/2006/main">
+  <p:cSld>
+    <p:spTree>
+      <p:nvGrpSpPr>
+        <p:cNvPr id="1" name=""/>
+        <p:cNvGrpSpPr/>
+        <p:nvPr/>
+      </p:nvGrpSpPr>
+      <p:grpSpPr>
+        <a:xfrm>
+          <a:off x="0" y="0"/>
+          <a:ext cx="0" cy="0"/>
+          <a:chOff x="0" y="0"/>
+          <a:chExt cx="0" cy="0"/>
+        </a:xfrm>
+      </p:grpSpPr>
+      <p:cxnSp>
+        <p:nvCxnSpPr>
+          <p:cNvPr id="4" name="직선 연결선 3"/>
+          <p:cNvCxnSpPr/>
+          <p:nvPr/>
+        </p:nvCxnSpPr>
+        <p:spPr>
+          <a:xfrm>
+            <a:off x="0" y="538264"/>
+            <a:ext cx="12192000" cy="0"/>
+          </a:xfrm>
+          <a:prstGeom prst="line">
+            <a:avLst/>
+          </a:prstGeom>
+          <a:ln>
+            <a:solidFill>
+              <a:schemeClr val="tx1"/>
+            </a:solidFill>
+          </a:ln>
+        </p:spPr>
+        <p:style>
+          <a:lnRef idx="1">
+            <a:schemeClr val="accent1"/>
+          </a:lnRef>
+          <a:fillRef idx="0">
+            <a:schemeClr val="accent1"/>
+          </a:fillRef>
+          <a:effectRef idx="0">
+            <a:schemeClr val="accent1"/>
+          </a:effectRef>
+          <a:fontRef idx="minor">
+            <a:schemeClr val="tx1"/>
+          </a:fontRef>
+        </p:style>
+      </p:cxnSp>
+      <p:sp>
+        <p:nvSpPr>
+          <p:cNvPr id="6" name="TextBox 5"/>
+          <p:cNvSpPr txBox="1"/>
+          <p:nvPr/>
+        </p:nvSpPr>
+        <p:spPr>
+          <a:xfrm>
+            <a:off x="11516040" y="275457"/>
+            <a:ext cx="641522" cy="261610"/>
+          </a:xfrm>
+          <a:prstGeom prst="rect">
+            <a:avLst/>
+          </a:prstGeom>
+          <a:noFill/>
+        </p:spPr>
+        <p:txBody>
+          <a:bodyPr wrap="none" rtlCol="0">
+            <a:spAutoFit/>
+          </a:bodyPr>
+          <a:lstStyle/>
+          <a:p>
+            <a:r>
+              <a:rPr lang="en-US" altLang="ko-KR" sz="1100" b="1" i="1" dirty="0" smtClean="0"/>
+              <a:t>IT </a:t>
+            </a:r>
+            <a:r>
+              <a:rPr lang="ko-KR" altLang="en-US" sz="1100" b="1" i="1" dirty="0" smtClean="0"/>
+              <a:t>늦공</a:t>
+            </a:r>
+            <a:endParaRPr lang="ko-KR" altLang="en-US" sz="1100" b="1" i="1" dirty="0"/>
+          </a:p>
+        </p:txBody>
+      </p:sp>
+      <p:sp>
+        <p:nvSpPr>
+          <p:cNvPr id="7" name="TextBox 6"/>
+          <p:cNvSpPr txBox="1"/>
+          <p:nvPr/>
+        </p:nvSpPr>
+        <p:spPr>
+          <a:xfrm>
+            <a:off x="129702" y="71336"/>
+            <a:ext cx="5796074" cy="369332"/>
+          </a:xfrm>
+          <a:prstGeom prst="rect">
+            <a:avLst/>
+          </a:prstGeom>
+          <a:noFill/>
+        </p:spPr>
+        <p:txBody>
+          <a:bodyPr wrap="none" rtlCol="0">
+            <a:spAutoFit/>
+          </a:bodyPr>
+          <a:lstStyle/>
+          <a:p>
+            <a:r>
+              <a:rPr lang="en-US" altLang="ko-KR" b="1" dirty="0" smtClean="0"/>
+              <a:t>Spring boot , Oracle , </a:t>
+            </a:r>
+            <a:r>
+              <a:rPr lang="en-US" altLang="ko-KR" b="1" dirty="0" err="1" smtClean="0"/>
+              <a:t>jdbc</a:t>
+            </a:r>
+            <a:r>
+              <a:rPr lang="en-US" altLang="ko-KR" b="1" dirty="0" smtClean="0"/>
+              <a:t> , </a:t>
+            </a:r>
+            <a:r>
+              <a:rPr lang="en-US" altLang="ko-KR" b="1" dirty="0" err="1" smtClean="0"/>
+              <a:t>jdbcTemplate</a:t>
+            </a:r>
+            <a:r>
+              <a:rPr lang="en-US" altLang="ko-KR" b="1" dirty="0" smtClean="0"/>
+              <a:t>, </a:t>
+            </a:r>
+            <a:r>
+              <a:rPr lang="en-US" altLang="ko-KR" b="1" dirty="0" smtClean="0">
+                <a:solidFill>
+                  <a:srgbClr val="FF0000"/>
+                </a:solidFill>
+              </a:rPr>
+              <a:t>mybatis</a:t>
+            </a:r>
+            <a:endParaRPr lang="ko-KR" altLang="en-US" b="1" dirty="0">
+              <a:solidFill>
+                <a:srgbClr val="FF0000"/>
+              </a:solidFill>
+            </a:endParaRPr>
+          </a:p>
+        </p:txBody>
+      </p:sp>
+      <p:sp>
+        <p:nvSpPr>
+          <p:cNvPr id="8" name="TextBox 7"/>
+          <p:cNvSpPr txBox="1"/>
+          <p:nvPr/>
+        </p:nvSpPr>
+        <p:spPr>
+          <a:xfrm>
+            <a:off x="370936" y="793631"/>
+            <a:ext cx="920445" cy="369332"/>
+          </a:xfrm>
+          <a:prstGeom prst="rect">
+            <a:avLst/>
+          </a:prstGeom>
+          <a:noFill/>
+        </p:spPr>
+        <p:txBody>
+          <a:bodyPr wrap="none" rtlCol="0">
+            <a:spAutoFit/>
+          </a:bodyPr>
+          <a:lstStyle/>
+          <a:p>
+            <a:r>
+              <a:rPr lang="ko-KR" altLang="en-US" dirty="0" smtClean="0"/>
+              <a:t>■</a:t>
+            </a:r>
+            <a:r>
+              <a:rPr lang="en-US" altLang="ko-KR" dirty="0"/>
+              <a:t> </a:t>
+            </a:r>
+            <a:r>
+              <a:rPr lang="en-US" altLang="ko-KR" dirty="0" smtClean="0"/>
+              <a:t>Dao</a:t>
+            </a:r>
+            <a:endParaRPr lang="ko-KR" altLang="en-US" dirty="0"/>
+          </a:p>
+        </p:txBody>
+      </p:sp>
+      <p:sp>
+        <p:nvSpPr>
+          <p:cNvPr id="13" name="TextBox 12"/>
+          <p:cNvSpPr txBox="1"/>
+          <p:nvPr/>
+        </p:nvSpPr>
+        <p:spPr>
+          <a:xfrm>
+            <a:off x="684792" y="1619726"/>
+            <a:ext cx="6234014" cy="5016758"/>
+          </a:xfrm>
+          <a:prstGeom prst="rect">
+            <a:avLst/>
+          </a:prstGeom>
+          <a:noFill/>
+        </p:spPr>
+        <p:txBody>
+          <a:bodyPr wrap="none" rtlCol="0">
+            <a:spAutoFit/>
+          </a:bodyPr>
+          <a:lstStyle/>
+          <a:p>
+            <a:r>
+              <a:rPr lang="en-US" altLang="ko-KR" sz="1600" dirty="0"/>
+              <a:t>package com.study.springboot.ex20.dao;</a:t>
+            </a:r>
+          </a:p>
+          <a:p>
+            <a:endParaRPr lang="en-US" altLang="ko-KR" sz="1600" dirty="0"/>
+          </a:p>
+          <a:p>
+            <a:r>
+              <a:rPr lang="en-US" altLang="ko-KR" sz="1600" dirty="0"/>
+              <a:t>import </a:t>
+            </a:r>
+            <a:r>
+              <a:rPr lang="en-US" altLang="ko-KR" sz="1600" dirty="0" err="1"/>
+              <a:t>java.util.List</a:t>
+            </a:r>
+            <a:r>
+              <a:rPr lang="en-US" altLang="ko-KR" sz="1600" dirty="0"/>
+              <a:t>;</a:t>
+            </a:r>
+          </a:p>
+          <a:p>
+            <a:r>
+              <a:rPr lang="en-US" altLang="ko-KR" sz="1600" dirty="0"/>
+              <a:t>import </a:t>
+            </a:r>
+            <a:r>
+              <a:rPr lang="en-US" altLang="ko-KR" sz="1600" dirty="0" err="1"/>
+              <a:t>java.util.Map</a:t>
+            </a:r>
+            <a:r>
+              <a:rPr lang="en-US" altLang="ko-KR" sz="1600" dirty="0"/>
+              <a:t>;</a:t>
+            </a:r>
+          </a:p>
+          <a:p>
+            <a:endParaRPr lang="en-US" altLang="ko-KR" sz="1600" dirty="0"/>
+          </a:p>
+          <a:p>
+            <a:r>
+              <a:rPr lang="en-US" altLang="ko-KR" sz="1600" dirty="0"/>
+              <a:t>import </a:t>
+            </a:r>
+            <a:r>
+              <a:rPr lang="en-US" altLang="ko-KR" sz="1600" dirty="0" err="1"/>
+              <a:t>org.apache.ibatis.annotations.Mapper</a:t>
+            </a:r>
+            <a:r>
+              <a:rPr lang="en-US" altLang="ko-KR" sz="1600" dirty="0"/>
+              <a:t>;</a:t>
+            </a:r>
+          </a:p>
+          <a:p>
+            <a:r>
+              <a:rPr lang="en-US" altLang="ko-KR" sz="1600" dirty="0"/>
+              <a:t>import </a:t>
+            </a:r>
+            <a:r>
+              <a:rPr lang="en-US" altLang="ko-KR" sz="1600" dirty="0" err="1"/>
+              <a:t>org.apache.ibatis.annotations.Param</a:t>
+            </a:r>
+            <a:r>
+              <a:rPr lang="en-US" altLang="ko-KR" sz="1600" dirty="0"/>
+              <a:t>;</a:t>
+            </a:r>
+          </a:p>
+          <a:p>
+            <a:endParaRPr lang="en-US" altLang="ko-KR" sz="1600" dirty="0"/>
+          </a:p>
+          <a:p>
+            <a:r>
+              <a:rPr lang="en-US" altLang="ko-KR" sz="1600" dirty="0"/>
+              <a:t>import com.study.springboot.ex20.dto.SimpleBbsDto_ex20;</a:t>
+            </a:r>
+          </a:p>
+          <a:p>
+            <a:endParaRPr lang="en-US" altLang="ko-KR" sz="1600" dirty="0"/>
+          </a:p>
+          <a:p>
+            <a:r>
+              <a:rPr lang="en-US" altLang="ko-KR" sz="1600" dirty="0"/>
+              <a:t>@Mapper</a:t>
+            </a:r>
+          </a:p>
+          <a:p>
+            <a:r>
+              <a:rPr lang="en-US" altLang="ko-KR" sz="1600" dirty="0"/>
+              <a:t>public interface ISimpleBbsDao_ex20 {</a:t>
+            </a:r>
+          </a:p>
+          <a:p>
+            <a:endParaRPr lang="en-US" altLang="ko-KR" sz="1600" dirty="0"/>
+          </a:p>
+          <a:p>
+            <a:r>
+              <a:rPr lang="en-US" altLang="ko-KR" sz="1600" dirty="0"/>
+              <a:t>    public List&lt;SimpleBbsDto_ex20&gt; </a:t>
+            </a:r>
+            <a:r>
+              <a:rPr lang="en-US" altLang="ko-KR" sz="1600" dirty="0" err="1"/>
+              <a:t>listDao</a:t>
+            </a:r>
+            <a:r>
+              <a:rPr lang="en-US" altLang="ko-KR" sz="1600" dirty="0"/>
+              <a:t>();</a:t>
+            </a:r>
+          </a:p>
+          <a:p>
+            <a:r>
+              <a:rPr lang="en-US" altLang="ko-KR" sz="1600" dirty="0"/>
+              <a:t>    public SimpleBbsDto_ex20 </a:t>
+            </a:r>
+            <a:r>
+              <a:rPr lang="en-US" altLang="ko-KR" sz="1600" dirty="0" err="1"/>
+              <a:t>viewDao</a:t>
+            </a:r>
+            <a:r>
+              <a:rPr lang="en-US" altLang="ko-KR" sz="1600" dirty="0"/>
+              <a:t>(String id);</a:t>
+            </a:r>
+          </a:p>
+          <a:p>
+            <a:r>
+              <a:rPr lang="en-US" altLang="ko-KR" sz="1600" dirty="0"/>
+              <a:t>    //public </a:t>
+            </a:r>
+            <a:r>
+              <a:rPr lang="en-US" altLang="ko-KR" sz="1600" dirty="0" err="1"/>
+              <a:t>int</a:t>
+            </a:r>
+            <a:r>
+              <a:rPr lang="en-US" altLang="ko-KR" sz="1600" dirty="0"/>
+              <a:t> </a:t>
+            </a:r>
+            <a:r>
+              <a:rPr lang="en-US" altLang="ko-KR" sz="1600" dirty="0" err="1"/>
+              <a:t>writeDao</a:t>
+            </a:r>
+            <a:r>
+              <a:rPr lang="en-US" altLang="ko-KR" sz="1600" dirty="0"/>
+              <a:t>(String writer, String title, String content);</a:t>
+            </a:r>
+          </a:p>
+          <a:p>
+            <a:r>
+              <a:rPr lang="en-US" altLang="ko-KR" sz="1600" dirty="0"/>
+              <a:t>    public </a:t>
+            </a:r>
+            <a:r>
+              <a:rPr lang="en-US" altLang="ko-KR" sz="1600" dirty="0" err="1"/>
+              <a:t>int</a:t>
+            </a:r>
+            <a:r>
+              <a:rPr lang="en-US" altLang="ko-KR" sz="1600" dirty="0"/>
+              <a:t> </a:t>
+            </a:r>
+            <a:r>
+              <a:rPr lang="en-US" altLang="ko-KR" sz="1600" dirty="0" err="1"/>
+              <a:t>writeDao</a:t>
+            </a:r>
+            <a:r>
+              <a:rPr lang="en-US" altLang="ko-KR" sz="1600" dirty="0"/>
+              <a:t>(Map&lt;String, String&gt; map);</a:t>
+            </a:r>
+          </a:p>
+          <a:p>
+            <a:r>
+              <a:rPr lang="en-US" altLang="ko-KR" sz="1600" dirty="0"/>
+              <a:t>    public </a:t>
+            </a:r>
+            <a:r>
+              <a:rPr lang="en-US" altLang="ko-KR" sz="1600" dirty="0" err="1"/>
+              <a:t>int</a:t>
+            </a:r>
+            <a:r>
+              <a:rPr lang="en-US" altLang="ko-KR" sz="1600" dirty="0"/>
+              <a:t> </a:t>
+            </a:r>
+            <a:r>
+              <a:rPr lang="en-US" altLang="ko-KR" sz="1600" dirty="0" err="1"/>
+              <a:t>deleteDao</a:t>
+            </a:r>
+            <a:r>
+              <a:rPr lang="en-US" altLang="ko-KR" sz="1600" dirty="0"/>
+              <a:t>(@</a:t>
+            </a:r>
+            <a:r>
+              <a:rPr lang="en-US" altLang="ko-KR" sz="1600" dirty="0" err="1"/>
+              <a:t>Param</a:t>
+            </a:r>
+            <a:r>
+              <a:rPr lang="en-US" altLang="ko-KR" sz="1600" dirty="0"/>
+              <a:t>("_id") String id);</a:t>
+            </a:r>
+          </a:p>
+          <a:p>
+            <a:r>
+              <a:rPr lang="en-US" altLang="ko-KR" sz="1600" dirty="0"/>
+              <a:t>    public </a:t>
+            </a:r>
+            <a:r>
+              <a:rPr lang="en-US" altLang="ko-KR" sz="1600" dirty="0" err="1"/>
+              <a:t>int</a:t>
+            </a:r>
+            <a:r>
+              <a:rPr lang="en-US" altLang="ko-KR" sz="1600" dirty="0"/>
+              <a:t> </a:t>
+            </a:r>
+            <a:r>
+              <a:rPr lang="en-US" altLang="ko-KR" sz="1600" dirty="0" err="1"/>
+              <a:t>articleCount</a:t>
+            </a:r>
+            <a:r>
+              <a:rPr lang="en-US" altLang="ko-KR" sz="1600" dirty="0"/>
+              <a:t>();</a:t>
+            </a:r>
+          </a:p>
+          <a:p>
+            <a:r>
+              <a:rPr lang="en-US" altLang="ko-KR" sz="1600" dirty="0"/>
+              <a:t>}</a:t>
+            </a:r>
+          </a:p>
+        </p:txBody>
+      </p:sp>
+    </p:spTree>
+    <p:extLst>
+      <p:ext uri="{BB962C8B-B14F-4D97-AF65-F5344CB8AC3E}">
+        <p14:creationId xmlns:p14="http://schemas.microsoft.com/office/powerpoint/2010/main" val="1533117703"/>
+      </p:ext>
+    </p:extLst>
+  </p:cSld>
+  <p:clrMapOvr>
+    <a:masterClrMapping/>
+  </p:clrMapOvr>
+</p:sld>
+</file>
+
+<file path=ppt/slides/slide23.xml><?xml version="1.0" encoding="utf-8"?>
+<p:sld xmlns:a="http://schemas.openxmlformats.org/drawingml/2006/main" xmlns:r="http://schemas.openxmlformats.org/officeDocument/2006/relationships" xmlns:p="http://schemas.openxmlformats.org/presentationml/2006/main">
+  <p:cSld>
+    <p:spTree>
+      <p:nvGrpSpPr>
+        <p:cNvPr id="1" name=""/>
+        <p:cNvGrpSpPr/>
+        <p:nvPr/>
+      </p:nvGrpSpPr>
+      <p:grpSpPr>
+        <a:xfrm>
+          <a:off x="0" y="0"/>
+          <a:ext cx="0" cy="0"/>
+          <a:chOff x="0" y="0"/>
+          <a:chExt cx="0" cy="0"/>
+        </a:xfrm>
+      </p:grpSpPr>
+      <p:cxnSp>
+        <p:nvCxnSpPr>
+          <p:cNvPr id="4" name="직선 연결선 3"/>
+          <p:cNvCxnSpPr/>
+          <p:nvPr/>
+        </p:nvCxnSpPr>
+        <p:spPr>
+          <a:xfrm>
+            <a:off x="0" y="538264"/>
+            <a:ext cx="12192000" cy="0"/>
+          </a:xfrm>
+          <a:prstGeom prst="line">
+            <a:avLst/>
+          </a:prstGeom>
+          <a:ln>
+            <a:solidFill>
+              <a:schemeClr val="tx1"/>
+            </a:solidFill>
+          </a:ln>
+        </p:spPr>
+        <p:style>
+          <a:lnRef idx="1">
+            <a:schemeClr val="accent1"/>
+          </a:lnRef>
+          <a:fillRef idx="0">
+            <a:schemeClr val="accent1"/>
+          </a:fillRef>
+          <a:effectRef idx="0">
+            <a:schemeClr val="accent1"/>
+          </a:effectRef>
+          <a:fontRef idx="minor">
+            <a:schemeClr val="tx1"/>
+          </a:fontRef>
+        </p:style>
+      </p:cxnSp>
+      <p:sp>
+        <p:nvSpPr>
+          <p:cNvPr id="6" name="TextBox 5"/>
+          <p:cNvSpPr txBox="1"/>
+          <p:nvPr/>
+        </p:nvSpPr>
+        <p:spPr>
+          <a:xfrm>
+            <a:off x="11516040" y="275457"/>
+            <a:ext cx="641522" cy="261610"/>
+          </a:xfrm>
+          <a:prstGeom prst="rect">
+            <a:avLst/>
+          </a:prstGeom>
+          <a:noFill/>
+        </p:spPr>
+        <p:txBody>
+          <a:bodyPr wrap="none" rtlCol="0">
+            <a:spAutoFit/>
+          </a:bodyPr>
+          <a:lstStyle/>
+          <a:p>
+            <a:r>
+              <a:rPr lang="en-US" altLang="ko-KR" sz="1100" b="1" i="1" dirty="0" smtClean="0"/>
+              <a:t>IT </a:t>
+            </a:r>
+            <a:r>
+              <a:rPr lang="ko-KR" altLang="en-US" sz="1100" b="1" i="1" dirty="0" smtClean="0"/>
+              <a:t>늦공</a:t>
+            </a:r>
+            <a:endParaRPr lang="ko-KR" altLang="en-US" sz="1100" b="1" i="1" dirty="0"/>
+          </a:p>
+        </p:txBody>
+      </p:sp>
+      <p:sp>
+        <p:nvSpPr>
+          <p:cNvPr id="7" name="TextBox 6"/>
+          <p:cNvSpPr txBox="1"/>
+          <p:nvPr/>
+        </p:nvSpPr>
+        <p:spPr>
+          <a:xfrm>
+            <a:off x="129702" y="71336"/>
+            <a:ext cx="5796074" cy="369332"/>
+          </a:xfrm>
+          <a:prstGeom prst="rect">
+            <a:avLst/>
+          </a:prstGeom>
+          <a:noFill/>
+        </p:spPr>
+        <p:txBody>
+          <a:bodyPr wrap="none" rtlCol="0">
+            <a:spAutoFit/>
+          </a:bodyPr>
+          <a:lstStyle/>
+          <a:p>
+            <a:r>
+              <a:rPr lang="en-US" altLang="ko-KR" b="1" dirty="0" smtClean="0"/>
+              <a:t>Spring boot , Oracle , </a:t>
+            </a:r>
+            <a:r>
+              <a:rPr lang="en-US" altLang="ko-KR" b="1" dirty="0" err="1" smtClean="0"/>
+              <a:t>jdbc</a:t>
+            </a:r>
+            <a:r>
+              <a:rPr lang="en-US" altLang="ko-KR" b="1" dirty="0" smtClean="0"/>
+              <a:t> , </a:t>
+            </a:r>
+            <a:r>
+              <a:rPr lang="en-US" altLang="ko-KR" b="1" dirty="0" err="1" smtClean="0"/>
+              <a:t>jdbcTemplate</a:t>
+            </a:r>
+            <a:r>
+              <a:rPr lang="en-US" altLang="ko-KR" b="1" dirty="0" smtClean="0"/>
+              <a:t>, </a:t>
+            </a:r>
+            <a:r>
+              <a:rPr lang="en-US" altLang="ko-KR" b="1" dirty="0" smtClean="0">
+                <a:solidFill>
+                  <a:srgbClr val="FF0000"/>
+                </a:solidFill>
+              </a:rPr>
+              <a:t>mybatis</a:t>
+            </a:r>
+            <a:endParaRPr lang="ko-KR" altLang="en-US" b="1" dirty="0">
+              <a:solidFill>
+                <a:srgbClr val="FF0000"/>
+              </a:solidFill>
+            </a:endParaRPr>
+          </a:p>
+        </p:txBody>
+      </p:sp>
+      <p:sp>
+        <p:nvSpPr>
+          <p:cNvPr id="8" name="TextBox 7"/>
+          <p:cNvSpPr txBox="1"/>
+          <p:nvPr/>
+        </p:nvSpPr>
+        <p:spPr>
+          <a:xfrm>
+            <a:off x="370936" y="793631"/>
+            <a:ext cx="2242858" cy="369332"/>
+          </a:xfrm>
+          <a:prstGeom prst="rect">
+            <a:avLst/>
+          </a:prstGeom>
+          <a:noFill/>
+        </p:spPr>
+        <p:txBody>
+          <a:bodyPr wrap="none" rtlCol="0">
+            <a:spAutoFit/>
+          </a:bodyPr>
+          <a:lstStyle/>
+          <a:p>
+            <a:r>
+              <a:rPr lang="ko-KR" altLang="en-US" dirty="0" smtClean="0"/>
+              <a:t>■</a:t>
+            </a:r>
+            <a:r>
+              <a:rPr lang="en-US" altLang="ko-KR" dirty="0" smtClean="0"/>
+              <a:t> </a:t>
+            </a:r>
+            <a:r>
+              <a:rPr lang="en-US" altLang="ko-KR" dirty="0" err="1" smtClean="0"/>
+              <a:t>mybatis.mapper</a:t>
+            </a:r>
+            <a:r>
+              <a:rPr lang="ko-KR" altLang="en-US" dirty="0" smtClean="0"/>
+              <a:t> </a:t>
+            </a:r>
+            <a:endParaRPr lang="ko-KR" altLang="en-US" dirty="0"/>
+          </a:p>
+        </p:txBody>
+      </p:sp>
+      <p:sp>
+        <p:nvSpPr>
+          <p:cNvPr id="13" name="TextBox 12"/>
+          <p:cNvSpPr txBox="1"/>
+          <p:nvPr/>
+        </p:nvSpPr>
+        <p:spPr>
+          <a:xfrm>
+            <a:off x="370936" y="1561003"/>
+            <a:ext cx="5755102" cy="4939814"/>
+          </a:xfrm>
+          <a:prstGeom prst="rect">
+            <a:avLst/>
+          </a:prstGeom>
+          <a:noFill/>
+        </p:spPr>
+        <p:txBody>
+          <a:bodyPr wrap="none" rtlCol="0">
+            <a:spAutoFit/>
+          </a:bodyPr>
+          <a:lstStyle/>
+          <a:p>
+            <a:r>
+              <a:rPr lang="en-US" altLang="ko-KR" sz="1050" dirty="0"/>
+              <a:t>&lt;?xml version=</a:t>
+            </a:r>
+            <a:r>
+              <a:rPr lang="en-US" altLang="ko-KR" sz="1050" i="1" dirty="0"/>
+              <a:t>"1.0" encoding="UTF-8"?&gt;</a:t>
+            </a:r>
+          </a:p>
+          <a:p>
+            <a:r>
+              <a:rPr lang="en-US" altLang="ko-KR" sz="1050" dirty="0"/>
+              <a:t>&lt;!DOCTYPE mapper</a:t>
+            </a:r>
+          </a:p>
+          <a:p>
+            <a:r>
+              <a:rPr lang="en-US" altLang="ko-KR" sz="1050" dirty="0"/>
+              <a:t>    PUBLIC "-//mybatis.org//DTD Mapper 3.0//EN"</a:t>
+            </a:r>
+          </a:p>
+          <a:p>
+            <a:r>
+              <a:rPr lang="en-US" altLang="ko-KR" sz="1050" dirty="0"/>
+              <a:t>    "http://mybatis.org/</a:t>
+            </a:r>
+            <a:r>
+              <a:rPr lang="en-US" altLang="ko-KR" sz="1050" dirty="0" err="1"/>
+              <a:t>dtd</a:t>
+            </a:r>
+            <a:r>
+              <a:rPr lang="en-US" altLang="ko-KR" sz="1050" dirty="0"/>
+              <a:t>/mybatis-3-mapper.dtd"&gt;</a:t>
+            </a:r>
+          </a:p>
+          <a:p>
+            <a:endParaRPr lang="ko-KR" altLang="en-US" sz="1050" dirty="0"/>
+          </a:p>
+          <a:p>
+            <a:r>
+              <a:rPr lang="en-US" altLang="ko-KR" sz="1050" dirty="0"/>
+              <a:t>&lt;mapper namespace=</a:t>
+            </a:r>
+            <a:r>
+              <a:rPr lang="en-US" altLang="ko-KR" sz="1050" i="1" dirty="0"/>
+              <a:t>"com.study.springboot.ex20.dao.ISimpleBbsDao_ex20"&gt; </a:t>
+            </a:r>
+          </a:p>
+          <a:p>
+            <a:r>
+              <a:rPr lang="ko-KR" altLang="en-US" sz="1050" dirty="0"/>
+              <a:t>    </a:t>
+            </a:r>
+          </a:p>
+          <a:p>
+            <a:r>
+              <a:rPr lang="en-US" altLang="ko-KR" sz="1050" dirty="0"/>
+              <a:t>    &lt;select id=</a:t>
+            </a:r>
+            <a:r>
+              <a:rPr lang="en-US" altLang="ko-KR" sz="1050" i="1" dirty="0"/>
+              <a:t>"</a:t>
+            </a:r>
+            <a:r>
+              <a:rPr lang="en-US" altLang="ko-KR" sz="1050" i="1" dirty="0" err="1"/>
+              <a:t>listDao</a:t>
+            </a:r>
+            <a:r>
+              <a:rPr lang="en-US" altLang="ko-KR" sz="1050" i="1" dirty="0"/>
+              <a:t>" </a:t>
+            </a:r>
+            <a:r>
+              <a:rPr lang="en-US" altLang="ko-KR" sz="1050" i="1" dirty="0" err="1"/>
+              <a:t>resultType</a:t>
+            </a:r>
+            <a:r>
+              <a:rPr lang="en-US" altLang="ko-KR" sz="1050" i="1" dirty="0"/>
+              <a:t>="com.study.springboot.ex20.dto.SimpleBbsDto_ex20"&gt;</a:t>
+            </a:r>
+          </a:p>
+          <a:p>
+            <a:r>
+              <a:rPr lang="en-US" altLang="ko-KR" sz="1050" dirty="0"/>
+              <a:t>        select * from </a:t>
+            </a:r>
+            <a:r>
+              <a:rPr lang="en-US" altLang="ko-KR" sz="1050" dirty="0" err="1"/>
+              <a:t>simple_bbs</a:t>
+            </a:r>
+            <a:r>
+              <a:rPr lang="en-US" altLang="ko-KR" sz="1050" dirty="0"/>
+              <a:t> order by id </a:t>
+            </a:r>
+            <a:r>
+              <a:rPr lang="en-US" altLang="ko-KR" sz="1050" u="sng" dirty="0" err="1"/>
+              <a:t>desc</a:t>
+            </a:r>
+            <a:endParaRPr lang="en-US" altLang="ko-KR" sz="1050" u="sng" dirty="0"/>
+          </a:p>
+          <a:p>
+            <a:r>
+              <a:rPr lang="en-US" altLang="ko-KR" sz="1050" dirty="0"/>
+              <a:t>    &lt;/select&gt;</a:t>
+            </a:r>
+          </a:p>
+          <a:p>
+            <a:endParaRPr lang="ko-KR" altLang="en-US" sz="1050" dirty="0"/>
+          </a:p>
+          <a:p>
+            <a:r>
+              <a:rPr lang="en-US" altLang="ko-KR" sz="1050" dirty="0"/>
+              <a:t>    &lt;select id=</a:t>
+            </a:r>
+            <a:r>
+              <a:rPr lang="en-US" altLang="ko-KR" sz="1050" i="1" dirty="0"/>
+              <a:t>"</a:t>
+            </a:r>
+            <a:r>
+              <a:rPr lang="en-US" altLang="ko-KR" sz="1050" i="1" dirty="0" err="1"/>
+              <a:t>viewDao</a:t>
+            </a:r>
+            <a:r>
+              <a:rPr lang="en-US" altLang="ko-KR" sz="1050" i="1" dirty="0"/>
+              <a:t>" </a:t>
+            </a:r>
+            <a:r>
+              <a:rPr lang="en-US" altLang="ko-KR" sz="1050" i="1" dirty="0" err="1"/>
+              <a:t>resultType</a:t>
+            </a:r>
+            <a:r>
+              <a:rPr lang="en-US" altLang="ko-KR" sz="1050" i="1" dirty="0"/>
+              <a:t>="</a:t>
+            </a:r>
+            <a:r>
+              <a:rPr lang="en-US" altLang="ko-KR" sz="1050" i="1" u="sng" dirty="0"/>
+              <a:t>com.study.springboot.ex20.dto.SimpleBbsDto_ex20"&gt;</a:t>
+            </a:r>
+          </a:p>
+          <a:p>
+            <a:r>
+              <a:rPr lang="en-US" altLang="ko-KR" sz="1050" dirty="0"/>
+              <a:t>        select * from </a:t>
+            </a:r>
+            <a:r>
+              <a:rPr lang="en-US" altLang="ko-KR" sz="1050" dirty="0" err="1"/>
+              <a:t>simple_bbs</a:t>
+            </a:r>
+            <a:r>
+              <a:rPr lang="en-US" altLang="ko-KR" sz="1050" dirty="0"/>
+              <a:t> where id = #{param1}</a:t>
+            </a:r>
+          </a:p>
+          <a:p>
+            <a:r>
+              <a:rPr lang="en-US" altLang="ko-KR" sz="1050" dirty="0"/>
+              <a:t>    &lt;/select&gt;</a:t>
+            </a:r>
+          </a:p>
+          <a:p>
+            <a:endParaRPr lang="ko-KR" altLang="en-US" sz="1050" dirty="0"/>
+          </a:p>
+          <a:p>
+            <a:r>
+              <a:rPr lang="en-US" altLang="ko-KR" sz="1050" dirty="0"/>
+              <a:t>    &lt;insert id=</a:t>
+            </a:r>
+            <a:r>
+              <a:rPr lang="en-US" altLang="ko-KR" sz="1050" i="1" dirty="0"/>
+              <a:t>"</a:t>
+            </a:r>
+            <a:r>
+              <a:rPr lang="en-US" altLang="ko-KR" sz="1050" i="1" dirty="0" err="1"/>
+              <a:t>writeDao</a:t>
+            </a:r>
+            <a:r>
+              <a:rPr lang="en-US" altLang="ko-KR" sz="1050" i="1" dirty="0"/>
+              <a:t>" </a:t>
+            </a:r>
+            <a:r>
+              <a:rPr lang="en-US" altLang="ko-KR" sz="1050" i="1" dirty="0" err="1"/>
+              <a:t>parameterType</a:t>
+            </a:r>
+            <a:r>
+              <a:rPr lang="en-US" altLang="ko-KR" sz="1050" i="1" dirty="0"/>
+              <a:t>="</a:t>
+            </a:r>
+            <a:r>
+              <a:rPr lang="en-US" altLang="ko-KR" sz="1050" i="1" dirty="0" err="1"/>
+              <a:t>java.util.HashMap</a:t>
+            </a:r>
+            <a:r>
+              <a:rPr lang="en-US" altLang="ko-KR" sz="1050" i="1" dirty="0"/>
+              <a:t>"&gt;</a:t>
+            </a:r>
+          </a:p>
+          <a:p>
+            <a:r>
+              <a:rPr lang="en-US" altLang="ko-KR" sz="1050" dirty="0"/>
+              <a:t>        insert into </a:t>
+            </a:r>
+            <a:r>
+              <a:rPr lang="en-US" altLang="ko-KR" sz="1050" dirty="0" err="1"/>
+              <a:t>simple_bbs</a:t>
+            </a:r>
+            <a:r>
+              <a:rPr lang="en-US" altLang="ko-KR" sz="1050" dirty="0"/>
+              <a:t> (id, writer, title, content)</a:t>
+            </a:r>
+          </a:p>
+          <a:p>
+            <a:r>
+              <a:rPr lang="en-US" altLang="ko-KR" sz="1050" dirty="0"/>
+              <a:t>             values (</a:t>
+            </a:r>
+            <a:r>
+              <a:rPr lang="en-US" altLang="ko-KR" sz="1050" dirty="0" err="1"/>
+              <a:t>simple_bbs_seq.nextval</a:t>
+            </a:r>
+            <a:r>
+              <a:rPr lang="en-US" altLang="ko-KR" sz="1050" dirty="0"/>
+              <a:t>, #{param1}, #{param2}, #{param3})</a:t>
+            </a:r>
+          </a:p>
+          <a:p>
+            <a:r>
+              <a:rPr lang="en-US" altLang="ko-KR" sz="1050" dirty="0"/>
+              <a:t>    &lt;/insert&gt;</a:t>
+            </a:r>
+          </a:p>
+          <a:p>
+            <a:endParaRPr lang="ko-KR" altLang="en-US" sz="1050" dirty="0"/>
+          </a:p>
+          <a:p>
+            <a:r>
+              <a:rPr lang="en-US" altLang="ko-KR" sz="1050" dirty="0"/>
+              <a:t>    &lt;delete id=</a:t>
+            </a:r>
+            <a:r>
+              <a:rPr lang="en-US" altLang="ko-KR" sz="1050" i="1" dirty="0"/>
+              <a:t>"</a:t>
+            </a:r>
+            <a:r>
+              <a:rPr lang="en-US" altLang="ko-KR" sz="1050" i="1" dirty="0" err="1"/>
+              <a:t>deleteDao</a:t>
+            </a:r>
+            <a:r>
+              <a:rPr lang="en-US" altLang="ko-KR" sz="1050" i="1" dirty="0"/>
+              <a:t>"&gt;</a:t>
+            </a:r>
+          </a:p>
+          <a:p>
+            <a:r>
+              <a:rPr lang="en-US" altLang="ko-KR" sz="1050" dirty="0"/>
+              <a:t>        delete from </a:t>
+            </a:r>
+            <a:r>
+              <a:rPr lang="en-US" altLang="ko-KR" sz="1050" dirty="0" err="1"/>
+              <a:t>simple_bbs</a:t>
+            </a:r>
+            <a:r>
+              <a:rPr lang="en-US" altLang="ko-KR" sz="1050" dirty="0"/>
+              <a:t> where id = #{param1}</a:t>
+            </a:r>
+          </a:p>
+          <a:p>
+            <a:r>
+              <a:rPr lang="en-US" altLang="ko-KR" sz="1050" dirty="0"/>
+              <a:t>    &lt;/delete&gt;</a:t>
+            </a:r>
+          </a:p>
+          <a:p>
+            <a:r>
+              <a:rPr lang="ko-KR" altLang="en-US" sz="1050" dirty="0"/>
+              <a:t>    </a:t>
+            </a:r>
+          </a:p>
+          <a:p>
+            <a:r>
+              <a:rPr lang="en-US" altLang="ko-KR" sz="1050" dirty="0"/>
+              <a:t>    &lt;select id=</a:t>
+            </a:r>
+            <a:r>
+              <a:rPr lang="en-US" altLang="ko-KR" sz="1050" i="1" dirty="0"/>
+              <a:t>"</a:t>
+            </a:r>
+            <a:r>
+              <a:rPr lang="en-US" altLang="ko-KR" sz="1050" i="1" dirty="0" err="1"/>
+              <a:t>articleCount</a:t>
+            </a:r>
+            <a:r>
+              <a:rPr lang="en-US" altLang="ko-KR" sz="1050" i="1" dirty="0"/>
+              <a:t>" </a:t>
+            </a:r>
+            <a:r>
+              <a:rPr lang="en-US" altLang="ko-KR" sz="1050" i="1" dirty="0" err="1"/>
+              <a:t>resultType</a:t>
+            </a:r>
+            <a:r>
+              <a:rPr lang="en-US" altLang="ko-KR" sz="1050" i="1" dirty="0"/>
+              <a:t>="_</a:t>
+            </a:r>
+            <a:r>
+              <a:rPr lang="en-US" altLang="ko-KR" sz="1050" i="1" dirty="0" err="1"/>
+              <a:t>int</a:t>
+            </a:r>
+            <a:r>
+              <a:rPr lang="en-US" altLang="ko-KR" sz="1050" i="1" dirty="0"/>
+              <a:t>"&gt;</a:t>
+            </a:r>
+          </a:p>
+          <a:p>
+            <a:r>
+              <a:rPr lang="en-US" altLang="ko-KR" sz="1050" dirty="0"/>
+              <a:t>    select count(*) from </a:t>
+            </a:r>
+            <a:r>
+              <a:rPr lang="en-US" altLang="ko-KR" sz="1050" dirty="0" err="1"/>
+              <a:t>simple_bbs</a:t>
+            </a:r>
+            <a:endParaRPr lang="en-US" altLang="ko-KR" sz="1050" dirty="0"/>
+          </a:p>
+          <a:p>
+            <a:r>
+              <a:rPr lang="en-US" altLang="ko-KR" sz="1050" dirty="0"/>
+              <a:t>    &lt;/select&gt;</a:t>
+            </a:r>
+          </a:p>
+          <a:p>
+            <a:r>
+              <a:rPr lang="ko-KR" altLang="en-US" sz="1050" dirty="0"/>
+              <a:t>    </a:t>
+            </a:r>
+          </a:p>
+          <a:p>
+            <a:r>
+              <a:rPr lang="en-US" altLang="ko-KR" sz="1050" dirty="0"/>
+              <a:t>&lt;/mapper&gt;</a:t>
+            </a:r>
+          </a:p>
+          <a:p>
+            <a:endParaRPr lang="ko-KR" altLang="en-US" sz="1050" dirty="0"/>
+          </a:p>
+        </p:txBody>
+      </p:sp>
+    </p:spTree>
+    <p:extLst>
+      <p:ext uri="{BB962C8B-B14F-4D97-AF65-F5344CB8AC3E}">
+        <p14:creationId xmlns:p14="http://schemas.microsoft.com/office/powerpoint/2010/main" val="1904762357"/>
+      </p:ext>
+    </p:extLst>
+  </p:cSld>
+  <p:clrMapOvr>
+    <a:masterClrMapping/>
+  </p:clrMapOvr>
+</p:sld>
+</file>
+
+<file path=ppt/slides/slide24.xml><?xml version="1.0" encoding="utf-8"?>
+<p:sld xmlns:a="http://schemas.openxmlformats.org/drawingml/2006/main" xmlns:r="http://schemas.openxmlformats.org/officeDocument/2006/relationships" xmlns:p="http://schemas.openxmlformats.org/presentationml/2006/main">
+  <p:cSld>
+    <p:spTree>
+      <p:nvGrpSpPr>
+        <p:cNvPr id="1" name=""/>
+        <p:cNvGrpSpPr/>
+        <p:nvPr/>
+      </p:nvGrpSpPr>
+      <p:grpSpPr>
+        <a:xfrm>
+          <a:off x="0" y="0"/>
+          <a:ext cx="0" cy="0"/>
+          <a:chOff x="0" y="0"/>
+          <a:chExt cx="0" cy="0"/>
+        </a:xfrm>
+      </p:grpSpPr>
+      <p:cxnSp>
+        <p:nvCxnSpPr>
+          <p:cNvPr id="4" name="직선 연결선 3"/>
+          <p:cNvCxnSpPr/>
+          <p:nvPr/>
+        </p:nvCxnSpPr>
+        <p:spPr>
+          <a:xfrm>
+            <a:off x="0" y="538264"/>
+            <a:ext cx="12192000" cy="0"/>
+          </a:xfrm>
+          <a:prstGeom prst="line">
+            <a:avLst/>
+          </a:prstGeom>
+          <a:ln>
+            <a:solidFill>
+              <a:schemeClr val="tx1"/>
+            </a:solidFill>
+          </a:ln>
+        </p:spPr>
+        <p:style>
+          <a:lnRef idx="1">
+            <a:schemeClr val="accent1"/>
+          </a:lnRef>
+          <a:fillRef idx="0">
+            <a:schemeClr val="accent1"/>
+          </a:fillRef>
+          <a:effectRef idx="0">
+            <a:schemeClr val="accent1"/>
+          </a:effectRef>
+          <a:fontRef idx="minor">
+            <a:schemeClr val="tx1"/>
+          </a:fontRef>
+        </p:style>
+      </p:cxnSp>
+      <p:sp>
+        <p:nvSpPr>
+          <p:cNvPr id="6" name="TextBox 5"/>
+          <p:cNvSpPr txBox="1"/>
+          <p:nvPr/>
+        </p:nvSpPr>
+        <p:spPr>
+          <a:xfrm>
+            <a:off x="11516040" y="275457"/>
+            <a:ext cx="641522" cy="261610"/>
+          </a:xfrm>
+          <a:prstGeom prst="rect">
+            <a:avLst/>
+          </a:prstGeom>
+          <a:noFill/>
+        </p:spPr>
+        <p:txBody>
+          <a:bodyPr wrap="none" rtlCol="0">
+            <a:spAutoFit/>
+          </a:bodyPr>
+          <a:lstStyle/>
+          <a:p>
+            <a:r>
+              <a:rPr lang="en-US" altLang="ko-KR" sz="1100" b="1" i="1" dirty="0" smtClean="0"/>
+              <a:t>IT </a:t>
+            </a:r>
+            <a:r>
+              <a:rPr lang="ko-KR" altLang="en-US" sz="1100" b="1" i="1" dirty="0" smtClean="0"/>
+              <a:t>늦공</a:t>
+            </a:r>
+            <a:endParaRPr lang="ko-KR" altLang="en-US" sz="1100" b="1" i="1" dirty="0"/>
+          </a:p>
+        </p:txBody>
+      </p:sp>
+      <p:sp>
+        <p:nvSpPr>
+          <p:cNvPr id="7" name="TextBox 6"/>
+          <p:cNvSpPr txBox="1"/>
+          <p:nvPr/>
+        </p:nvSpPr>
+        <p:spPr>
+          <a:xfrm>
+            <a:off x="129702" y="71336"/>
+            <a:ext cx="5796074" cy="369332"/>
+          </a:xfrm>
+          <a:prstGeom prst="rect">
+            <a:avLst/>
+          </a:prstGeom>
+          <a:noFill/>
+        </p:spPr>
+        <p:txBody>
+          <a:bodyPr wrap="none" rtlCol="0">
+            <a:spAutoFit/>
+          </a:bodyPr>
+          <a:lstStyle/>
+          <a:p>
+            <a:r>
+              <a:rPr lang="en-US" altLang="ko-KR" b="1" dirty="0" smtClean="0"/>
+              <a:t>Spring boot , Oracle , </a:t>
+            </a:r>
+            <a:r>
+              <a:rPr lang="en-US" altLang="ko-KR" b="1" dirty="0" err="1" smtClean="0"/>
+              <a:t>jdbc</a:t>
+            </a:r>
+            <a:r>
+              <a:rPr lang="en-US" altLang="ko-KR" b="1" dirty="0" smtClean="0"/>
+              <a:t> , </a:t>
+            </a:r>
+            <a:r>
+              <a:rPr lang="en-US" altLang="ko-KR" b="1" dirty="0" err="1" smtClean="0"/>
+              <a:t>jdbcTemplate</a:t>
+            </a:r>
+            <a:r>
+              <a:rPr lang="en-US" altLang="ko-KR" b="1" dirty="0" smtClean="0"/>
+              <a:t>, </a:t>
+            </a:r>
+            <a:r>
+              <a:rPr lang="en-US" altLang="ko-KR" b="1" dirty="0" smtClean="0">
+                <a:solidFill>
+                  <a:srgbClr val="FF0000"/>
+                </a:solidFill>
+              </a:rPr>
+              <a:t>mybatis</a:t>
+            </a:r>
+            <a:endParaRPr lang="ko-KR" altLang="en-US" b="1" dirty="0">
+              <a:solidFill>
+                <a:srgbClr val="FF0000"/>
+              </a:solidFill>
+            </a:endParaRPr>
+          </a:p>
+        </p:txBody>
+      </p:sp>
+      <p:sp>
+        <p:nvSpPr>
+          <p:cNvPr id="8" name="TextBox 7"/>
+          <p:cNvSpPr txBox="1"/>
+          <p:nvPr/>
+        </p:nvSpPr>
+        <p:spPr>
+          <a:xfrm>
+            <a:off x="370936" y="793631"/>
+            <a:ext cx="2536913" cy="369332"/>
+          </a:xfrm>
+          <a:prstGeom prst="rect">
+            <a:avLst/>
+          </a:prstGeom>
+          <a:noFill/>
+        </p:spPr>
+        <p:txBody>
+          <a:bodyPr wrap="none" rtlCol="0">
+            <a:spAutoFit/>
+          </a:bodyPr>
+          <a:lstStyle/>
+          <a:p>
+            <a:r>
+              <a:rPr lang="ko-KR" altLang="en-US" dirty="0" smtClean="0"/>
+              <a:t>■</a:t>
+            </a:r>
+            <a:r>
+              <a:rPr lang="en-US" altLang="ko-KR" dirty="0"/>
+              <a:t> logback-spring.xml</a:t>
+            </a:r>
+            <a:r>
+              <a:rPr lang="ko-KR" altLang="en-US" dirty="0" smtClean="0"/>
+              <a:t> </a:t>
+            </a:r>
+            <a:endParaRPr lang="ko-KR" altLang="en-US" dirty="0"/>
+          </a:p>
+        </p:txBody>
+      </p:sp>
+      <p:sp>
+        <p:nvSpPr>
+          <p:cNvPr id="13" name="TextBox 12"/>
+          <p:cNvSpPr txBox="1"/>
+          <p:nvPr/>
+        </p:nvSpPr>
+        <p:spPr>
+          <a:xfrm>
+            <a:off x="684792" y="1619726"/>
+            <a:ext cx="10965309" cy="3662541"/>
+          </a:xfrm>
+          <a:prstGeom prst="rect">
+            <a:avLst/>
+          </a:prstGeom>
+          <a:noFill/>
+        </p:spPr>
+        <p:txBody>
+          <a:bodyPr wrap="none" rtlCol="0">
+            <a:spAutoFit/>
+          </a:bodyPr>
+          <a:lstStyle/>
+          <a:p>
+            <a:r>
+              <a:rPr lang="en-US" altLang="ko-KR" sz="1600" dirty="0"/>
+              <a:t>&lt;?xml version=</a:t>
+            </a:r>
+            <a:r>
+              <a:rPr lang="en-US" altLang="ko-KR" sz="1600" i="1" dirty="0"/>
+              <a:t>"1.0" encoding="UTF-8"?&gt;</a:t>
+            </a:r>
+          </a:p>
+          <a:p>
+            <a:r>
+              <a:rPr lang="en-US" altLang="ko-KR" sz="1600" dirty="0"/>
+              <a:t>&lt;</a:t>
+            </a:r>
+            <a:r>
+              <a:rPr lang="en-US" altLang="ko-KR" sz="1600" u="sng" dirty="0"/>
+              <a:t>configuration&gt;</a:t>
+            </a:r>
+          </a:p>
+          <a:p>
+            <a:r>
+              <a:rPr lang="en-US" altLang="ko-KR" sz="1600" dirty="0"/>
+              <a:t>    &lt;</a:t>
+            </a:r>
+            <a:r>
+              <a:rPr lang="en-US" altLang="ko-KR" sz="1600" dirty="0" err="1"/>
+              <a:t>appender</a:t>
+            </a:r>
+            <a:r>
+              <a:rPr lang="en-US" altLang="ko-KR" sz="1600" dirty="0"/>
+              <a:t> name=</a:t>
+            </a:r>
+            <a:r>
+              <a:rPr lang="en-US" altLang="ko-KR" sz="1600" i="1" dirty="0"/>
+              <a:t>"console" class="</a:t>
+            </a:r>
+            <a:r>
+              <a:rPr lang="en-US" altLang="ko-KR" sz="1600" i="1" dirty="0" err="1"/>
+              <a:t>ch.qos.logback.core.ConsoleAppender</a:t>
+            </a:r>
+            <a:r>
+              <a:rPr lang="en-US" altLang="ko-KR" sz="1600" i="1" dirty="0"/>
+              <a:t>"&gt;</a:t>
+            </a:r>
+          </a:p>
+          <a:p>
+            <a:r>
+              <a:rPr lang="en-US" altLang="ko-KR" sz="1600" dirty="0"/>
+              <a:t>        &lt;encoder&gt;</a:t>
+            </a:r>
+          </a:p>
+          <a:p>
+            <a:r>
+              <a:rPr lang="en-US" altLang="ko-KR" sz="1600" dirty="0"/>
+              <a:t>            &lt;Pattern&gt;[%d{</a:t>
+            </a:r>
+            <a:r>
+              <a:rPr lang="en-US" altLang="ko-KR" sz="1600" u="sng" dirty="0" err="1"/>
+              <a:t>yyyy</a:t>
+            </a:r>
+            <a:r>
+              <a:rPr lang="en-US" altLang="ko-KR" sz="1600" u="sng" dirty="0"/>
+              <a:t>-MM-</a:t>
+            </a:r>
+            <a:r>
+              <a:rPr lang="en-US" altLang="ko-KR" sz="1600" u="sng" dirty="0" err="1"/>
+              <a:t>dd</a:t>
+            </a:r>
+            <a:r>
+              <a:rPr lang="en-US" altLang="ko-KR" sz="1600" u="sng" dirty="0"/>
+              <a:t> </a:t>
+            </a:r>
+            <a:r>
+              <a:rPr lang="en-US" altLang="ko-KR" sz="1600" u="sng" dirty="0" err="1"/>
+              <a:t>HH:mm:ss</a:t>
+            </a:r>
+            <a:r>
+              <a:rPr lang="en-US" altLang="ko-KR" sz="1600" u="sng" dirty="0"/>
+              <a:t>}:%-3relative] [%thread] %-5level %logger{36} - %</a:t>
+            </a:r>
+            <a:r>
+              <a:rPr lang="en-US" altLang="ko-KR" sz="1600" u="sng" dirty="0" err="1"/>
+              <a:t>msg%n</a:t>
+            </a:r>
+            <a:r>
+              <a:rPr lang="en-US" altLang="ko-KR" sz="1600" u="sng" dirty="0"/>
+              <a:t>&lt;/Pattern&gt;</a:t>
+            </a:r>
+          </a:p>
+          <a:p>
+            <a:r>
+              <a:rPr lang="en-US" altLang="ko-KR" sz="1600" dirty="0"/>
+              <a:t>        &lt;/encoder&gt;</a:t>
+            </a:r>
+          </a:p>
+          <a:p>
+            <a:r>
+              <a:rPr lang="en-US" altLang="ko-KR" sz="1600" dirty="0"/>
+              <a:t>    &lt;/</a:t>
+            </a:r>
+            <a:r>
+              <a:rPr lang="en-US" altLang="ko-KR" sz="1600" dirty="0" err="1"/>
+              <a:t>appender</a:t>
+            </a:r>
+            <a:r>
+              <a:rPr lang="en-US" altLang="ko-KR" sz="1600" dirty="0"/>
+              <a:t>&gt;</a:t>
+            </a:r>
+          </a:p>
+          <a:p>
+            <a:endParaRPr lang="ko-KR" altLang="en-US" sz="1600" dirty="0"/>
+          </a:p>
+          <a:p>
+            <a:r>
+              <a:rPr lang="en-US" altLang="ko-KR" sz="1600" dirty="0"/>
+              <a:t>    &lt;logger name=</a:t>
+            </a:r>
+            <a:r>
+              <a:rPr lang="en-US" altLang="ko-KR" sz="1600" i="1" dirty="0"/>
+              <a:t>"</a:t>
+            </a:r>
+            <a:r>
+              <a:rPr lang="en-US" altLang="ko-KR" sz="1600" i="1" dirty="0" err="1"/>
+              <a:t>com.study.springboot</a:t>
+            </a:r>
+            <a:r>
+              <a:rPr lang="en-US" altLang="ko-KR" sz="1600" i="1" dirty="0"/>
+              <a:t>" level="debug"/&gt;</a:t>
+            </a:r>
+          </a:p>
+          <a:p>
+            <a:r>
+              <a:rPr lang="ko-KR" altLang="en-US" sz="1600" dirty="0"/>
+              <a:t>        </a:t>
+            </a:r>
+          </a:p>
+          <a:p>
+            <a:r>
+              <a:rPr lang="en-US" altLang="ko-KR" sz="1600" dirty="0"/>
+              <a:t>    &lt;root level=</a:t>
+            </a:r>
+            <a:r>
+              <a:rPr lang="en-US" altLang="ko-KR" sz="1600" i="1" dirty="0"/>
+              <a:t>"off"&gt;</a:t>
+            </a:r>
+          </a:p>
+          <a:p>
+            <a:r>
+              <a:rPr lang="en-US" altLang="ko-KR" sz="1600" dirty="0"/>
+              <a:t>        &lt;</a:t>
+            </a:r>
+            <a:r>
+              <a:rPr lang="en-US" altLang="ko-KR" sz="1600" dirty="0" err="1"/>
+              <a:t>appender</a:t>
+            </a:r>
+            <a:r>
+              <a:rPr lang="en-US" altLang="ko-KR" sz="1600" dirty="0"/>
+              <a:t>-ref ref=</a:t>
+            </a:r>
+            <a:r>
+              <a:rPr lang="en-US" altLang="ko-KR" sz="1600" i="1" dirty="0"/>
+              <a:t>"console"/&gt;</a:t>
+            </a:r>
+          </a:p>
+          <a:p>
+            <a:r>
+              <a:rPr lang="en-US" altLang="ko-KR" sz="1600" dirty="0"/>
+              <a:t>    &lt;/root&gt;</a:t>
+            </a:r>
+          </a:p>
+          <a:p>
+            <a:r>
+              <a:rPr lang="en-US" altLang="ko-KR" sz="1600" dirty="0"/>
+              <a:t>&lt;/configuration&gt;</a:t>
+            </a:r>
+            <a:endParaRPr lang="ko-KR" altLang="en-US" sz="1600" dirty="0"/>
+          </a:p>
+        </p:txBody>
+      </p:sp>
+    </p:spTree>
+    <p:extLst>
+      <p:ext uri="{BB962C8B-B14F-4D97-AF65-F5344CB8AC3E}">
+        <p14:creationId xmlns:p14="http://schemas.microsoft.com/office/powerpoint/2010/main" val="1387886142"/>
+      </p:ext>
+    </p:extLst>
+  </p:cSld>
+  <p:clrMapOvr>
+    <a:masterClrMapping/>
+  </p:clrMapOvr>
+</p:sld>
+</file>
+
+<file path=ppt/slides/slide25.xml><?xml version="1.0" encoding="utf-8"?>
+<p:sld xmlns:a="http://schemas.openxmlformats.org/drawingml/2006/main" xmlns:r="http://schemas.openxmlformats.org/officeDocument/2006/relationships" xmlns:p="http://schemas.openxmlformats.org/presentationml/2006/main">
+  <p:cSld>
+    <p:spTree>
+      <p:nvGrpSpPr>
+        <p:cNvPr id="1" name=""/>
+        <p:cNvGrpSpPr/>
+        <p:nvPr/>
+      </p:nvGrpSpPr>
+      <p:grpSpPr>
+        <a:xfrm>
+          <a:off x="0" y="0"/>
+          <a:ext cx="0" cy="0"/>
+          <a:chOff x="0" y="0"/>
+          <a:chExt cx="0" cy="0"/>
+        </a:xfrm>
+      </p:grpSpPr>
+      <p:cxnSp>
+        <p:nvCxnSpPr>
+          <p:cNvPr id="4" name="직선 연결선 3"/>
+          <p:cNvCxnSpPr/>
+          <p:nvPr/>
+        </p:nvCxnSpPr>
+        <p:spPr>
+          <a:xfrm>
+            <a:off x="0" y="538264"/>
+            <a:ext cx="12192000" cy="0"/>
+          </a:xfrm>
+          <a:prstGeom prst="line">
+            <a:avLst/>
+          </a:prstGeom>
+          <a:ln>
+            <a:solidFill>
+              <a:schemeClr val="tx1"/>
+            </a:solidFill>
+          </a:ln>
+        </p:spPr>
+        <p:style>
+          <a:lnRef idx="1">
+            <a:schemeClr val="accent1"/>
+          </a:lnRef>
+          <a:fillRef idx="0">
+            <a:schemeClr val="accent1"/>
+          </a:fillRef>
+          <a:effectRef idx="0">
+            <a:schemeClr val="accent1"/>
+          </a:effectRef>
+          <a:fontRef idx="minor">
+            <a:schemeClr val="tx1"/>
+          </a:fontRef>
+        </p:style>
+      </p:cxnSp>
+      <p:sp>
+        <p:nvSpPr>
+          <p:cNvPr id="5" name="TextBox 4"/>
+          <p:cNvSpPr txBox="1"/>
+          <p:nvPr/>
+        </p:nvSpPr>
+        <p:spPr>
+          <a:xfrm>
+            <a:off x="343711" y="90791"/>
+            <a:ext cx="2090637" cy="369332"/>
+          </a:xfrm>
+          <a:prstGeom prst="rect">
+            <a:avLst/>
+          </a:prstGeom>
+          <a:noFill/>
+        </p:spPr>
+        <p:txBody>
+          <a:bodyPr wrap="none" rtlCol="0">
+            <a:spAutoFit/>
+          </a:bodyPr>
+          <a:lstStyle/>
+          <a:p>
+            <a:r>
+              <a:rPr lang="ko-KR" altLang="en-US" b="1" dirty="0" smtClean="0"/>
+              <a:t>모델 </a:t>
+            </a:r>
+            <a:r>
+              <a:rPr lang="en-US" altLang="ko-KR" b="1" dirty="0" smtClean="0"/>
+              <a:t>2 </a:t>
+            </a:r>
+            <a:r>
+              <a:rPr lang="ko-KR" altLang="en-US" b="1" dirty="0" smtClean="0"/>
+              <a:t>학습 방법 </a:t>
+            </a:r>
+            <a:endParaRPr lang="ko-KR" altLang="en-US" b="1" dirty="0"/>
+          </a:p>
+        </p:txBody>
+      </p:sp>
+      <p:sp>
+        <p:nvSpPr>
+          <p:cNvPr id="6" name="TextBox 5"/>
+          <p:cNvSpPr txBox="1"/>
+          <p:nvPr/>
+        </p:nvSpPr>
+        <p:spPr>
+          <a:xfrm>
+            <a:off x="11516040" y="275457"/>
+            <a:ext cx="641522" cy="261610"/>
+          </a:xfrm>
+          <a:prstGeom prst="rect">
+            <a:avLst/>
+          </a:prstGeom>
+          <a:noFill/>
+        </p:spPr>
+        <p:txBody>
+          <a:bodyPr wrap="none" rtlCol="0">
+            <a:spAutoFit/>
+          </a:bodyPr>
+          <a:lstStyle/>
+          <a:p>
+            <a:r>
+              <a:rPr lang="en-US" altLang="ko-KR" sz="1100" b="1" i="1" dirty="0" smtClean="0"/>
+              <a:t>IT </a:t>
+            </a:r>
+            <a:r>
+              <a:rPr lang="ko-KR" altLang="en-US" sz="1100" b="1" i="1" dirty="0" smtClean="0"/>
+              <a:t>늦공</a:t>
+            </a:r>
+            <a:endParaRPr lang="ko-KR" altLang="en-US" sz="1100" b="1" i="1" dirty="0"/>
+          </a:p>
+        </p:txBody>
+      </p:sp>
+      <p:sp>
+        <p:nvSpPr>
+          <p:cNvPr id="28" name="TextBox 27"/>
+          <p:cNvSpPr txBox="1"/>
+          <p:nvPr/>
+        </p:nvSpPr>
+        <p:spPr>
+          <a:xfrm>
+            <a:off x="8660598" y="975587"/>
+            <a:ext cx="1559658" cy="369332"/>
+          </a:xfrm>
+          <a:prstGeom prst="rect">
+            <a:avLst/>
+          </a:prstGeom>
+          <a:noFill/>
+        </p:spPr>
+        <p:txBody>
+          <a:bodyPr wrap="none" rtlCol="0">
+            <a:spAutoFit/>
+          </a:bodyPr>
+          <a:lstStyle/>
+          <a:p>
+            <a:r>
+              <a:rPr lang="en-US" altLang="ko-KR" dirty="0" smtClean="0"/>
+              <a:t>Model2 MVC</a:t>
+            </a:r>
+            <a:endParaRPr lang="ko-KR" altLang="en-US" dirty="0"/>
+          </a:p>
+        </p:txBody>
+      </p:sp>
+      <p:cxnSp>
+        <p:nvCxnSpPr>
+          <p:cNvPr id="29" name="직선 연결선 28"/>
+          <p:cNvCxnSpPr/>
+          <p:nvPr/>
+        </p:nvCxnSpPr>
+        <p:spPr>
+          <a:xfrm>
+            <a:off x="848691" y="1559827"/>
+            <a:ext cx="1374843" cy="0"/>
+          </a:xfrm>
+          <a:prstGeom prst="line">
+            <a:avLst/>
+          </a:prstGeom>
+          <a:ln>
+            <a:solidFill>
+              <a:schemeClr val="tx1"/>
+            </a:solidFill>
+          </a:ln>
+        </p:spPr>
+        <p:style>
+          <a:lnRef idx="1">
+            <a:schemeClr val="accent1"/>
+          </a:lnRef>
+          <a:fillRef idx="0">
+            <a:schemeClr val="accent1"/>
+          </a:fillRef>
+          <a:effectRef idx="0">
+            <a:schemeClr val="accent1"/>
+          </a:effectRef>
+          <a:fontRef idx="minor">
+            <a:schemeClr val="tx1"/>
+          </a:fontRef>
+        </p:style>
+      </p:cxnSp>
+      <p:sp>
+        <p:nvSpPr>
+          <p:cNvPr id="30" name="TextBox 29"/>
+          <p:cNvSpPr txBox="1"/>
+          <p:nvPr/>
+        </p:nvSpPr>
+        <p:spPr>
+          <a:xfrm>
+            <a:off x="1088056" y="1128726"/>
+            <a:ext cx="779381" cy="369332"/>
+          </a:xfrm>
+          <a:prstGeom prst="rect">
+            <a:avLst/>
+          </a:prstGeom>
+          <a:noFill/>
+        </p:spPr>
+        <p:txBody>
+          <a:bodyPr wrap="none" rtlCol="0">
+            <a:spAutoFit/>
+          </a:bodyPr>
+          <a:lstStyle/>
+          <a:p>
+            <a:r>
+              <a:rPr lang="en-US" altLang="ko-KR" dirty="0" smtClean="0"/>
+              <a:t>Client</a:t>
+            </a:r>
+            <a:endParaRPr lang="ko-KR" altLang="en-US" dirty="0"/>
+          </a:p>
+        </p:txBody>
+      </p:sp>
+      <p:sp>
+        <p:nvSpPr>
+          <p:cNvPr id="34" name="타원 33"/>
+          <p:cNvSpPr/>
+          <p:nvPr/>
+        </p:nvSpPr>
+        <p:spPr>
+          <a:xfrm>
+            <a:off x="508272" y="1892640"/>
+            <a:ext cx="1926076" cy="1074265"/>
+          </a:xfrm>
+          <a:prstGeom prst="ellipse">
+            <a:avLst/>
+          </a:prstGeom>
+          <a:noFill/>
+        </p:spPr>
+        <p:style>
+          <a:lnRef idx="2">
+            <a:schemeClr val="accent1">
+              <a:shade val="50000"/>
+            </a:schemeClr>
+          </a:lnRef>
+          <a:fillRef idx="1">
+            <a:schemeClr val="accent1"/>
+          </a:fillRef>
+          <a:effectRef idx="0">
+            <a:schemeClr val="accent1"/>
+          </a:effectRef>
+          <a:fontRef idx="minor">
+            <a:schemeClr val="lt1"/>
+          </a:fontRef>
+        </p:style>
+        <p:txBody>
+          <a:bodyPr rtlCol="0" anchor="ctr"/>
+          <a:lstStyle/>
+          <a:p>
+            <a:pPr algn="ctr"/>
+            <a:r>
+              <a:rPr lang="ko-KR" altLang="en-US" sz="1600" smtClean="0">
+                <a:solidFill>
+                  <a:schemeClr val="tx1"/>
+                </a:solidFill>
+              </a:rPr>
+              <a:t>조회</a:t>
+            </a:r>
+            <a:endParaRPr lang="ko-KR" altLang="en-US" sz="1600" dirty="0">
+              <a:solidFill>
+                <a:schemeClr val="tx1"/>
+              </a:solidFill>
+            </a:endParaRPr>
+          </a:p>
+        </p:txBody>
+      </p:sp>
+      <p:sp>
+        <p:nvSpPr>
+          <p:cNvPr id="35" name="타원 34"/>
+          <p:cNvSpPr/>
+          <p:nvPr/>
+        </p:nvSpPr>
+        <p:spPr>
+          <a:xfrm>
+            <a:off x="508272" y="3135426"/>
+            <a:ext cx="1926076" cy="1074265"/>
+          </a:xfrm>
+          <a:prstGeom prst="ellipse">
+            <a:avLst/>
+          </a:prstGeom>
+          <a:noFill/>
+        </p:spPr>
+        <p:style>
+          <a:lnRef idx="2">
+            <a:schemeClr val="accent1">
+              <a:shade val="50000"/>
+            </a:schemeClr>
+          </a:lnRef>
+          <a:fillRef idx="1">
+            <a:schemeClr val="accent1"/>
+          </a:fillRef>
+          <a:effectRef idx="0">
+            <a:schemeClr val="accent1"/>
+          </a:effectRef>
+          <a:fontRef idx="minor">
+            <a:schemeClr val="lt1"/>
+          </a:fontRef>
+        </p:style>
+        <p:txBody>
+          <a:bodyPr rtlCol="0" anchor="ctr"/>
+          <a:lstStyle/>
+          <a:p>
+            <a:pPr algn="ctr"/>
+            <a:r>
+              <a:rPr lang="ko-KR" altLang="en-US" sz="1600" dirty="0" smtClean="0">
+                <a:solidFill>
+                  <a:schemeClr val="tx1"/>
+                </a:solidFill>
+              </a:rPr>
+              <a:t>등록</a:t>
+            </a:r>
+            <a:endParaRPr lang="en-US" altLang="ko-KR" sz="1600" dirty="0" smtClean="0">
+              <a:solidFill>
+                <a:schemeClr val="tx1"/>
+              </a:solidFill>
+            </a:endParaRPr>
+          </a:p>
+          <a:p>
+            <a:pPr algn="ctr"/>
+            <a:r>
+              <a:rPr lang="en-US" altLang="ko-KR" sz="1600" dirty="0" smtClean="0">
+                <a:solidFill>
+                  <a:schemeClr val="tx1"/>
+                </a:solidFill>
+              </a:rPr>
+              <a:t>regist.html</a:t>
+            </a:r>
+            <a:endParaRPr lang="ko-KR" altLang="en-US" sz="1600" dirty="0">
+              <a:solidFill>
+                <a:schemeClr val="tx1"/>
+              </a:solidFill>
+            </a:endParaRPr>
+          </a:p>
+        </p:txBody>
+      </p:sp>
+      <p:sp>
+        <p:nvSpPr>
+          <p:cNvPr id="36" name="타원 35"/>
+          <p:cNvSpPr/>
+          <p:nvPr/>
+        </p:nvSpPr>
+        <p:spPr>
+          <a:xfrm>
+            <a:off x="573074" y="4448934"/>
+            <a:ext cx="1926076" cy="1074265"/>
+          </a:xfrm>
+          <a:prstGeom prst="ellipse">
+            <a:avLst/>
+          </a:prstGeom>
+          <a:noFill/>
+        </p:spPr>
+        <p:style>
+          <a:lnRef idx="2">
+            <a:schemeClr val="accent1">
+              <a:shade val="50000"/>
+            </a:schemeClr>
+          </a:lnRef>
+          <a:fillRef idx="1">
+            <a:schemeClr val="accent1"/>
+          </a:fillRef>
+          <a:effectRef idx="0">
+            <a:schemeClr val="accent1"/>
+          </a:effectRef>
+          <a:fontRef idx="minor">
+            <a:schemeClr val="lt1"/>
+          </a:fontRef>
+        </p:style>
+        <p:txBody>
+          <a:bodyPr rtlCol="0" anchor="ctr"/>
+          <a:lstStyle/>
+          <a:p>
+            <a:pPr algn="ctr"/>
+            <a:r>
+              <a:rPr lang="ko-KR" altLang="en-US" sz="1600" dirty="0" smtClean="0">
+                <a:solidFill>
+                  <a:schemeClr val="tx1"/>
+                </a:solidFill>
+              </a:rPr>
+              <a:t>삭제</a:t>
+            </a:r>
+            <a:endParaRPr lang="ko-KR" altLang="en-US" sz="1600" dirty="0">
+              <a:solidFill>
+                <a:schemeClr val="tx1"/>
+              </a:solidFill>
+            </a:endParaRPr>
+          </a:p>
+        </p:txBody>
+      </p:sp>
+      <p:cxnSp>
+        <p:nvCxnSpPr>
+          <p:cNvPr id="38" name="직선 연결선 37"/>
+          <p:cNvCxnSpPr/>
+          <p:nvPr/>
+        </p:nvCxnSpPr>
+        <p:spPr>
+          <a:xfrm>
+            <a:off x="8753005" y="1498058"/>
+            <a:ext cx="1374843" cy="0"/>
+          </a:xfrm>
+          <a:prstGeom prst="line">
+            <a:avLst/>
+          </a:prstGeom>
+          <a:ln>
+            <a:solidFill>
+              <a:schemeClr val="tx1"/>
+            </a:solidFill>
+          </a:ln>
+        </p:spPr>
+        <p:style>
+          <a:lnRef idx="1">
+            <a:schemeClr val="accent1"/>
+          </a:lnRef>
+          <a:fillRef idx="0">
+            <a:schemeClr val="accent1"/>
+          </a:fillRef>
+          <a:effectRef idx="0">
+            <a:schemeClr val="accent1"/>
+          </a:effectRef>
+          <a:fontRef idx="minor">
+            <a:schemeClr val="tx1"/>
+          </a:fontRef>
+        </p:style>
+      </p:cxnSp>
+      <p:cxnSp>
+        <p:nvCxnSpPr>
+          <p:cNvPr id="14" name="직선 화살표 연결선 13"/>
+          <p:cNvCxnSpPr>
+            <a:stCxn id="34" idx="6"/>
+          </p:cNvCxnSpPr>
+          <p:nvPr/>
+        </p:nvCxnSpPr>
+        <p:spPr>
+          <a:xfrm>
+            <a:off x="2434348" y="2429773"/>
+            <a:ext cx="1725037" cy="1"/>
+          </a:xfrm>
+          <a:prstGeom prst="straightConnector1">
+            <a:avLst/>
+          </a:prstGeom>
+          <a:ln>
+            <a:tailEnd type="triangle"/>
+          </a:ln>
+        </p:spPr>
+        <p:style>
+          <a:lnRef idx="1">
+            <a:schemeClr val="accent1"/>
+          </a:lnRef>
+          <a:fillRef idx="0">
+            <a:schemeClr val="accent1"/>
+          </a:fillRef>
+          <a:effectRef idx="0">
+            <a:schemeClr val="accent1"/>
+          </a:effectRef>
+          <a:fontRef idx="minor">
+            <a:schemeClr val="tx1"/>
+          </a:fontRef>
+        </p:style>
+      </p:cxnSp>
+      <p:cxnSp>
+        <p:nvCxnSpPr>
+          <p:cNvPr id="40" name="직선 화살표 연결선 39"/>
+          <p:cNvCxnSpPr>
+            <a:stCxn id="35" idx="6"/>
+          </p:cNvCxnSpPr>
+          <p:nvPr/>
+        </p:nvCxnSpPr>
+        <p:spPr>
+          <a:xfrm flipV="1">
+            <a:off x="2434348" y="3669106"/>
+            <a:ext cx="1725037" cy="3453"/>
+          </a:xfrm>
+          <a:prstGeom prst="straightConnector1">
+            <a:avLst/>
+          </a:prstGeom>
+          <a:ln>
+            <a:tailEnd type="triangle"/>
+          </a:ln>
+        </p:spPr>
+        <p:style>
+          <a:lnRef idx="1">
+            <a:schemeClr val="accent1"/>
+          </a:lnRef>
+          <a:fillRef idx="0">
+            <a:schemeClr val="accent1"/>
+          </a:fillRef>
+          <a:effectRef idx="0">
+            <a:schemeClr val="accent1"/>
+          </a:effectRef>
+          <a:fontRef idx="minor">
+            <a:schemeClr val="tx1"/>
+          </a:fontRef>
+        </p:style>
+      </p:cxnSp>
+      <p:cxnSp>
+        <p:nvCxnSpPr>
+          <p:cNvPr id="42" name="직선 화살표 연결선 41"/>
+          <p:cNvCxnSpPr>
+            <a:stCxn id="36" idx="6"/>
+          </p:cNvCxnSpPr>
+          <p:nvPr/>
+        </p:nvCxnSpPr>
+        <p:spPr>
+          <a:xfrm flipV="1">
+            <a:off x="2499150" y="4977442"/>
+            <a:ext cx="1668862" cy="8625"/>
+          </a:xfrm>
+          <a:prstGeom prst="straightConnector1">
+            <a:avLst/>
+          </a:prstGeom>
+          <a:ln>
+            <a:tailEnd type="triangle"/>
+          </a:ln>
+        </p:spPr>
+        <p:style>
+          <a:lnRef idx="1">
+            <a:schemeClr val="accent1"/>
+          </a:lnRef>
+          <a:fillRef idx="0">
+            <a:schemeClr val="accent1"/>
+          </a:fillRef>
+          <a:effectRef idx="0">
+            <a:schemeClr val="accent1"/>
+          </a:effectRef>
+          <a:fontRef idx="minor">
+            <a:schemeClr val="tx1"/>
+          </a:fontRef>
+        </p:style>
+      </p:cxnSp>
+      <p:sp>
+        <p:nvSpPr>
+          <p:cNvPr id="54" name="모서리가 둥근 직사각형 53"/>
+          <p:cNvSpPr/>
+          <p:nvPr/>
+        </p:nvSpPr>
+        <p:spPr>
+          <a:xfrm>
+            <a:off x="5038187" y="2038729"/>
+            <a:ext cx="591046" cy="1541322"/>
+          </a:xfrm>
+          <a:prstGeom prst="roundRect">
+            <a:avLst/>
+          </a:prstGeom>
+          <a:solidFill>
+            <a:schemeClr val="bg1">
+              <a:lumMod val="85000"/>
+            </a:schemeClr>
+          </a:solidFill>
+        </p:spPr>
+        <p:style>
+          <a:lnRef idx="2">
+            <a:schemeClr val="accent1">
+              <a:shade val="50000"/>
+            </a:schemeClr>
+          </a:lnRef>
+          <a:fillRef idx="1">
+            <a:schemeClr val="accent1"/>
+          </a:fillRef>
+          <a:effectRef idx="0">
+            <a:schemeClr val="accent1"/>
+          </a:effectRef>
+          <a:fontRef idx="minor">
+            <a:schemeClr val="lt1"/>
+          </a:fontRef>
+        </p:style>
+        <p:txBody>
+          <a:bodyPr rtlCol="0" anchor="ctr"/>
+          <a:lstStyle/>
+          <a:p>
+            <a:pPr algn="ctr"/>
+            <a:r>
+              <a:rPr lang="ko-KR" altLang="en-US" sz="1400" b="1" dirty="0" smtClean="0">
+                <a:solidFill>
+                  <a:schemeClr val="tx1"/>
+                </a:solidFill>
+              </a:rPr>
+              <a:t>컨트</a:t>
+            </a:r>
+            <a:endParaRPr lang="en-US" altLang="ko-KR" sz="1400" b="1" dirty="0" smtClean="0">
+              <a:solidFill>
+                <a:schemeClr val="tx1"/>
+              </a:solidFill>
+            </a:endParaRPr>
+          </a:p>
+          <a:p>
+            <a:pPr algn="ctr"/>
+            <a:r>
+              <a:rPr lang="ko-KR" altLang="en-US" sz="1400" b="1" dirty="0" smtClean="0">
+                <a:solidFill>
+                  <a:schemeClr val="tx1"/>
+                </a:solidFill>
+              </a:rPr>
+              <a:t>롤러</a:t>
+            </a:r>
+            <a:endParaRPr lang="ko-KR" altLang="en-US" sz="1400" b="1" dirty="0">
+              <a:solidFill>
+                <a:schemeClr val="tx1"/>
+              </a:solidFill>
+            </a:endParaRPr>
+          </a:p>
+        </p:txBody>
+      </p:sp>
+      <p:sp>
+        <p:nvSpPr>
+          <p:cNvPr id="55" name="모서리가 둥근 직사각형 54"/>
+          <p:cNvSpPr/>
+          <p:nvPr/>
+        </p:nvSpPr>
+        <p:spPr>
+          <a:xfrm>
+            <a:off x="6765143" y="2072315"/>
+            <a:ext cx="1026248" cy="936735"/>
+          </a:xfrm>
+          <a:prstGeom prst="roundRect">
+            <a:avLst/>
+          </a:prstGeom>
+          <a:solidFill>
+            <a:schemeClr val="bg1">
+              <a:lumMod val="85000"/>
+            </a:schemeClr>
+          </a:solidFill>
+        </p:spPr>
+        <p:style>
+          <a:lnRef idx="2">
+            <a:schemeClr val="accent1">
+              <a:shade val="50000"/>
+            </a:schemeClr>
+          </a:lnRef>
+          <a:fillRef idx="1">
+            <a:schemeClr val="accent1"/>
+          </a:fillRef>
+          <a:effectRef idx="0">
+            <a:schemeClr val="accent1"/>
+          </a:effectRef>
+          <a:fontRef idx="minor">
+            <a:schemeClr val="lt1"/>
+          </a:fontRef>
+        </p:style>
+        <p:txBody>
+          <a:bodyPr rtlCol="0" anchor="ctr"/>
+          <a:lstStyle/>
+          <a:p>
+            <a:pPr algn="ctr"/>
+            <a:r>
+              <a:rPr lang="en-US" altLang="ko-KR" sz="1400" b="1" dirty="0" smtClean="0">
+                <a:solidFill>
+                  <a:schemeClr val="tx1"/>
+                </a:solidFill>
+              </a:rPr>
+              <a:t>Service</a:t>
+            </a:r>
+            <a:endParaRPr lang="ko-KR" altLang="en-US" sz="1400" b="1" dirty="0">
+              <a:solidFill>
+                <a:schemeClr val="tx1"/>
+              </a:solidFill>
+            </a:endParaRPr>
+          </a:p>
+        </p:txBody>
+      </p:sp>
+      <p:sp>
+        <p:nvSpPr>
+          <p:cNvPr id="56" name="모서리가 둥근 직사각형 55"/>
+          <p:cNvSpPr/>
+          <p:nvPr/>
+        </p:nvSpPr>
+        <p:spPr>
+          <a:xfrm>
+            <a:off x="5295782" y="4890153"/>
+            <a:ext cx="1072552" cy="830706"/>
+          </a:xfrm>
+          <a:prstGeom prst="roundRect">
+            <a:avLst/>
+          </a:prstGeom>
+          <a:solidFill>
+            <a:schemeClr val="bg1">
+              <a:lumMod val="85000"/>
+            </a:schemeClr>
+          </a:solidFill>
+        </p:spPr>
+        <p:style>
+          <a:lnRef idx="2">
+            <a:schemeClr val="accent1">
+              <a:shade val="50000"/>
+            </a:schemeClr>
+          </a:lnRef>
+          <a:fillRef idx="1">
+            <a:schemeClr val="accent1"/>
+          </a:fillRef>
+          <a:effectRef idx="0">
+            <a:schemeClr val="accent1"/>
+          </a:effectRef>
+          <a:fontRef idx="minor">
+            <a:schemeClr val="lt1"/>
+          </a:fontRef>
+        </p:style>
+        <p:txBody>
+          <a:bodyPr rtlCol="0" anchor="ctr"/>
+          <a:lstStyle/>
+          <a:p>
+            <a:pPr algn="ctr"/>
+            <a:r>
+              <a:rPr lang="ko-KR" altLang="en-US" sz="1400" b="1" dirty="0" err="1" smtClean="0">
+                <a:solidFill>
+                  <a:schemeClr val="tx1"/>
+                </a:solidFill>
+              </a:rPr>
+              <a:t>뷰</a:t>
+            </a:r>
+            <a:endParaRPr lang="ko-KR" altLang="en-US" sz="1400" b="1" dirty="0">
+              <a:solidFill>
+                <a:schemeClr val="tx1"/>
+              </a:solidFill>
+            </a:endParaRPr>
+          </a:p>
+        </p:txBody>
+      </p:sp>
+      <p:sp>
+        <p:nvSpPr>
+          <p:cNvPr id="76" name="TextBox 75"/>
+          <p:cNvSpPr txBox="1"/>
+          <p:nvPr/>
+        </p:nvSpPr>
+        <p:spPr>
+          <a:xfrm>
+            <a:off x="10804050" y="1772387"/>
+            <a:ext cx="1180844" cy="923330"/>
+          </a:xfrm>
+          <a:prstGeom prst="rect">
+            <a:avLst/>
+          </a:prstGeom>
+          <a:noFill/>
+        </p:spPr>
+        <p:txBody>
+          <a:bodyPr wrap="square" rtlCol="0">
+            <a:spAutoFit/>
+          </a:bodyPr>
+          <a:lstStyle/>
+          <a:p>
+            <a:pPr>
+              <a:lnSpc>
+                <a:spcPct val="150000"/>
+              </a:lnSpc>
+            </a:pPr>
+            <a:r>
+              <a:rPr lang="en-US" altLang="ko-KR" sz="1200" dirty="0" smtClean="0"/>
+              <a:t>DB </a:t>
+            </a:r>
+            <a:r>
+              <a:rPr lang="ko-KR" altLang="en-US" sz="1200" dirty="0" smtClean="0"/>
+              <a:t>연결</a:t>
+            </a:r>
+            <a:endParaRPr lang="en-US" altLang="ko-KR" sz="1200" dirty="0" smtClean="0"/>
+          </a:p>
+          <a:p>
+            <a:pPr>
+              <a:lnSpc>
+                <a:spcPct val="150000"/>
+              </a:lnSpc>
+            </a:pPr>
+            <a:r>
+              <a:rPr lang="ko-KR" altLang="en-US" sz="1200" dirty="0" smtClean="0"/>
+              <a:t>데이터추출</a:t>
+            </a:r>
+            <a:endParaRPr lang="en-US" altLang="ko-KR" sz="1200" dirty="0" smtClean="0"/>
+          </a:p>
+          <a:p>
+            <a:pPr>
+              <a:lnSpc>
+                <a:spcPct val="150000"/>
+              </a:lnSpc>
+            </a:pPr>
+            <a:r>
+              <a:rPr lang="en-US" altLang="ko-KR" sz="1200" dirty="0" smtClean="0"/>
+              <a:t>return </a:t>
+            </a:r>
+            <a:r>
+              <a:rPr lang="ko-KR" altLang="en-US" sz="1200" dirty="0" smtClean="0"/>
+              <a:t>데이터</a:t>
+            </a:r>
+            <a:endParaRPr lang="en-US" altLang="ko-KR" sz="1200" dirty="0" smtClean="0"/>
+          </a:p>
+        </p:txBody>
+      </p:sp>
+      <p:cxnSp>
+        <p:nvCxnSpPr>
+          <p:cNvPr id="88" name="직선 화살표 연결선 87"/>
+          <p:cNvCxnSpPr>
+            <a:stCxn id="54" idx="2"/>
+            <a:endCxn id="56" idx="0"/>
+          </p:cNvCxnSpPr>
+          <p:nvPr/>
+        </p:nvCxnSpPr>
+        <p:spPr>
+          <a:xfrm>
+            <a:off x="5333710" y="3580051"/>
+            <a:ext cx="498348" cy="1310102"/>
+          </a:xfrm>
+          <a:prstGeom prst="straightConnector1">
+            <a:avLst/>
+          </a:prstGeom>
+          <a:ln>
+            <a:tailEnd type="triangle"/>
+          </a:ln>
+        </p:spPr>
+        <p:style>
+          <a:lnRef idx="1">
+            <a:schemeClr val="accent1"/>
+          </a:lnRef>
+          <a:fillRef idx="0">
+            <a:schemeClr val="accent1"/>
+          </a:fillRef>
+          <a:effectRef idx="0">
+            <a:schemeClr val="accent1"/>
+          </a:effectRef>
+          <a:fontRef idx="minor">
+            <a:schemeClr val="tx1"/>
+          </a:fontRef>
+        </p:style>
+      </p:cxnSp>
+      <p:sp>
+        <p:nvSpPr>
+          <p:cNvPr id="7" name="순서도: 자기 디스크 6"/>
+          <p:cNvSpPr/>
+          <p:nvPr/>
+        </p:nvSpPr>
+        <p:spPr>
+          <a:xfrm>
+            <a:off x="10507428" y="3921971"/>
+            <a:ext cx="1242891" cy="968182"/>
+          </a:xfrm>
+          <a:prstGeom prst="flowChartMagneticDisk">
+            <a:avLst/>
+          </a:prstGeom>
+        </p:spPr>
+        <p:style>
+          <a:lnRef idx="2">
+            <a:schemeClr val="accent1">
+              <a:shade val="50000"/>
+            </a:schemeClr>
+          </a:lnRef>
+          <a:fillRef idx="1">
+            <a:schemeClr val="accent1"/>
+          </a:fillRef>
+          <a:effectRef idx="0">
+            <a:schemeClr val="accent1"/>
+          </a:effectRef>
+          <a:fontRef idx="minor">
+            <a:schemeClr val="lt1"/>
+          </a:fontRef>
+        </p:style>
+        <p:txBody>
+          <a:bodyPr rtlCol="0" anchor="ctr"/>
+          <a:lstStyle/>
+          <a:p>
+            <a:pPr algn="ctr"/>
+            <a:r>
+              <a:rPr lang="en-US" altLang="ko-KR" dirty="0" smtClean="0"/>
+              <a:t>DB</a:t>
+            </a:r>
+            <a:endParaRPr lang="ko-KR" altLang="en-US" dirty="0"/>
+          </a:p>
+        </p:txBody>
+      </p:sp>
+      <p:sp>
+        <p:nvSpPr>
+          <p:cNvPr id="17" name="직사각형 16"/>
+          <p:cNvSpPr/>
+          <p:nvPr/>
+        </p:nvSpPr>
+        <p:spPr>
+          <a:xfrm>
+            <a:off x="4425227" y="1498058"/>
+            <a:ext cx="7559668" cy="4989006"/>
+          </a:xfrm>
+          <a:prstGeom prst="rect">
+            <a:avLst/>
+          </a:prstGeom>
+          <a:noFill/>
+          <a:ln w="38100"/>
+        </p:spPr>
+        <p:style>
+          <a:lnRef idx="2">
+            <a:schemeClr val="accent1">
+              <a:shade val="50000"/>
+            </a:schemeClr>
+          </a:lnRef>
+          <a:fillRef idx="1">
+            <a:schemeClr val="accent1"/>
+          </a:fillRef>
+          <a:effectRef idx="0">
+            <a:schemeClr val="accent1"/>
+          </a:effectRef>
+          <a:fontRef idx="minor">
+            <a:schemeClr val="lt1"/>
+          </a:fontRef>
+        </p:style>
+        <p:txBody>
+          <a:bodyPr rtlCol="0" anchor="ctr"/>
+          <a:lstStyle/>
+          <a:p>
+            <a:pPr algn="ctr"/>
+            <a:endParaRPr lang="ko-KR" altLang="en-US"/>
+          </a:p>
+        </p:txBody>
+      </p:sp>
+      <p:sp>
+        <p:nvSpPr>
+          <p:cNvPr id="57" name="모서리가 둥근 직사각형 56"/>
+          <p:cNvSpPr/>
+          <p:nvPr/>
+        </p:nvSpPr>
+        <p:spPr>
+          <a:xfrm>
+            <a:off x="9101600" y="1961403"/>
+            <a:ext cx="1026248" cy="847987"/>
+          </a:xfrm>
+          <a:prstGeom prst="roundRect">
+            <a:avLst/>
+          </a:prstGeom>
+          <a:solidFill>
+            <a:schemeClr val="bg1">
+              <a:lumMod val="85000"/>
+            </a:schemeClr>
+          </a:solidFill>
+        </p:spPr>
+        <p:style>
+          <a:lnRef idx="2">
+            <a:schemeClr val="accent1">
+              <a:shade val="50000"/>
+            </a:schemeClr>
+          </a:lnRef>
+          <a:fillRef idx="1">
+            <a:schemeClr val="accent1"/>
+          </a:fillRef>
+          <a:effectRef idx="0">
+            <a:schemeClr val="accent1"/>
+          </a:effectRef>
+          <a:fontRef idx="minor">
+            <a:schemeClr val="lt1"/>
+          </a:fontRef>
+        </p:style>
+        <p:txBody>
+          <a:bodyPr rtlCol="0" anchor="ctr"/>
+          <a:lstStyle/>
+          <a:p>
+            <a:pPr algn="ctr"/>
+            <a:r>
+              <a:rPr lang="en-US" altLang="ko-KR" sz="1400" b="1" dirty="0" smtClean="0">
+                <a:solidFill>
+                  <a:schemeClr val="tx1"/>
+                </a:solidFill>
+              </a:rPr>
+              <a:t>Dao</a:t>
+            </a:r>
+            <a:endParaRPr lang="ko-KR" altLang="en-US" sz="1400" b="1" dirty="0">
+              <a:solidFill>
+                <a:schemeClr val="tx1"/>
+              </a:solidFill>
+            </a:endParaRPr>
+          </a:p>
+        </p:txBody>
+      </p:sp>
+      <p:cxnSp>
+        <p:nvCxnSpPr>
+          <p:cNvPr id="22" name="직선 연결선 21"/>
+          <p:cNvCxnSpPr>
+            <a:stCxn id="55" idx="3"/>
+            <a:endCxn id="57" idx="1"/>
+          </p:cNvCxnSpPr>
+          <p:nvPr/>
+        </p:nvCxnSpPr>
+        <p:spPr>
+          <a:xfrm flipV="1">
+            <a:off x="7791391" y="2385397"/>
+            <a:ext cx="1310209" cy="155286"/>
+          </a:xfrm>
+          <a:prstGeom prst="line">
+            <a:avLst/>
+          </a:prstGeom>
+        </p:spPr>
+        <p:style>
+          <a:lnRef idx="1">
+            <a:schemeClr val="accent1"/>
+          </a:lnRef>
+          <a:fillRef idx="0">
+            <a:schemeClr val="accent1"/>
+          </a:fillRef>
+          <a:effectRef idx="0">
+            <a:schemeClr val="accent1"/>
+          </a:effectRef>
+          <a:fontRef idx="minor">
+            <a:schemeClr val="tx1"/>
+          </a:fontRef>
+        </p:style>
+      </p:cxnSp>
+      <p:cxnSp>
+        <p:nvCxnSpPr>
+          <p:cNvPr id="26" name="직선 연결선 25"/>
+          <p:cNvCxnSpPr>
+            <a:stCxn id="54" idx="3"/>
+            <a:endCxn id="55" idx="1"/>
+          </p:cNvCxnSpPr>
+          <p:nvPr/>
+        </p:nvCxnSpPr>
+        <p:spPr>
+          <a:xfrm flipV="1">
+            <a:off x="5629233" y="2540683"/>
+            <a:ext cx="1135910" cy="268707"/>
+          </a:xfrm>
+          <a:prstGeom prst="line">
+            <a:avLst/>
+          </a:prstGeom>
+        </p:spPr>
+        <p:style>
+          <a:lnRef idx="1">
+            <a:schemeClr val="accent1"/>
+          </a:lnRef>
+          <a:fillRef idx="0">
+            <a:schemeClr val="accent1"/>
+          </a:fillRef>
+          <a:effectRef idx="0">
+            <a:schemeClr val="accent1"/>
+          </a:effectRef>
+          <a:fontRef idx="minor">
+            <a:schemeClr val="tx1"/>
+          </a:fontRef>
+        </p:style>
+      </p:cxnSp>
+      <p:sp>
+        <p:nvSpPr>
+          <p:cNvPr id="63" name="모서리가 둥근 직사각형 62"/>
+          <p:cNvSpPr/>
+          <p:nvPr/>
+        </p:nvSpPr>
+        <p:spPr>
+          <a:xfrm>
+            <a:off x="8927302" y="3283367"/>
+            <a:ext cx="1026248" cy="847987"/>
+          </a:xfrm>
+          <a:prstGeom prst="roundRect">
+            <a:avLst/>
+          </a:prstGeom>
+          <a:solidFill>
+            <a:schemeClr val="bg1">
+              <a:lumMod val="85000"/>
+            </a:schemeClr>
+          </a:solidFill>
+        </p:spPr>
+        <p:style>
+          <a:lnRef idx="2">
+            <a:schemeClr val="accent1">
+              <a:shade val="50000"/>
+            </a:schemeClr>
+          </a:lnRef>
+          <a:fillRef idx="1">
+            <a:schemeClr val="accent1"/>
+          </a:fillRef>
+          <a:effectRef idx="0">
+            <a:schemeClr val="accent1"/>
+          </a:effectRef>
+          <a:fontRef idx="minor">
+            <a:schemeClr val="lt1"/>
+          </a:fontRef>
+        </p:style>
+        <p:txBody>
+          <a:bodyPr rtlCol="0" anchor="ctr"/>
+          <a:lstStyle/>
+          <a:p>
+            <a:pPr algn="ctr"/>
+            <a:r>
+              <a:rPr lang="en-US" altLang="ko-KR" sz="1400" b="1" dirty="0" smtClean="0">
+                <a:solidFill>
+                  <a:schemeClr val="tx1"/>
+                </a:solidFill>
+              </a:rPr>
+              <a:t>mapper</a:t>
+            </a:r>
+          </a:p>
+          <a:p>
+            <a:pPr algn="ctr"/>
+            <a:r>
+              <a:rPr lang="en-US" altLang="ko-KR" sz="1400" b="1" dirty="0" smtClean="0">
+                <a:solidFill>
+                  <a:schemeClr val="tx1"/>
+                </a:solidFill>
+              </a:rPr>
+              <a:t>(xml)</a:t>
+            </a:r>
+            <a:endParaRPr lang="ko-KR" altLang="en-US" sz="1400" b="1" dirty="0">
+              <a:solidFill>
+                <a:schemeClr val="tx1"/>
+              </a:solidFill>
+            </a:endParaRPr>
+          </a:p>
+        </p:txBody>
+      </p:sp>
+      <p:cxnSp>
+        <p:nvCxnSpPr>
+          <p:cNvPr id="33" name="꺾인 연결선 32"/>
+          <p:cNvCxnSpPr>
+            <a:stCxn id="57" idx="2"/>
+            <a:endCxn id="63" idx="0"/>
+          </p:cNvCxnSpPr>
+          <p:nvPr/>
+        </p:nvCxnSpPr>
+        <p:spPr>
+          <a:xfrm rot="5400000">
+            <a:off x="9290587" y="2959229"/>
+            <a:ext cx="473977" cy="174298"/>
+          </a:xfrm>
+          <a:prstGeom prst="bentConnector3">
+            <a:avLst/>
+          </a:prstGeom>
+        </p:spPr>
+        <p:style>
+          <a:lnRef idx="1">
+            <a:schemeClr val="accent1"/>
+          </a:lnRef>
+          <a:fillRef idx="0">
+            <a:schemeClr val="accent1"/>
+          </a:fillRef>
+          <a:effectRef idx="0">
+            <a:schemeClr val="accent1"/>
+          </a:effectRef>
+          <a:fontRef idx="minor">
+            <a:schemeClr val="tx1"/>
+          </a:fontRef>
+        </p:style>
+      </p:cxnSp>
+      <p:cxnSp>
+        <p:nvCxnSpPr>
+          <p:cNvPr id="43" name="꺾인 연결선 42"/>
+          <p:cNvCxnSpPr>
+            <a:stCxn id="63" idx="3"/>
+            <a:endCxn id="7" idx="1"/>
+          </p:cNvCxnSpPr>
+          <p:nvPr/>
+        </p:nvCxnSpPr>
+        <p:spPr>
+          <a:xfrm>
+            <a:off x="9953550" y="3707361"/>
+            <a:ext cx="1175324" cy="214610"/>
+          </a:xfrm>
+          <a:prstGeom prst="bentConnector2">
+            <a:avLst/>
+          </a:prstGeom>
+        </p:spPr>
+        <p:style>
+          <a:lnRef idx="1">
+            <a:schemeClr val="accent1"/>
+          </a:lnRef>
+          <a:fillRef idx="0">
+            <a:schemeClr val="accent1"/>
+          </a:fillRef>
+          <a:effectRef idx="0">
+            <a:schemeClr val="accent1"/>
+          </a:effectRef>
+          <a:fontRef idx="minor">
+            <a:schemeClr val="tx1"/>
+          </a:fontRef>
+        </p:style>
+      </p:cxnSp>
+    </p:spTree>
+    <p:extLst>
+      <p:ext uri="{BB962C8B-B14F-4D97-AF65-F5344CB8AC3E}">
+        <p14:creationId xmlns:p14="http://schemas.microsoft.com/office/powerpoint/2010/main" val="536619114"/>
       </p:ext>
     </p:extLst>
   </p:cSld>
